--- a/STM32_DOCS/STM32_UART.pptx
+++ b/STM32_DOCS/STM32_UART.pptx
@@ -5,10 +5,10 @@
     <p:sldMasterId id="2147483648" r:id="rId1"/>
   </p:sldMasterIdLst>
   <p:notesMasterIdLst>
-    <p:notesMasterId r:id="rId21"/>
+    <p:notesMasterId r:id="rId23"/>
   </p:notesMasterIdLst>
   <p:handoutMasterIdLst>
-    <p:handoutMasterId r:id="rId22"/>
+    <p:handoutMasterId r:id="rId24"/>
   </p:handoutMasterIdLst>
   <p:sldIdLst>
     <p:sldId id="324" r:id="rId2"/>
@@ -27,9 +27,11 @@
     <p:sldId id="342" r:id="rId15"/>
     <p:sldId id="344" r:id="rId16"/>
     <p:sldId id="345" r:id="rId17"/>
-    <p:sldId id="347" r:id="rId18"/>
-    <p:sldId id="348" r:id="rId19"/>
-    <p:sldId id="349" r:id="rId20"/>
+    <p:sldId id="351" r:id="rId18"/>
+    <p:sldId id="347" r:id="rId19"/>
+    <p:sldId id="348" r:id="rId20"/>
+    <p:sldId id="349" r:id="rId21"/>
+    <p:sldId id="352" r:id="rId22"/>
   </p:sldIdLst>
   <p:sldSz cx="12192000" cy="6858000"/>
   <p:notesSz cx="6858000" cy="9144000"/>
@@ -130,7 +132,7 @@
   </p:defaultTextStyle>
   <p:extLst>
     <p:ext uri="{EFAFB233-063F-42B5-8137-9DF3F51BA10A}">
-      <p15:sldGuideLst xmlns:p15="http://schemas.microsoft.com/office/powerpoint/2012/main"/>
+      <p15:sldGuideLst xmlns:p15="http://schemas.microsoft.com/office/powerpoint/2012/main" xmlns=""/>
     </p:ext>
   </p:extLst>
 </p:presentation>
@@ -4856,7 +4858,7 @@
           <a:p>
             <a:fld id="{FA960776-DD9C-4CA1-B52F-F69555253B23}" type="datetimeFigureOut">
               <a:rPr lang="en-US" smtClean="0"/>
-              <a:t>7/15/2021</a:t>
+              <a:t>15-Jul-21</a:t>
             </a:fld>
             <a:endParaRPr lang="en-US"/>
           </a:p>
@@ -5021,7 +5023,7 @@
           <a:p>
             <a:fld id="{117B28C9-C092-4B93-8C1C-CCC07276BB7E}" type="datetimeFigureOut">
               <a:rPr lang="en-US" smtClean="0"/>
-              <a:t>7/15/2021</a:t>
+              <a:t>15-Jul-21</a:t>
             </a:fld>
             <a:endParaRPr lang="en-US"/>
           </a:p>
@@ -5420,7 +5422,7 @@
           <a:p>
             <a:fld id="{2A5E2251-59F4-40B9-B589-7FD156F73A80}" type="datetime1">
               <a:rPr lang="en-US" smtClean="0"/>
-              <a:t>7/15/2021</a:t>
+              <a:t>15-Jul-21</a:t>
             </a:fld>
             <a:endParaRPr lang="en-US"/>
           </a:p>
@@ -5594,7 +5596,7 @@
           <a:p>
             <a:fld id="{89CF80C3-0E08-48A5-B726-C01769596925}" type="datetime1">
               <a:rPr lang="en-US" smtClean="0"/>
-              <a:t>7/15/2021</a:t>
+              <a:t>15-Jul-21</a:t>
             </a:fld>
             <a:endParaRPr lang="en-US"/>
           </a:p>
@@ -5778,7 +5780,7 @@
           <a:p>
             <a:fld id="{892E424D-94F6-4CEC-A81F-5E779D7413CC}" type="datetime1">
               <a:rPr lang="en-US" smtClean="0"/>
-              <a:t>7/15/2021</a:t>
+              <a:t>15-Jul-21</a:t>
             </a:fld>
             <a:endParaRPr lang="en-US"/>
           </a:p>
@@ -5952,7 +5954,7 @@
           <a:p>
             <a:fld id="{97D9D462-B0B7-4ABA-96C7-E930E507E961}" type="datetime1">
               <a:rPr lang="en-US" smtClean="0"/>
-              <a:t>7/15/2021</a:t>
+              <a:t>15-Jul-21</a:t>
             </a:fld>
             <a:endParaRPr lang="en-US"/>
           </a:p>
@@ -6202,7 +6204,7 @@
           <a:p>
             <a:fld id="{3918557C-03DF-4711-B723-5E38B3E9A1E7}" type="datetime1">
               <a:rPr lang="en-US" smtClean="0"/>
-              <a:t>7/15/2021</a:t>
+              <a:t>15-Jul-21</a:t>
             </a:fld>
             <a:endParaRPr lang="en-US"/>
           </a:p>
@@ -6438,7 +6440,7 @@
           <a:p>
             <a:fld id="{88336EB4-A409-4FAD-9C75-0FDA2532A29E}" type="datetime1">
               <a:rPr lang="en-US" smtClean="0"/>
-              <a:t>7/15/2021</a:t>
+              <a:t>15-Jul-21</a:t>
             </a:fld>
             <a:endParaRPr lang="en-US"/>
           </a:p>
@@ -6809,7 +6811,7 @@
           <a:p>
             <a:fld id="{DEDC10B9-38CE-47F4-A584-8AB9D88C77B6}" type="datetime1">
               <a:rPr lang="en-US" smtClean="0"/>
-              <a:t>7/15/2021</a:t>
+              <a:t>15-Jul-21</a:t>
             </a:fld>
             <a:endParaRPr lang="en-US"/>
           </a:p>
@@ -6931,7 +6933,7 @@
           <a:p>
             <a:fld id="{3555007C-9379-46F8-979B-5F3BF56E7AAF}" type="datetime1">
               <a:rPr lang="en-US" smtClean="0"/>
-              <a:t>7/15/2021</a:t>
+              <a:t>15-Jul-21</a:t>
             </a:fld>
             <a:endParaRPr lang="en-US"/>
           </a:p>
@@ -7030,7 +7032,7 @@
           <a:p>
             <a:fld id="{DF2E3600-6EBA-4BF3-A90C-7AAC98EC2961}" type="datetime1">
               <a:rPr lang="en-US" smtClean="0"/>
-              <a:t>7/15/2021</a:t>
+              <a:t>15-Jul-21</a:t>
             </a:fld>
             <a:endParaRPr lang="en-US"/>
           </a:p>
@@ -7311,7 +7313,7 @@
           <a:p>
             <a:fld id="{58C74F0D-A1EF-4991-AA34-322619835400}" type="datetime1">
               <a:rPr lang="en-US" smtClean="0"/>
-              <a:t>7/15/2021</a:t>
+              <a:t>15-Jul-21</a:t>
             </a:fld>
             <a:endParaRPr lang="en-US"/>
           </a:p>
@@ -7568,7 +7570,7 @@
           <a:p>
             <a:fld id="{B940BCD2-4171-4350-A35E-E8DC82A10A4D}" type="datetime1">
               <a:rPr lang="en-US" smtClean="0"/>
-              <a:t>7/15/2021</a:t>
+              <a:t>15-Jul-21</a:t>
             </a:fld>
             <a:endParaRPr lang="en-US"/>
           </a:p>
@@ -7785,7 +7787,7 @@
           <a:p>
             <a:fld id="{ABA45DF3-9160-4E03-9CC3-848E1257BAC3}" type="datetime1">
               <a:rPr lang="en-US" smtClean="0"/>
-              <a:t>7/15/2021</a:t>
+              <a:t>15-Jul-21</a:t>
             </a:fld>
             <a:endParaRPr lang="en-US"/>
           </a:p>
@@ -9691,15 +9693,11 @@
             </a:r>
             <a:r>
               <a:rPr lang="en-US" sz="2000" dirty="0"/>
-              <a:t>IrDA (infrared data association) SIR ENDEC specifications, and modem </a:t>
+              <a:t>IrDA (infrared data association</a:t>
             </a:r>
             <a:r>
               <a:rPr lang="en-US" sz="2000" dirty="0" smtClean="0"/>
-              <a:t>operations (CTS/RTS</a:t>
-            </a:r>
-            <a:r>
-              <a:rPr lang="en-US" sz="2000" dirty="0"/>
-              <a:t>). </a:t>
+              <a:t>)</a:t>
             </a:r>
             <a:endParaRPr lang="en-US" sz="2000" dirty="0" smtClean="0"/>
           </a:p>
@@ -9913,14 +9911,6 @@
               </a:rPr>
               <a:t>diagram</a:t>
             </a:r>
-            <a:endParaRPr lang="en-US" sz="2800" b="1" dirty="0" smtClean="0">
-              <a:solidFill>
-                <a:schemeClr val="accent1">
-                  <a:lumMod val="75000"/>
-                </a:schemeClr>
-              </a:solidFill>
-              <a:latin typeface="Facto Bold" panose="00000800000000000000" pitchFamily="50" charset="0"/>
-            </a:endParaRPr>
           </a:p>
         </p:txBody>
       </p:sp>
@@ -10108,14 +10098,6 @@
               </a:rPr>
               <a:t>Registers Used in UART</a:t>
             </a:r>
-            <a:endParaRPr lang="en-US" sz="2800" b="1" dirty="0" smtClean="0">
-              <a:solidFill>
-                <a:schemeClr val="accent1">
-                  <a:lumMod val="75000"/>
-                </a:schemeClr>
-              </a:solidFill>
-              <a:latin typeface="Facto Bold" panose="00000800000000000000" pitchFamily="50" charset="0"/>
-            </a:endParaRPr>
           </a:p>
         </p:txBody>
       </p:sp>
@@ -10275,7 +10257,6 @@
               <a:rPr lang="en-US" sz="2000" dirty="0"/>
               <a:t>Status register (USART_SR)</a:t>
             </a:r>
-            <a:endParaRPr lang="en-US" sz="2000" dirty="0"/>
           </a:p>
         </p:txBody>
       </p:sp>
@@ -10431,8 +10412,16 @@
                 </a:solidFill>
                 <a:latin typeface="Facto Bold" panose="00000800000000000000" pitchFamily="50" charset="0"/>
               </a:rPr>
-              <a:t>Heading</a:t>
-            </a:r>
+              <a:t>Baud Rate Calculation</a:t>
+            </a:r>
+            <a:endParaRPr lang="en-US" sz="2800" b="1" dirty="0" smtClean="0">
+              <a:solidFill>
+                <a:schemeClr val="accent1">
+                  <a:lumMod val="75000"/>
+                </a:schemeClr>
+              </a:solidFill>
+              <a:latin typeface="Facto Bold" panose="00000800000000000000" pitchFamily="50" charset="0"/>
+            </a:endParaRPr>
           </a:p>
         </p:txBody>
       </p:sp>
@@ -10444,8 +10433,8 @@
         </p:nvSpPr>
         <p:spPr>
           <a:xfrm>
-            <a:off x="801660" y="1185704"/>
-            <a:ext cx="11013140" cy="400110"/>
+            <a:off x="721781" y="1185702"/>
+            <a:ext cx="11013140" cy="4555093"/>
           </a:xfrm>
           <a:prstGeom prst="rect">
             <a:avLst/>
@@ -10458,28 +10447,205 @@
           </a:bodyPr>
           <a:lstStyle/>
           <a:p>
-            <a:pPr marL="384048" lvl="0" indent="-384048">
+            <a:pPr lvl="0">
               <a:spcBef>
                 <a:spcPts val="1000"/>
               </a:spcBef>
               <a:spcAft>
                 <a:spcPts val="200"/>
               </a:spcAft>
-              <a:buFont typeface="Wingdings" panose="05000000000000000000" pitchFamily="2" charset="2"/>
-              <a:buChar char="v"/>
             </a:pPr>
             <a:r>
+              <a:rPr lang="en-US" sz="2000" dirty="0" smtClean="0">
+                <a:solidFill>
+                  <a:srgbClr val="FF0000"/>
+                </a:solidFill>
+              </a:rPr>
+              <a:t>Baud rate = </a:t>
+            </a:r>
+            <a:r>
+              <a:rPr lang="en-US" sz="2000" dirty="0" err="1" smtClean="0">
+                <a:solidFill>
+                  <a:srgbClr val="FF0000"/>
+                </a:solidFill>
+              </a:rPr>
+              <a:t>fosc</a:t>
+            </a:r>
+            <a:r>
+              <a:rPr lang="en-US" sz="2000" dirty="0" smtClean="0">
+                <a:solidFill>
+                  <a:srgbClr val="FF0000"/>
+                </a:solidFill>
+              </a:rPr>
+              <a:t> / (16*UARTDIV )</a:t>
+            </a:r>
+          </a:p>
+          <a:p>
+            <a:pPr marL="342900" lvl="0" indent="-342900">
+              <a:spcBef>
+                <a:spcPts val="1000"/>
+              </a:spcBef>
+              <a:spcAft>
+                <a:spcPts val="200"/>
+              </a:spcAft>
+              <a:buFont typeface="Arial" pitchFamily="34" charset="0"/>
+              <a:buChar char="•"/>
+            </a:pPr>
+            <a:r>
+              <a:rPr lang="en-US" sz="2000" dirty="0" smtClean="0"/>
+              <a:t>If we need baud rate 9600</a:t>
+            </a:r>
+          </a:p>
+          <a:p>
+            <a:pPr marL="800100" lvl="1" indent="-342900">
+              <a:spcBef>
+                <a:spcPts val="1000"/>
+              </a:spcBef>
+              <a:spcAft>
+                <a:spcPts val="200"/>
+              </a:spcAft>
+              <a:buFont typeface="Arial" pitchFamily="34" charset="0"/>
+              <a:buChar char="•"/>
+            </a:pPr>
+            <a:r>
+              <a:rPr lang="en-US" sz="2000" dirty="0" smtClean="0"/>
+              <a:t>9600 =8mhz/(16*UARTDIV)</a:t>
+            </a:r>
+          </a:p>
+          <a:p>
+            <a:pPr marL="800100" lvl="1" indent="-342900">
+              <a:spcBef>
+                <a:spcPts val="1000"/>
+              </a:spcBef>
+              <a:spcAft>
+                <a:spcPts val="200"/>
+              </a:spcAft>
+              <a:buFont typeface="Arial" pitchFamily="34" charset="0"/>
+              <a:buChar char="•"/>
+            </a:pPr>
+            <a:r>
+              <a:rPr lang="en-US" sz="2000" dirty="0" smtClean="0"/>
+              <a:t>UARTDIV=8000000/(16*9600) =52.083</a:t>
+            </a:r>
+          </a:p>
+          <a:p>
+            <a:pPr marL="800100" lvl="1" indent="-342900">
+              <a:spcBef>
+                <a:spcPts val="1000"/>
+              </a:spcBef>
+              <a:spcAft>
+                <a:spcPts val="200"/>
+              </a:spcAft>
+              <a:buFont typeface="Arial" pitchFamily="34" charset="0"/>
+              <a:buChar char="•"/>
+            </a:pPr>
+            <a:r>
+              <a:rPr lang="en-US" sz="2000" dirty="0" smtClean="0"/>
+              <a:t>UARTDIV =</a:t>
+            </a:r>
+            <a:r>
               <a:rPr lang="en-US" sz="2000" dirty="0" err="1" smtClean="0"/>
-              <a:t>conte</a:t>
-            </a:r>
-            <a:endParaRPr lang="en-US" sz="2000" dirty="0"/>
+              <a:t>Mantissa+Fraction</a:t>
+            </a:r>
+            <a:endParaRPr lang="en-US" sz="2000" dirty="0" smtClean="0"/>
+          </a:p>
+          <a:p>
+            <a:pPr marL="342900" indent="-342900">
+              <a:spcBef>
+                <a:spcPts val="1000"/>
+              </a:spcBef>
+              <a:spcAft>
+                <a:spcPts val="200"/>
+              </a:spcAft>
+              <a:buFont typeface="Arial" pitchFamily="34" charset="0"/>
+              <a:buChar char="•"/>
+            </a:pPr>
+            <a:r>
+              <a:rPr lang="en-US" sz="2000" dirty="0" smtClean="0"/>
+              <a:t>To </a:t>
+            </a:r>
+            <a:r>
+              <a:rPr lang="en-US" sz="2000" dirty="0"/>
+              <a:t>program USARTDIV = </a:t>
+            </a:r>
+            <a:r>
+              <a:rPr lang="en-US" sz="2000" dirty="0" smtClean="0"/>
+              <a:t>0d52.083</a:t>
+            </a:r>
+            <a:r>
+              <a:rPr lang="en-US" sz="2000" dirty="0"/>
+              <a:t/>
+            </a:r>
+            <a:br>
+              <a:rPr lang="en-US" sz="2000" dirty="0"/>
+            </a:br>
+            <a:r>
+              <a:rPr lang="en-US" sz="2000" dirty="0" smtClean="0"/>
+              <a:t>This leads to:</a:t>
+            </a:r>
+            <a:br>
+              <a:rPr lang="en-US" sz="2000" dirty="0" smtClean="0"/>
+            </a:br>
+            <a:r>
+              <a:rPr lang="en-US" sz="2000" dirty="0" err="1" smtClean="0"/>
+              <a:t>DIV_Fraction</a:t>
+            </a:r>
+            <a:r>
+              <a:rPr lang="en-US" sz="2000" dirty="0" smtClean="0"/>
+              <a:t> = 16*0d0.82 = 0d13</a:t>
+            </a:r>
+            <a:br>
+              <a:rPr lang="en-US" sz="2000" dirty="0" smtClean="0"/>
+            </a:br>
+            <a:r>
+              <a:rPr lang="en-US" sz="2000" dirty="0" smtClean="0"/>
+              <a:t>The nearest real number is 0d13 = 0xD</a:t>
+            </a:r>
+            <a:br>
+              <a:rPr lang="en-US" sz="2000" dirty="0" smtClean="0"/>
+            </a:br>
+            <a:r>
+              <a:rPr lang="en-US" sz="2000" dirty="0" err="1" smtClean="0"/>
+              <a:t>DIV_Mantissa</a:t>
+            </a:r>
+            <a:r>
+              <a:rPr lang="en-US" sz="2000" dirty="0" smtClean="0"/>
+              <a:t> = mantissa (0d52.08) = 0d52 = 0x34</a:t>
+            </a:r>
+            <a:br>
+              <a:rPr lang="en-US" sz="2000" dirty="0" smtClean="0"/>
+            </a:br>
+            <a:r>
+              <a:rPr lang="en-US" sz="2000" dirty="0" smtClean="0"/>
+              <a:t>Then, </a:t>
+            </a:r>
+            <a:r>
+              <a:rPr lang="en-US" sz="2000" dirty="0" smtClean="0">
+                <a:solidFill>
+                  <a:srgbClr val="FF0000"/>
+                </a:solidFill>
+              </a:rPr>
+              <a:t>USART_BRR = 0x34D </a:t>
+            </a:r>
+            <a:r>
+              <a:rPr lang="en-US" sz="2000" dirty="0" smtClean="0"/>
+              <a:t>hence USARTDIV = 0d52.08 </a:t>
+            </a:r>
+            <a:r>
+              <a:rPr lang="en-US" sz="2000" dirty="0"/>
+              <a:t/>
+            </a:r>
+            <a:br>
+              <a:rPr lang="en-US" sz="2000" dirty="0"/>
+            </a:br>
+            <a:endParaRPr lang="en-US" sz="2000" dirty="0" smtClean="0"/>
           </a:p>
         </p:txBody>
       </p:sp>
     </p:spTree>
     <p:extLst>
       <p:ext uri="{BB962C8B-B14F-4D97-AF65-F5344CB8AC3E}">
-        <p14:creationId xmlns:p14="http://schemas.microsoft.com/office/powerpoint/2010/main" val="3292730531"/>
+        <p14:creationId xmlns:p14="http://schemas.microsoft.com/office/powerpoint/2010/main" val="3633608717"/>
       </p:ext>
     </p:extLst>
   </p:cSld>
@@ -10628,55 +10794,83 @@
                 </a:solidFill>
                 <a:latin typeface="Facto Bold" panose="00000800000000000000" pitchFamily="50" charset="0"/>
               </a:rPr>
-              <a:t>Heading</a:t>
-            </a:r>
+              <a:t>UART Interface</a:t>
+            </a:r>
+            <a:endParaRPr lang="en-US" sz="2800" b="1" dirty="0" smtClean="0">
+              <a:solidFill>
+                <a:schemeClr val="accent1">
+                  <a:lumMod val="75000"/>
+                </a:schemeClr>
+              </a:solidFill>
+              <a:latin typeface="Facto Bold" panose="00000800000000000000" pitchFamily="50" charset="0"/>
+            </a:endParaRPr>
           </a:p>
         </p:txBody>
       </p:sp>
-      <p:sp>
-        <p:nvSpPr>
-          <p:cNvPr id="6" name="TextBox 5"/>
-          <p:cNvSpPr txBox="1"/>
+      <p:pic>
+        <p:nvPicPr>
+          <p:cNvPr id="4" name="Picture 3"/>
+          <p:cNvPicPr>
+            <a:picLocks noChangeAspect="1"/>
+          </p:cNvPicPr>
           <p:nvPr/>
-        </p:nvSpPr>
+        </p:nvPicPr>
+        <p:blipFill>
+          <a:blip r:embed="rId3">
+            <a:extLst>
+              <a:ext uri="{28A0092B-C50C-407E-A947-70E740481C1C}">
+                <a14:useLocalDpi xmlns:a14="http://schemas.microsoft.com/office/drawing/2010/main" val="0"/>
+              </a:ext>
+            </a:extLst>
+          </a:blip>
+          <a:stretch>
+            <a:fillRect/>
+          </a:stretch>
+        </p:blipFill>
         <p:spPr>
           <a:xfrm>
-            <a:off x="801660" y="1185704"/>
-            <a:ext cx="11013140" cy="400110"/>
+            <a:off x="6341165" y="1409334"/>
+            <a:ext cx="5472078" cy="4717016"/>
           </a:xfrm>
           <a:prstGeom prst="rect">
             <a:avLst/>
           </a:prstGeom>
-          <a:noFill/>
         </p:spPr>
-        <p:txBody>
-          <a:bodyPr wrap="square" rtlCol="0">
-            <a:spAutoFit/>
-          </a:bodyPr>
-          <a:lstStyle/>
-          <a:p>
-            <a:pPr marL="384048" lvl="0" indent="-384048">
-              <a:spcBef>
-                <a:spcPts val="1000"/>
-              </a:spcBef>
-              <a:spcAft>
-                <a:spcPts val="200"/>
-              </a:spcAft>
-              <a:buFont typeface="Wingdings" panose="05000000000000000000" pitchFamily="2" charset="2"/>
-              <a:buChar char="v"/>
-            </a:pPr>
-            <a:r>
-              <a:rPr lang="en-US" sz="2000" dirty="0" err="1" smtClean="0"/>
-              <a:t>conte</a:t>
-            </a:r>
-            <a:endParaRPr lang="en-US" sz="2000" dirty="0"/>
-          </a:p>
-        </p:txBody>
-      </p:sp>
+      </p:pic>
+      <p:pic>
+        <p:nvPicPr>
+          <p:cNvPr id="7" name="Picture 6"/>
+          <p:cNvPicPr>
+            <a:picLocks noChangeAspect="1"/>
+          </p:cNvPicPr>
+          <p:nvPr/>
+        </p:nvPicPr>
+        <p:blipFill>
+          <a:blip r:embed="rId4">
+            <a:extLst>
+              <a:ext uri="{28A0092B-C50C-407E-A947-70E740481C1C}">
+                <a14:useLocalDpi xmlns:a14="http://schemas.microsoft.com/office/drawing/2010/main" val="0"/>
+              </a:ext>
+            </a:extLst>
+          </a:blip>
+          <a:stretch>
+            <a:fillRect/>
+          </a:stretch>
+        </p:blipFill>
+        <p:spPr>
+          <a:xfrm>
+            <a:off x="318311" y="1409334"/>
+            <a:ext cx="5635229" cy="4627965"/>
+          </a:xfrm>
+          <a:prstGeom prst="rect">
+            <a:avLst/>
+          </a:prstGeom>
+        </p:spPr>
+      </p:pic>
     </p:spTree>
     <p:extLst>
       <p:ext uri="{BB962C8B-B14F-4D97-AF65-F5344CB8AC3E}">
-        <p14:creationId xmlns:p14="http://schemas.microsoft.com/office/powerpoint/2010/main" val="2189314710"/>
+        <p14:creationId xmlns:p14="http://schemas.microsoft.com/office/powerpoint/2010/main" val="3292730531"/>
       </p:ext>
     </p:extLst>
   </p:cSld>
@@ -10825,8 +11019,16 @@
                 </a:solidFill>
                 <a:latin typeface="Facto Bold" panose="00000800000000000000" pitchFamily="50" charset="0"/>
               </a:rPr>
-              <a:t>Heading</a:t>
-            </a:r>
+              <a:t>UART Program</a:t>
+            </a:r>
+            <a:endParaRPr lang="en-US" sz="2800" b="1" dirty="0" smtClean="0">
+              <a:solidFill>
+                <a:schemeClr val="accent1">
+                  <a:lumMod val="75000"/>
+                </a:schemeClr>
+              </a:solidFill>
+              <a:latin typeface="Facto Bold" panose="00000800000000000000" pitchFamily="50" charset="0"/>
+            </a:endParaRPr>
           </a:p>
         </p:txBody>
       </p:sp>
@@ -10839,7 +11041,7 @@
         <p:spPr>
           <a:xfrm>
             <a:off x="801660" y="1185704"/>
-            <a:ext cx="11013140" cy="400110"/>
+            <a:ext cx="11013140" cy="5016758"/>
           </a:xfrm>
           <a:prstGeom prst="rect">
             <a:avLst/>
@@ -10847,33 +11049,404 @@
           <a:noFill/>
         </p:spPr>
         <p:txBody>
-          <a:bodyPr wrap="square" rtlCol="0">
+          <a:bodyPr wrap="square" numCol="2" rtlCol="0">
             <a:spAutoFit/>
           </a:bodyPr>
           <a:lstStyle/>
           <a:p>
-            <a:pPr marL="384048" lvl="0" indent="-384048">
+            <a:pPr lvl="0">
               <a:spcBef>
                 <a:spcPts val="1000"/>
               </a:spcBef>
               <a:spcAft>
                 <a:spcPts val="200"/>
               </a:spcAft>
-              <a:buFont typeface="Wingdings" panose="05000000000000000000" pitchFamily="2" charset="2"/>
-              <a:buChar char="v"/>
             </a:pPr>
             <a:r>
-              <a:rPr lang="en-US" sz="2000" dirty="0" err="1" smtClean="0"/>
-              <a:t>conte</a:t>
-            </a:r>
-            <a:endParaRPr lang="en-US" sz="2000" dirty="0"/>
+              <a:rPr lang="en-US" sz="2000" dirty="0">
+                <a:latin typeface="Consolas" pitchFamily="49" charset="0"/>
+              </a:rPr>
+              <a:t>#include "stm32f10x.h"           </a:t>
+            </a:r>
+            <a:r>
+              <a:rPr lang="en-US" sz="2000" dirty="0" smtClean="0">
+                <a:latin typeface="Consolas" pitchFamily="49" charset="0"/>
+              </a:rPr>
+              <a:t>// </a:t>
+            </a:r>
+            <a:r>
+              <a:rPr lang="en-US" sz="2000" dirty="0">
+                <a:latin typeface="Consolas" pitchFamily="49" charset="0"/>
+              </a:rPr>
+              <a:t>Device header</a:t>
+            </a:r>
+          </a:p>
+          <a:p>
+            <a:pPr lvl="0">
+              <a:spcBef>
+                <a:spcPts val="1000"/>
+              </a:spcBef>
+              <a:spcAft>
+                <a:spcPts val="200"/>
+              </a:spcAft>
+            </a:pPr>
+            <a:r>
+              <a:rPr lang="en-US" sz="2000" dirty="0">
+                <a:latin typeface="Consolas" pitchFamily="49" charset="0"/>
+              </a:rPr>
+              <a:t>void </a:t>
+            </a:r>
+            <a:r>
+              <a:rPr lang="en-US" sz="2000" dirty="0" err="1">
+                <a:latin typeface="Consolas" pitchFamily="49" charset="0"/>
+              </a:rPr>
+              <a:t>gpio_init</a:t>
+            </a:r>
+            <a:r>
+              <a:rPr lang="en-US" sz="2000" dirty="0">
+                <a:latin typeface="Consolas" pitchFamily="49" charset="0"/>
+              </a:rPr>
+              <a:t>();	</a:t>
+            </a:r>
+          </a:p>
+          <a:p>
+            <a:pPr lvl="0">
+              <a:spcBef>
+                <a:spcPts val="1000"/>
+              </a:spcBef>
+              <a:spcAft>
+                <a:spcPts val="200"/>
+              </a:spcAft>
+            </a:pPr>
+            <a:r>
+              <a:rPr lang="en-US" sz="2000" dirty="0">
+                <a:latin typeface="Consolas" pitchFamily="49" charset="0"/>
+              </a:rPr>
+              <a:t>void </a:t>
+            </a:r>
+            <a:r>
+              <a:rPr lang="en-US" sz="2000" dirty="0" err="1">
+                <a:latin typeface="Consolas" pitchFamily="49" charset="0"/>
+              </a:rPr>
+              <a:t>uart_init</a:t>
+            </a:r>
+            <a:r>
+              <a:rPr lang="en-US" sz="2000" dirty="0">
+                <a:latin typeface="Consolas" pitchFamily="49" charset="0"/>
+              </a:rPr>
+              <a:t>();	</a:t>
+            </a:r>
+          </a:p>
+          <a:p>
+            <a:pPr lvl="0">
+              <a:spcBef>
+                <a:spcPts val="1000"/>
+              </a:spcBef>
+              <a:spcAft>
+                <a:spcPts val="200"/>
+              </a:spcAft>
+            </a:pPr>
+            <a:r>
+              <a:rPr lang="en-US" sz="2000" dirty="0">
+                <a:latin typeface="Consolas" pitchFamily="49" charset="0"/>
+              </a:rPr>
+              <a:t>void </a:t>
+            </a:r>
+            <a:r>
+              <a:rPr lang="en-US" sz="2000" dirty="0" err="1">
+                <a:latin typeface="Consolas" pitchFamily="49" charset="0"/>
+              </a:rPr>
+              <a:t>uart_tx</a:t>
+            </a:r>
+            <a:r>
+              <a:rPr lang="en-US" sz="2000" dirty="0">
+                <a:latin typeface="Consolas" pitchFamily="49" charset="0"/>
+              </a:rPr>
+              <a:t>(unsigned char data);	</a:t>
+            </a:r>
+          </a:p>
+          <a:p>
+            <a:pPr lvl="0">
+              <a:spcBef>
+                <a:spcPts val="1000"/>
+              </a:spcBef>
+              <a:spcAft>
+                <a:spcPts val="200"/>
+              </a:spcAft>
+            </a:pPr>
+            <a:r>
+              <a:rPr lang="en-US" sz="2000" dirty="0">
+                <a:latin typeface="Consolas" pitchFamily="49" charset="0"/>
+              </a:rPr>
+              <a:t>void </a:t>
+            </a:r>
+            <a:r>
+              <a:rPr lang="en-US" sz="2000" dirty="0" err="1">
+                <a:latin typeface="Consolas" pitchFamily="49" charset="0"/>
+              </a:rPr>
+              <a:t>uart_tx_string</a:t>
+            </a:r>
+            <a:r>
+              <a:rPr lang="en-US" sz="2000" dirty="0">
+                <a:latin typeface="Consolas" pitchFamily="49" charset="0"/>
+              </a:rPr>
+              <a:t>(unsigned char *data);</a:t>
+            </a:r>
+          </a:p>
+          <a:p>
+            <a:pPr lvl="0">
+              <a:spcBef>
+                <a:spcPts val="1000"/>
+              </a:spcBef>
+              <a:spcAft>
+                <a:spcPts val="200"/>
+              </a:spcAft>
+            </a:pPr>
+            <a:endParaRPr lang="en-US" sz="2000" dirty="0">
+              <a:latin typeface="Consolas" pitchFamily="49" charset="0"/>
+            </a:endParaRPr>
+          </a:p>
+          <a:p>
+            <a:pPr lvl="0">
+              <a:spcBef>
+                <a:spcPts val="1000"/>
+              </a:spcBef>
+              <a:spcAft>
+                <a:spcPts val="200"/>
+              </a:spcAft>
+            </a:pPr>
+            <a:r>
+              <a:rPr lang="en-US" sz="2000" dirty="0" err="1">
+                <a:latin typeface="Consolas" pitchFamily="49" charset="0"/>
+              </a:rPr>
+              <a:t>int</a:t>
+            </a:r>
+            <a:r>
+              <a:rPr lang="en-US" sz="2000" dirty="0">
+                <a:latin typeface="Consolas" pitchFamily="49" charset="0"/>
+              </a:rPr>
+              <a:t> main()</a:t>
+            </a:r>
+          </a:p>
+          <a:p>
+            <a:pPr lvl="0">
+              <a:spcBef>
+                <a:spcPts val="1000"/>
+              </a:spcBef>
+              <a:spcAft>
+                <a:spcPts val="200"/>
+              </a:spcAft>
+            </a:pPr>
+            <a:r>
+              <a:rPr lang="en-US" sz="2000" dirty="0">
+                <a:latin typeface="Consolas" pitchFamily="49" charset="0"/>
+              </a:rPr>
+              <a:t>{</a:t>
+            </a:r>
+          </a:p>
+          <a:p>
+            <a:pPr lvl="0">
+              <a:spcBef>
+                <a:spcPts val="1000"/>
+              </a:spcBef>
+              <a:spcAft>
+                <a:spcPts val="200"/>
+              </a:spcAft>
+            </a:pPr>
+            <a:r>
+              <a:rPr lang="en-US" sz="2000" dirty="0">
+                <a:latin typeface="Consolas" pitchFamily="49" charset="0"/>
+              </a:rPr>
+              <a:t>	unsigned char </a:t>
+            </a:r>
+            <a:r>
+              <a:rPr lang="en-US" sz="2000" dirty="0" err="1">
+                <a:latin typeface="Consolas" pitchFamily="49" charset="0"/>
+              </a:rPr>
+              <a:t>msg</a:t>
+            </a:r>
+            <a:r>
+              <a:rPr lang="en-US" sz="2000" dirty="0">
+                <a:latin typeface="Consolas" pitchFamily="49" charset="0"/>
+              </a:rPr>
+              <a:t>[]="hello";	</a:t>
+            </a:r>
+          </a:p>
+          <a:p>
+            <a:pPr lvl="0">
+              <a:spcBef>
+                <a:spcPts val="1000"/>
+              </a:spcBef>
+              <a:spcAft>
+                <a:spcPts val="200"/>
+              </a:spcAft>
+            </a:pPr>
+            <a:r>
+              <a:rPr lang="en-US" sz="2000" dirty="0">
+                <a:latin typeface="Consolas" pitchFamily="49" charset="0"/>
+              </a:rPr>
+              <a:t>	</a:t>
+            </a:r>
+            <a:r>
+              <a:rPr lang="en-US" sz="2000" dirty="0" err="1">
+                <a:latin typeface="Consolas" pitchFamily="49" charset="0"/>
+              </a:rPr>
+              <a:t>gpio_init</a:t>
+            </a:r>
+            <a:r>
+              <a:rPr lang="en-US" sz="2000" dirty="0">
+                <a:latin typeface="Consolas" pitchFamily="49" charset="0"/>
+              </a:rPr>
+              <a:t>();	</a:t>
+            </a:r>
+          </a:p>
+          <a:p>
+            <a:pPr lvl="0">
+              <a:spcBef>
+                <a:spcPts val="1000"/>
+              </a:spcBef>
+              <a:spcAft>
+                <a:spcPts val="200"/>
+              </a:spcAft>
+            </a:pPr>
+            <a:r>
+              <a:rPr lang="en-US" sz="2000" dirty="0">
+                <a:latin typeface="Consolas" pitchFamily="49" charset="0"/>
+              </a:rPr>
+              <a:t>	</a:t>
+            </a:r>
+            <a:r>
+              <a:rPr lang="en-US" sz="2000" dirty="0" err="1">
+                <a:latin typeface="Consolas" pitchFamily="49" charset="0"/>
+              </a:rPr>
+              <a:t>uart_init</a:t>
+            </a:r>
+            <a:r>
+              <a:rPr lang="en-US" sz="2000" dirty="0">
+                <a:latin typeface="Consolas" pitchFamily="49" charset="0"/>
+              </a:rPr>
+              <a:t>();	</a:t>
+            </a:r>
+          </a:p>
+          <a:p>
+            <a:pPr lvl="0">
+              <a:spcBef>
+                <a:spcPts val="1000"/>
+              </a:spcBef>
+              <a:spcAft>
+                <a:spcPts val="200"/>
+              </a:spcAft>
+            </a:pPr>
+            <a:r>
+              <a:rPr lang="en-US" sz="2000" dirty="0">
+                <a:latin typeface="Consolas" pitchFamily="49" charset="0"/>
+              </a:rPr>
+              <a:t>	</a:t>
+            </a:r>
+            <a:r>
+              <a:rPr lang="en-US" sz="2000" dirty="0" err="1">
+                <a:latin typeface="Consolas" pitchFamily="49" charset="0"/>
+              </a:rPr>
+              <a:t>uart_tx</a:t>
+            </a:r>
+            <a:r>
+              <a:rPr lang="en-US" sz="2000" dirty="0">
+                <a:latin typeface="Consolas" pitchFamily="49" charset="0"/>
+              </a:rPr>
+              <a:t>('a');	</a:t>
+            </a:r>
+          </a:p>
+          <a:p>
+            <a:pPr lvl="0">
+              <a:spcBef>
+                <a:spcPts val="1000"/>
+              </a:spcBef>
+              <a:spcAft>
+                <a:spcPts val="200"/>
+              </a:spcAft>
+            </a:pPr>
+            <a:r>
+              <a:rPr lang="en-US" sz="2000" dirty="0">
+                <a:latin typeface="Consolas" pitchFamily="49" charset="0"/>
+              </a:rPr>
+              <a:t>	</a:t>
+            </a:r>
+            <a:r>
+              <a:rPr lang="en-US" sz="2000" dirty="0" err="1">
+                <a:latin typeface="Consolas" pitchFamily="49" charset="0"/>
+              </a:rPr>
+              <a:t>uart_tx_string</a:t>
+            </a:r>
+            <a:r>
+              <a:rPr lang="en-US" sz="2000" dirty="0">
+                <a:latin typeface="Consolas" pitchFamily="49" charset="0"/>
+              </a:rPr>
+              <a:t>(</a:t>
+            </a:r>
+            <a:r>
+              <a:rPr lang="en-US" sz="2000" dirty="0" err="1">
+                <a:latin typeface="Consolas" pitchFamily="49" charset="0"/>
+              </a:rPr>
+              <a:t>msg</a:t>
+            </a:r>
+            <a:r>
+              <a:rPr lang="en-US" sz="2000" dirty="0">
+                <a:latin typeface="Consolas" pitchFamily="49" charset="0"/>
+              </a:rPr>
+              <a:t>);	</a:t>
+            </a:r>
+          </a:p>
+          <a:p>
+            <a:pPr lvl="0">
+              <a:spcBef>
+                <a:spcPts val="1000"/>
+              </a:spcBef>
+              <a:spcAft>
+                <a:spcPts val="200"/>
+              </a:spcAft>
+            </a:pPr>
+            <a:r>
+              <a:rPr lang="en-US" sz="2000" dirty="0">
+                <a:latin typeface="Consolas" pitchFamily="49" charset="0"/>
+              </a:rPr>
+              <a:t>	while(1);</a:t>
+            </a:r>
+          </a:p>
+          <a:p>
+            <a:pPr lvl="0">
+              <a:spcBef>
+                <a:spcPts val="1000"/>
+              </a:spcBef>
+              <a:spcAft>
+                <a:spcPts val="200"/>
+              </a:spcAft>
+            </a:pPr>
+            <a:r>
+              <a:rPr lang="en-US" sz="2000" dirty="0">
+                <a:latin typeface="Consolas" pitchFamily="49" charset="0"/>
+              </a:rPr>
+              <a:t>}</a:t>
+            </a:r>
+          </a:p>
+          <a:p>
+            <a:pPr lvl="0">
+              <a:spcBef>
+                <a:spcPts val="1000"/>
+              </a:spcBef>
+              <a:spcAft>
+                <a:spcPts val="200"/>
+              </a:spcAft>
+            </a:pPr>
+            <a:endParaRPr lang="en-US" sz="2000" dirty="0">
+              <a:latin typeface="Consolas" pitchFamily="49" charset="0"/>
+            </a:endParaRPr>
           </a:p>
         </p:txBody>
       </p:sp>
     </p:spTree>
     <p:extLst>
       <p:ext uri="{BB962C8B-B14F-4D97-AF65-F5344CB8AC3E}">
-        <p14:creationId xmlns:p14="http://schemas.microsoft.com/office/powerpoint/2010/main" val="4112677201"/>
+        <p14:creationId xmlns:p14="http://schemas.microsoft.com/office/powerpoint/2010/main" val="2189314710"/>
       </p:ext>
     </p:extLst>
   </p:cSld>
@@ -11131,6 +11704,1703 @@
     <p:extLst>
       <p:ext uri="{BB962C8B-B14F-4D97-AF65-F5344CB8AC3E}">
         <p14:creationId xmlns:p14="http://schemas.microsoft.com/office/powerpoint/2010/main" val="1757441447"/>
+      </p:ext>
+    </p:extLst>
+  </p:cSld>
+  <p:clrMapOvr>
+    <a:masterClrMapping/>
+  </p:clrMapOvr>
+  <p:timing>
+    <p:tnLst>
+      <p:par>
+        <p:cTn id="1" dur="indefinite" restart="never" nodeType="tmRoot"/>
+      </p:par>
+    </p:tnLst>
+  </p:timing>
+</p:sld>
+</file>
+
+<file path=ppt/slides/slide20.xml><?xml version="1.0" encoding="utf-8"?>
+<p:sld xmlns:a="http://schemas.openxmlformats.org/drawingml/2006/main" xmlns:r="http://schemas.openxmlformats.org/officeDocument/2006/relationships" xmlns:p="http://schemas.openxmlformats.org/presentationml/2006/main">
+  <p:cSld>
+    <p:spTree>
+      <p:nvGrpSpPr>
+        <p:cNvPr id="1" name=""/>
+        <p:cNvGrpSpPr/>
+        <p:nvPr/>
+      </p:nvGrpSpPr>
+      <p:grpSpPr>
+        <a:xfrm>
+          <a:off x="0" y="0"/>
+          <a:ext cx="0" cy="0"/>
+          <a:chOff x="0" y="0"/>
+          <a:chExt cx="0" cy="0"/>
+        </a:xfrm>
+      </p:grpSpPr>
+      <p:pic>
+        <p:nvPicPr>
+          <p:cNvPr id="2" name="Picture 2" descr="Azetech Solutions | LinkedIn"/>
+          <p:cNvPicPr>
+            <a:picLocks noChangeAspect="1" noChangeArrowheads="1"/>
+          </p:cNvPicPr>
+          <p:nvPr/>
+        </p:nvPicPr>
+        <p:blipFill>
+          <a:blip r:embed="rId2" cstate="print">
+            <a:extLst>
+              <a:ext uri="{28A0092B-C50C-407E-A947-70E740481C1C}">
+                <a14:useLocalDpi xmlns:a14="http://schemas.microsoft.com/office/drawing/2010/main" val="0"/>
+              </a:ext>
+            </a:extLst>
+          </a:blip>
+          <a:srcRect/>
+          <a:stretch>
+            <a:fillRect/>
+          </a:stretch>
+        </p:blipFill>
+        <p:spPr bwMode="auto">
+          <a:xfrm>
+            <a:off x="11456223" y="129648"/>
+            <a:ext cx="536848" cy="536848"/>
+          </a:xfrm>
+          <a:prstGeom prst="rect">
+            <a:avLst/>
+          </a:prstGeom>
+          <a:noFill/>
+          <a:extLst>
+            <a:ext uri="{909E8E84-426E-40DD-AFC4-6F175D3DCCD1}">
+              <a14:hiddenFill xmlns:a14="http://schemas.microsoft.com/office/drawing/2010/main">
+                <a:solidFill>
+                  <a:srgbClr val="FFFFFF"/>
+                </a:solidFill>
+              </a14:hiddenFill>
+            </a:ext>
+          </a:extLst>
+        </p:spPr>
+      </p:pic>
+      <p:sp>
+        <p:nvSpPr>
+          <p:cNvPr id="3" name="Footer Placeholder 2"/>
+          <p:cNvSpPr>
+            <a:spLocks noGrp="1"/>
+          </p:cNvSpPr>
+          <p:nvPr>
+            <p:ph type="ftr" sz="quarter" idx="11"/>
+          </p:nvPr>
+        </p:nvSpPr>
+        <p:spPr/>
+        <p:txBody>
+          <a:bodyPr/>
+          <a:lstStyle/>
+          <a:p>
+            <a:r>
+              <a:rPr lang="en-US" smtClean="0"/>
+              <a:t>Azetech Solution, Coimbatore</a:t>
+            </a:r>
+            <a:endParaRPr lang="en-US"/>
+          </a:p>
+        </p:txBody>
+      </p:sp>
+      <p:sp>
+        <p:nvSpPr>
+          <p:cNvPr id="5" name="Title 4"/>
+          <p:cNvSpPr txBox="1">
+            <a:spLocks/>
+          </p:cNvSpPr>
+          <p:nvPr/>
+        </p:nvSpPr>
+        <p:spPr>
+          <a:xfrm>
+            <a:off x="318311" y="441143"/>
+            <a:ext cx="6636281" cy="399245"/>
+          </a:xfrm>
+          <a:prstGeom prst="rect">
+            <a:avLst/>
+          </a:prstGeom>
+        </p:spPr>
+        <p:txBody>
+          <a:bodyPr vert="horz" lIns="91440" tIns="45720" rIns="91440" bIns="45720" rtlCol="0" anchor="b">
+            <a:noAutofit/>
+          </a:bodyPr>
+          <a:lstStyle>
+            <a:lvl1pPr algn="ctr" defTabSz="914400" rtl="0" eaLnBrk="1" latinLnBrk="0" hangingPunct="1">
+              <a:lnSpc>
+                <a:spcPct val="90000"/>
+              </a:lnSpc>
+              <a:spcBef>
+                <a:spcPct val="0"/>
+              </a:spcBef>
+              <a:buNone/>
+              <a:defRPr sz="6000" kern="1200">
+                <a:solidFill>
+                  <a:schemeClr val="tx1"/>
+                </a:solidFill>
+                <a:latin typeface="+mj-lt"/>
+                <a:ea typeface="+mj-ea"/>
+                <a:cs typeface="+mj-cs"/>
+              </a:defRPr>
+            </a:lvl1pPr>
+          </a:lstStyle>
+          <a:p>
+            <a:pPr algn="l"/>
+            <a:endParaRPr lang="en-US" sz="2800" b="1" dirty="0" smtClean="0">
+              <a:solidFill>
+                <a:schemeClr val="accent1">
+                  <a:lumMod val="75000"/>
+                </a:schemeClr>
+              </a:solidFill>
+              <a:latin typeface="Facto Bold" panose="00000800000000000000" pitchFamily="50" charset="0"/>
+            </a:endParaRPr>
+          </a:p>
+        </p:txBody>
+      </p:sp>
+      <p:sp>
+        <p:nvSpPr>
+          <p:cNvPr id="6" name="TextBox 5"/>
+          <p:cNvSpPr txBox="1"/>
+          <p:nvPr/>
+        </p:nvSpPr>
+        <p:spPr>
+          <a:xfrm>
+            <a:off x="129209" y="1"/>
+            <a:ext cx="11863862" cy="10229418"/>
+          </a:xfrm>
+          <a:prstGeom prst="rect">
+            <a:avLst/>
+          </a:prstGeom>
+          <a:noFill/>
+        </p:spPr>
+        <p:txBody>
+          <a:bodyPr wrap="square" numCol="2" rtlCol="0">
+            <a:spAutoFit/>
+          </a:bodyPr>
+          <a:lstStyle/>
+          <a:p>
+            <a:pPr lvl="0">
+              <a:spcBef>
+                <a:spcPts val="1000"/>
+              </a:spcBef>
+              <a:spcAft>
+                <a:spcPts val="200"/>
+              </a:spcAft>
+            </a:pPr>
+            <a:endParaRPr lang="en-US" sz="1200" dirty="0">
+              <a:latin typeface="Consolas" pitchFamily="49" charset="0"/>
+            </a:endParaRPr>
+          </a:p>
+          <a:p>
+            <a:pPr lvl="0">
+              <a:spcBef>
+                <a:spcPts val="1000"/>
+              </a:spcBef>
+              <a:spcAft>
+                <a:spcPts val="200"/>
+              </a:spcAft>
+            </a:pPr>
+            <a:r>
+              <a:rPr lang="en-US" sz="1200" dirty="0">
+                <a:latin typeface="Consolas" pitchFamily="49" charset="0"/>
+              </a:rPr>
+              <a:t>void </a:t>
+            </a:r>
+            <a:r>
+              <a:rPr lang="en-US" sz="1200" dirty="0" err="1">
+                <a:latin typeface="Consolas" pitchFamily="49" charset="0"/>
+              </a:rPr>
+              <a:t>gpio_init</a:t>
+            </a:r>
+            <a:r>
+              <a:rPr lang="en-US" sz="1200" dirty="0">
+                <a:latin typeface="Consolas" pitchFamily="49" charset="0"/>
+              </a:rPr>
+              <a:t>()</a:t>
+            </a:r>
+          </a:p>
+          <a:p>
+            <a:pPr lvl="0">
+              <a:spcBef>
+                <a:spcPts val="1000"/>
+              </a:spcBef>
+              <a:spcAft>
+                <a:spcPts val="200"/>
+              </a:spcAft>
+            </a:pPr>
+            <a:r>
+              <a:rPr lang="en-US" sz="1200" dirty="0">
+                <a:latin typeface="Consolas" pitchFamily="49" charset="0"/>
+              </a:rPr>
+              <a:t>{</a:t>
+            </a:r>
+          </a:p>
+          <a:p>
+            <a:pPr lvl="0">
+              <a:spcBef>
+                <a:spcPts val="1000"/>
+              </a:spcBef>
+              <a:spcAft>
+                <a:spcPts val="200"/>
+              </a:spcAft>
+            </a:pPr>
+            <a:r>
+              <a:rPr lang="en-US" sz="1200" dirty="0">
+                <a:latin typeface="Consolas" pitchFamily="49" charset="0"/>
+              </a:rPr>
+              <a:t>	//</a:t>
+            </a:r>
+            <a:r>
+              <a:rPr lang="en-US" sz="1200" dirty="0" err="1">
+                <a:latin typeface="Consolas" pitchFamily="49" charset="0"/>
+              </a:rPr>
+              <a:t>clk</a:t>
+            </a:r>
+            <a:r>
+              <a:rPr lang="en-US" sz="1200" dirty="0">
+                <a:latin typeface="Consolas" pitchFamily="49" charset="0"/>
+              </a:rPr>
+              <a:t> </a:t>
+            </a:r>
+            <a:r>
+              <a:rPr lang="en-US" sz="1200" dirty="0" err="1">
+                <a:latin typeface="Consolas" pitchFamily="49" charset="0"/>
+              </a:rPr>
+              <a:t>init</a:t>
+            </a:r>
+            <a:r>
+              <a:rPr lang="en-US" sz="1200" dirty="0">
+                <a:latin typeface="Consolas" pitchFamily="49" charset="0"/>
+              </a:rPr>
+              <a:t>()</a:t>
+            </a:r>
+          </a:p>
+          <a:p>
+            <a:pPr lvl="0">
+              <a:spcBef>
+                <a:spcPts val="1000"/>
+              </a:spcBef>
+              <a:spcAft>
+                <a:spcPts val="200"/>
+              </a:spcAft>
+            </a:pPr>
+            <a:r>
+              <a:rPr lang="en-US" sz="1200" dirty="0">
+                <a:latin typeface="Consolas" pitchFamily="49" charset="0"/>
+              </a:rPr>
+              <a:t>	RCC-&gt;APB2ENR &amp;=0x00000000;//reset</a:t>
+            </a:r>
+          </a:p>
+          <a:p>
+            <a:pPr lvl="0">
+              <a:spcBef>
+                <a:spcPts val="1000"/>
+              </a:spcBef>
+              <a:spcAft>
+                <a:spcPts val="200"/>
+              </a:spcAft>
+            </a:pPr>
+            <a:r>
+              <a:rPr lang="en-US" sz="1200" dirty="0">
+                <a:latin typeface="Consolas" pitchFamily="49" charset="0"/>
+              </a:rPr>
+              <a:t>	RCC-&gt;APB2ENR |=(1&lt;&lt;2);  //</a:t>
+            </a:r>
+            <a:r>
+              <a:rPr lang="en-US" sz="1200" dirty="0" err="1">
+                <a:latin typeface="Consolas" pitchFamily="49" charset="0"/>
+              </a:rPr>
+              <a:t>porta</a:t>
+            </a:r>
+            <a:r>
+              <a:rPr lang="en-US" sz="1200" dirty="0">
+                <a:latin typeface="Consolas" pitchFamily="49" charset="0"/>
+              </a:rPr>
+              <a:t> </a:t>
+            </a:r>
+            <a:r>
+              <a:rPr lang="en-US" sz="1200" dirty="0" err="1">
+                <a:latin typeface="Consolas" pitchFamily="49" charset="0"/>
+              </a:rPr>
+              <a:t>clk</a:t>
+            </a:r>
+            <a:r>
+              <a:rPr lang="en-US" sz="1200" dirty="0">
+                <a:latin typeface="Consolas" pitchFamily="49" charset="0"/>
+              </a:rPr>
+              <a:t> enable</a:t>
+            </a:r>
+          </a:p>
+          <a:p>
+            <a:pPr lvl="0">
+              <a:spcBef>
+                <a:spcPts val="1000"/>
+              </a:spcBef>
+              <a:spcAft>
+                <a:spcPts val="200"/>
+              </a:spcAft>
+            </a:pPr>
+            <a:r>
+              <a:rPr lang="en-US" sz="1200" dirty="0">
+                <a:latin typeface="Consolas" pitchFamily="49" charset="0"/>
+              </a:rPr>
+              <a:t>	RCC-&gt;APB2ENR |=(1&lt;&lt;14);//</a:t>
+            </a:r>
+            <a:r>
+              <a:rPr lang="en-US" sz="1200" dirty="0" err="1">
+                <a:latin typeface="Consolas" pitchFamily="49" charset="0"/>
+              </a:rPr>
+              <a:t>uart</a:t>
+            </a:r>
+            <a:r>
+              <a:rPr lang="en-US" sz="1200" dirty="0">
+                <a:latin typeface="Consolas" pitchFamily="49" charset="0"/>
+              </a:rPr>
+              <a:t> </a:t>
+            </a:r>
+            <a:r>
+              <a:rPr lang="en-US" sz="1200" dirty="0" err="1">
+                <a:latin typeface="Consolas" pitchFamily="49" charset="0"/>
+              </a:rPr>
+              <a:t>clk</a:t>
+            </a:r>
+            <a:r>
+              <a:rPr lang="en-US" sz="1200" dirty="0">
+                <a:latin typeface="Consolas" pitchFamily="49" charset="0"/>
+              </a:rPr>
+              <a:t> enable	</a:t>
+            </a:r>
+          </a:p>
+          <a:p>
+            <a:pPr lvl="0">
+              <a:spcBef>
+                <a:spcPts val="1000"/>
+              </a:spcBef>
+              <a:spcAft>
+                <a:spcPts val="200"/>
+              </a:spcAft>
+            </a:pPr>
+            <a:r>
+              <a:rPr lang="en-US" sz="1200" dirty="0">
+                <a:latin typeface="Consolas" pitchFamily="49" charset="0"/>
+              </a:rPr>
+              <a:t>	//pin </a:t>
+            </a:r>
+            <a:r>
+              <a:rPr lang="en-US" sz="1200" dirty="0" err="1">
+                <a:latin typeface="Consolas" pitchFamily="49" charset="0"/>
+              </a:rPr>
+              <a:t>config</a:t>
+            </a:r>
+            <a:endParaRPr lang="en-US" sz="1200" dirty="0">
+              <a:latin typeface="Consolas" pitchFamily="49" charset="0"/>
+            </a:endParaRPr>
+          </a:p>
+          <a:p>
+            <a:pPr lvl="0">
+              <a:spcBef>
+                <a:spcPts val="1000"/>
+              </a:spcBef>
+              <a:spcAft>
+                <a:spcPts val="200"/>
+              </a:spcAft>
+            </a:pPr>
+            <a:r>
+              <a:rPr lang="en-US" sz="1200" dirty="0">
+                <a:latin typeface="Consolas" pitchFamily="49" charset="0"/>
+              </a:rPr>
+              <a:t>	//</a:t>
+            </a:r>
+            <a:r>
+              <a:rPr lang="en-US" sz="1200" dirty="0" smtClean="0">
+                <a:latin typeface="Consolas" pitchFamily="49" charset="0"/>
+              </a:rPr>
+              <a:t>pa9-tx</a:t>
+            </a:r>
+            <a:endParaRPr lang="en-US" sz="1200" dirty="0">
+              <a:latin typeface="Consolas" pitchFamily="49" charset="0"/>
+            </a:endParaRPr>
+          </a:p>
+          <a:p>
+            <a:pPr lvl="0">
+              <a:spcBef>
+                <a:spcPts val="1000"/>
+              </a:spcBef>
+              <a:spcAft>
+                <a:spcPts val="200"/>
+              </a:spcAft>
+            </a:pPr>
+            <a:r>
+              <a:rPr lang="en-US" sz="1200" dirty="0">
+                <a:latin typeface="Consolas" pitchFamily="49" charset="0"/>
+              </a:rPr>
+              <a:t>	//pa10-rx	</a:t>
+            </a:r>
+          </a:p>
+          <a:p>
+            <a:pPr lvl="0">
+              <a:spcBef>
+                <a:spcPts val="1000"/>
+              </a:spcBef>
+              <a:spcAft>
+                <a:spcPts val="200"/>
+              </a:spcAft>
+            </a:pPr>
+            <a:r>
+              <a:rPr lang="en-US" sz="1200" dirty="0">
+                <a:latin typeface="Consolas" pitchFamily="49" charset="0"/>
+              </a:rPr>
+              <a:t>	GPIOA-&gt;CRH &amp;=0x00000000;//reset	</a:t>
+            </a:r>
+          </a:p>
+          <a:p>
+            <a:pPr lvl="0">
+              <a:spcBef>
+                <a:spcPts val="1000"/>
+              </a:spcBef>
+              <a:spcAft>
+                <a:spcPts val="200"/>
+              </a:spcAft>
+            </a:pPr>
+            <a:r>
+              <a:rPr lang="en-US" sz="1200" dirty="0">
+                <a:latin typeface="Consolas" pitchFamily="49" charset="0"/>
+              </a:rPr>
+              <a:t>	//</a:t>
+            </a:r>
+            <a:r>
+              <a:rPr lang="en-US" sz="1200" dirty="0" err="1">
+                <a:latin typeface="Consolas" pitchFamily="49" charset="0"/>
+              </a:rPr>
+              <a:t>tx</a:t>
+            </a:r>
+            <a:endParaRPr lang="en-US" sz="1200" dirty="0">
+              <a:latin typeface="Consolas" pitchFamily="49" charset="0"/>
+            </a:endParaRPr>
+          </a:p>
+          <a:p>
+            <a:pPr lvl="0">
+              <a:spcBef>
+                <a:spcPts val="1000"/>
+              </a:spcBef>
+              <a:spcAft>
+                <a:spcPts val="200"/>
+              </a:spcAft>
+            </a:pPr>
+            <a:r>
+              <a:rPr lang="en-US" sz="1200" dirty="0">
+                <a:latin typeface="Consolas" pitchFamily="49" charset="0"/>
+              </a:rPr>
+              <a:t>	GPIOA-&gt;CRH |=(3&lt;&lt;4);//output</a:t>
+            </a:r>
+          </a:p>
+          <a:p>
+            <a:pPr lvl="0">
+              <a:spcBef>
+                <a:spcPts val="1000"/>
+              </a:spcBef>
+              <a:spcAft>
+                <a:spcPts val="200"/>
+              </a:spcAft>
+            </a:pPr>
+            <a:r>
+              <a:rPr lang="en-US" sz="1200" dirty="0">
+                <a:latin typeface="Consolas" pitchFamily="49" charset="0"/>
+              </a:rPr>
+              <a:t>	GPIOA-&gt;CRH |=(2&lt;&lt;6);//alter </a:t>
+            </a:r>
+            <a:r>
+              <a:rPr lang="en-US" sz="1200" dirty="0" err="1">
+                <a:latin typeface="Consolas" pitchFamily="49" charset="0"/>
+              </a:rPr>
+              <a:t>pp</a:t>
+            </a:r>
+            <a:r>
+              <a:rPr lang="en-US" sz="1200" dirty="0">
+                <a:latin typeface="Consolas" pitchFamily="49" charset="0"/>
+              </a:rPr>
+              <a:t>	</a:t>
+            </a:r>
+          </a:p>
+          <a:p>
+            <a:pPr lvl="0">
+              <a:spcBef>
+                <a:spcPts val="1000"/>
+              </a:spcBef>
+              <a:spcAft>
+                <a:spcPts val="200"/>
+              </a:spcAft>
+            </a:pPr>
+            <a:r>
+              <a:rPr lang="en-US" sz="1200" dirty="0">
+                <a:latin typeface="Consolas" pitchFamily="49" charset="0"/>
+              </a:rPr>
+              <a:t>	//</a:t>
+            </a:r>
+            <a:r>
+              <a:rPr lang="en-US" sz="1200" dirty="0" err="1">
+                <a:latin typeface="Consolas" pitchFamily="49" charset="0"/>
+              </a:rPr>
+              <a:t>rx</a:t>
+            </a:r>
+            <a:endParaRPr lang="en-US" sz="1200" dirty="0">
+              <a:latin typeface="Consolas" pitchFamily="49" charset="0"/>
+            </a:endParaRPr>
+          </a:p>
+          <a:p>
+            <a:pPr lvl="0">
+              <a:spcBef>
+                <a:spcPts val="1000"/>
+              </a:spcBef>
+              <a:spcAft>
+                <a:spcPts val="200"/>
+              </a:spcAft>
+            </a:pPr>
+            <a:r>
+              <a:rPr lang="en-US" sz="1200" dirty="0">
+                <a:latin typeface="Consolas" pitchFamily="49" charset="0"/>
+              </a:rPr>
+              <a:t>	GPIOA-&gt;CRH &amp;=~(1&lt;&lt;8);//input</a:t>
+            </a:r>
+          </a:p>
+          <a:p>
+            <a:pPr lvl="0">
+              <a:spcBef>
+                <a:spcPts val="1000"/>
+              </a:spcBef>
+              <a:spcAft>
+                <a:spcPts val="200"/>
+              </a:spcAft>
+            </a:pPr>
+            <a:r>
+              <a:rPr lang="en-US" sz="1200" dirty="0">
+                <a:latin typeface="Consolas" pitchFamily="49" charset="0"/>
+              </a:rPr>
+              <a:t>	GPIOA-&gt;CRH |=(1&lt;&lt;10);//input </a:t>
+            </a:r>
+            <a:r>
+              <a:rPr lang="en-US" sz="1200" dirty="0" smtClean="0">
+                <a:latin typeface="Consolas" pitchFamily="49" charset="0"/>
+              </a:rPr>
+              <a:t>floating</a:t>
+            </a:r>
+            <a:endParaRPr lang="en-US" sz="1200" dirty="0">
+              <a:latin typeface="Consolas" pitchFamily="49" charset="0"/>
+            </a:endParaRPr>
+          </a:p>
+          <a:p>
+            <a:pPr lvl="0">
+              <a:spcBef>
+                <a:spcPts val="1000"/>
+              </a:spcBef>
+              <a:spcAft>
+                <a:spcPts val="200"/>
+              </a:spcAft>
+            </a:pPr>
+            <a:r>
+              <a:rPr lang="en-US" sz="1200" dirty="0">
+                <a:latin typeface="Consolas" pitchFamily="49" charset="0"/>
+              </a:rPr>
+              <a:t>}	</a:t>
+            </a:r>
+            <a:endParaRPr lang="en-US" sz="1200" dirty="0" smtClean="0">
+              <a:latin typeface="Consolas" pitchFamily="49" charset="0"/>
+            </a:endParaRPr>
+          </a:p>
+          <a:p>
+            <a:pPr lvl="0">
+              <a:spcBef>
+                <a:spcPts val="1000"/>
+              </a:spcBef>
+              <a:spcAft>
+                <a:spcPts val="200"/>
+              </a:spcAft>
+            </a:pPr>
+            <a:endParaRPr lang="en-US" sz="1200" dirty="0" smtClean="0">
+              <a:latin typeface="Consolas" pitchFamily="49" charset="0"/>
+            </a:endParaRPr>
+          </a:p>
+          <a:p>
+            <a:pPr lvl="0">
+              <a:spcBef>
+                <a:spcPts val="1000"/>
+              </a:spcBef>
+              <a:spcAft>
+                <a:spcPts val="200"/>
+              </a:spcAft>
+            </a:pPr>
+            <a:endParaRPr lang="en-US" sz="1200" dirty="0">
+              <a:latin typeface="Consolas" pitchFamily="49" charset="0"/>
+            </a:endParaRPr>
+          </a:p>
+          <a:p>
+            <a:pPr lvl="0">
+              <a:spcBef>
+                <a:spcPts val="1000"/>
+              </a:spcBef>
+              <a:spcAft>
+                <a:spcPts val="200"/>
+              </a:spcAft>
+            </a:pPr>
+            <a:endParaRPr lang="en-US" sz="1200" dirty="0" smtClean="0">
+              <a:latin typeface="Consolas" pitchFamily="49" charset="0"/>
+            </a:endParaRPr>
+          </a:p>
+          <a:p>
+            <a:pPr lvl="0">
+              <a:spcBef>
+                <a:spcPts val="1000"/>
+              </a:spcBef>
+              <a:spcAft>
+                <a:spcPts val="200"/>
+              </a:spcAft>
+            </a:pPr>
+            <a:endParaRPr lang="en-US" sz="1200" dirty="0">
+              <a:latin typeface="Consolas" pitchFamily="49" charset="0"/>
+            </a:endParaRPr>
+          </a:p>
+          <a:p>
+            <a:pPr lvl="0">
+              <a:spcBef>
+                <a:spcPts val="1000"/>
+              </a:spcBef>
+              <a:spcAft>
+                <a:spcPts val="200"/>
+              </a:spcAft>
+            </a:pPr>
+            <a:endParaRPr lang="en-US" sz="1200" dirty="0" smtClean="0">
+              <a:latin typeface="Consolas" pitchFamily="49" charset="0"/>
+            </a:endParaRPr>
+          </a:p>
+          <a:p>
+            <a:pPr lvl="0">
+              <a:spcBef>
+                <a:spcPts val="1000"/>
+              </a:spcBef>
+              <a:spcAft>
+                <a:spcPts val="200"/>
+              </a:spcAft>
+            </a:pPr>
+            <a:endParaRPr lang="en-US" sz="1200" dirty="0">
+              <a:latin typeface="Consolas" pitchFamily="49" charset="0"/>
+            </a:endParaRPr>
+          </a:p>
+          <a:p>
+            <a:pPr lvl="0">
+              <a:spcBef>
+                <a:spcPts val="1000"/>
+              </a:spcBef>
+              <a:spcAft>
+                <a:spcPts val="200"/>
+              </a:spcAft>
+            </a:pPr>
+            <a:endParaRPr lang="en-US" sz="1200" dirty="0" smtClean="0">
+              <a:latin typeface="Consolas" pitchFamily="49" charset="0"/>
+            </a:endParaRPr>
+          </a:p>
+          <a:p>
+            <a:pPr lvl="0">
+              <a:spcBef>
+                <a:spcPts val="1000"/>
+              </a:spcBef>
+              <a:spcAft>
+                <a:spcPts val="200"/>
+              </a:spcAft>
+            </a:pPr>
+            <a:endParaRPr lang="en-US" sz="1200" dirty="0">
+              <a:latin typeface="Consolas" pitchFamily="49" charset="0"/>
+            </a:endParaRPr>
+          </a:p>
+          <a:p>
+            <a:pPr lvl="0">
+              <a:spcBef>
+                <a:spcPts val="1000"/>
+              </a:spcBef>
+              <a:spcAft>
+                <a:spcPts val="200"/>
+              </a:spcAft>
+            </a:pPr>
+            <a:endParaRPr lang="en-US" sz="1200" dirty="0" smtClean="0">
+              <a:latin typeface="Consolas" pitchFamily="49" charset="0"/>
+            </a:endParaRPr>
+          </a:p>
+          <a:p>
+            <a:pPr lvl="0">
+              <a:spcBef>
+                <a:spcPts val="1000"/>
+              </a:spcBef>
+              <a:spcAft>
+                <a:spcPts val="200"/>
+              </a:spcAft>
+            </a:pPr>
+            <a:endParaRPr lang="en-US" sz="1200" dirty="0" smtClean="0">
+              <a:latin typeface="Consolas" pitchFamily="49" charset="0"/>
+            </a:endParaRPr>
+          </a:p>
+          <a:p>
+            <a:pPr lvl="0">
+              <a:spcBef>
+                <a:spcPts val="1000"/>
+              </a:spcBef>
+              <a:spcAft>
+                <a:spcPts val="200"/>
+              </a:spcAft>
+            </a:pPr>
+            <a:endParaRPr lang="en-US" sz="1200" dirty="0">
+              <a:latin typeface="Consolas" pitchFamily="49" charset="0"/>
+            </a:endParaRPr>
+          </a:p>
+          <a:p>
+            <a:pPr lvl="0">
+              <a:spcBef>
+                <a:spcPts val="1000"/>
+              </a:spcBef>
+              <a:spcAft>
+                <a:spcPts val="200"/>
+              </a:spcAft>
+            </a:pPr>
+            <a:endParaRPr lang="en-US" sz="1200" dirty="0" smtClean="0">
+              <a:latin typeface="Consolas" pitchFamily="49" charset="0"/>
+            </a:endParaRPr>
+          </a:p>
+          <a:p>
+            <a:pPr lvl="0">
+              <a:spcBef>
+                <a:spcPts val="1000"/>
+              </a:spcBef>
+              <a:spcAft>
+                <a:spcPts val="200"/>
+              </a:spcAft>
+            </a:pPr>
+            <a:r>
+              <a:rPr lang="en-US" sz="1200" dirty="0" smtClean="0">
+                <a:latin typeface="Consolas" pitchFamily="49" charset="0"/>
+              </a:rPr>
+              <a:t>void </a:t>
+            </a:r>
+            <a:r>
+              <a:rPr lang="en-US" sz="1200" dirty="0" err="1" smtClean="0">
+                <a:latin typeface="Consolas" pitchFamily="49" charset="0"/>
+              </a:rPr>
+              <a:t>uart_init</a:t>
+            </a:r>
+            <a:r>
+              <a:rPr lang="en-US" sz="1200" dirty="0" smtClean="0">
+                <a:latin typeface="Consolas" pitchFamily="49" charset="0"/>
+              </a:rPr>
+              <a:t>()</a:t>
+            </a:r>
+          </a:p>
+          <a:p>
+            <a:pPr lvl="0">
+              <a:spcBef>
+                <a:spcPts val="1000"/>
+              </a:spcBef>
+              <a:spcAft>
+                <a:spcPts val="200"/>
+              </a:spcAft>
+            </a:pPr>
+            <a:r>
+              <a:rPr lang="en-US" sz="1200" dirty="0" smtClean="0">
+                <a:latin typeface="Consolas" pitchFamily="49" charset="0"/>
+              </a:rPr>
+              <a:t>{</a:t>
+            </a:r>
+          </a:p>
+          <a:p>
+            <a:pPr lvl="0">
+              <a:spcBef>
+                <a:spcPts val="1000"/>
+              </a:spcBef>
+              <a:spcAft>
+                <a:spcPts val="200"/>
+              </a:spcAft>
+            </a:pPr>
+            <a:r>
+              <a:rPr lang="en-US" sz="1200" dirty="0" smtClean="0">
+                <a:latin typeface="Consolas" pitchFamily="49" charset="0"/>
+              </a:rPr>
+              <a:t>	USART1-&gt;CR1 &amp;=0x00000000;</a:t>
+            </a:r>
+          </a:p>
+          <a:p>
+            <a:pPr lvl="0">
+              <a:spcBef>
+                <a:spcPts val="1000"/>
+              </a:spcBef>
+              <a:spcAft>
+                <a:spcPts val="200"/>
+              </a:spcAft>
+            </a:pPr>
+            <a:r>
+              <a:rPr lang="en-US" sz="1200" dirty="0" smtClean="0">
+                <a:latin typeface="Consolas" pitchFamily="49" charset="0"/>
+              </a:rPr>
+              <a:t>	USART1-&gt;CR2 &amp;=0x00000000;</a:t>
+            </a:r>
+          </a:p>
+          <a:p>
+            <a:pPr lvl="0">
+              <a:spcBef>
+                <a:spcPts val="1000"/>
+              </a:spcBef>
+              <a:spcAft>
+                <a:spcPts val="200"/>
+              </a:spcAft>
+            </a:pPr>
+            <a:r>
+              <a:rPr lang="en-US" sz="1200" dirty="0" smtClean="0">
+                <a:latin typeface="Consolas" pitchFamily="49" charset="0"/>
+              </a:rPr>
+              <a:t>	USART1-&gt;CR3 &amp;=0x00000000;	</a:t>
+            </a:r>
+          </a:p>
+          <a:p>
+            <a:pPr lvl="0">
+              <a:spcBef>
+                <a:spcPts val="1000"/>
+              </a:spcBef>
+              <a:spcAft>
+                <a:spcPts val="200"/>
+              </a:spcAft>
+            </a:pPr>
+            <a:r>
+              <a:rPr lang="en-US" sz="1200" dirty="0" smtClean="0">
+                <a:latin typeface="Consolas" pitchFamily="49" charset="0"/>
+              </a:rPr>
+              <a:t>	//baud rate </a:t>
+            </a:r>
+            <a:r>
+              <a:rPr lang="en-US" sz="1200" dirty="0" err="1" smtClean="0">
+                <a:latin typeface="Consolas" pitchFamily="49" charset="0"/>
+              </a:rPr>
+              <a:t>config</a:t>
+            </a:r>
+            <a:r>
+              <a:rPr lang="en-US" sz="1200" dirty="0" smtClean="0">
+                <a:latin typeface="Consolas" pitchFamily="49" charset="0"/>
+              </a:rPr>
+              <a:t>	</a:t>
+            </a:r>
+          </a:p>
+          <a:p>
+            <a:pPr lvl="0">
+              <a:spcBef>
+                <a:spcPts val="1000"/>
+              </a:spcBef>
+              <a:spcAft>
+                <a:spcPts val="200"/>
+              </a:spcAft>
+            </a:pPr>
+            <a:r>
+              <a:rPr lang="en-US" sz="1200" dirty="0" smtClean="0">
+                <a:latin typeface="Consolas" pitchFamily="49" charset="0"/>
+              </a:rPr>
+              <a:t>	//</a:t>
+            </a:r>
+            <a:r>
+              <a:rPr lang="en-US" sz="1200" dirty="0" err="1" smtClean="0">
+                <a:latin typeface="Consolas" pitchFamily="49" charset="0"/>
+              </a:rPr>
+              <a:t>Tx</a:t>
+            </a:r>
+            <a:r>
+              <a:rPr lang="en-US" sz="1200" dirty="0" smtClean="0">
+                <a:latin typeface="Consolas" pitchFamily="49" charset="0"/>
+              </a:rPr>
+              <a:t>/ Rx baud rate =</a:t>
+            </a:r>
+            <a:r>
+              <a:rPr lang="en-US" sz="1200" dirty="0" err="1" smtClean="0">
+                <a:latin typeface="Consolas" pitchFamily="49" charset="0"/>
+              </a:rPr>
+              <a:t>fclk</a:t>
+            </a:r>
+            <a:r>
+              <a:rPr lang="en-US" sz="1200" dirty="0" smtClean="0">
+                <a:latin typeface="Consolas" pitchFamily="49" charset="0"/>
+              </a:rPr>
+              <a:t>/(16*USARTDIV)</a:t>
+            </a:r>
+          </a:p>
+          <a:p>
+            <a:pPr lvl="0">
+              <a:spcBef>
+                <a:spcPts val="1000"/>
+              </a:spcBef>
+              <a:spcAft>
+                <a:spcPts val="200"/>
+              </a:spcAft>
+            </a:pPr>
+            <a:r>
+              <a:rPr lang="en-US" sz="1200" dirty="0" smtClean="0">
+                <a:latin typeface="Consolas" pitchFamily="49" charset="0"/>
+              </a:rPr>
+              <a:t>	//</a:t>
+            </a:r>
+            <a:r>
+              <a:rPr lang="en-US" sz="1200" dirty="0" err="1" smtClean="0">
+                <a:latin typeface="Consolas" pitchFamily="49" charset="0"/>
+              </a:rPr>
+              <a:t>fclk</a:t>
+            </a:r>
+            <a:r>
+              <a:rPr lang="en-US" sz="1200" dirty="0" smtClean="0">
+                <a:latin typeface="Consolas" pitchFamily="49" charset="0"/>
+              </a:rPr>
+              <a:t>=8mhz ; baud rate=9600; 	USARTDIV=</a:t>
+            </a:r>
+            <a:r>
+              <a:rPr lang="en-US" sz="1200" dirty="0" err="1" smtClean="0">
+                <a:latin typeface="Consolas" pitchFamily="49" charset="0"/>
+              </a:rPr>
+              <a:t>DIV_Mantissa+DIV_Fraction</a:t>
+            </a:r>
+            <a:r>
+              <a:rPr lang="en-US" sz="1200" dirty="0" smtClean="0">
+                <a:latin typeface="Consolas" pitchFamily="49" charset="0"/>
+              </a:rPr>
+              <a:t>=52.083	</a:t>
+            </a:r>
+          </a:p>
+          <a:p>
+            <a:pPr lvl="0">
+              <a:spcBef>
+                <a:spcPts val="1000"/>
+              </a:spcBef>
+              <a:spcAft>
+                <a:spcPts val="200"/>
+              </a:spcAft>
+            </a:pPr>
+            <a:r>
+              <a:rPr lang="en-US" sz="1200" dirty="0" smtClean="0">
+                <a:latin typeface="Consolas" pitchFamily="49" charset="0"/>
+              </a:rPr>
+              <a:t>	USART1-&gt;BRR &amp;=0x00000000;</a:t>
+            </a:r>
+          </a:p>
+          <a:p>
+            <a:pPr lvl="0">
+              <a:spcBef>
+                <a:spcPts val="1000"/>
+              </a:spcBef>
+              <a:spcAft>
+                <a:spcPts val="200"/>
+              </a:spcAft>
+            </a:pPr>
+            <a:r>
+              <a:rPr lang="en-US" sz="1200" dirty="0" smtClean="0">
+                <a:latin typeface="Consolas" pitchFamily="49" charset="0"/>
+              </a:rPr>
+              <a:t>	USART1-&gt;BRR |=(52&lt;&lt;4); //mantissa</a:t>
+            </a:r>
+          </a:p>
+          <a:p>
+            <a:pPr lvl="0">
+              <a:spcBef>
+                <a:spcPts val="1000"/>
+              </a:spcBef>
+              <a:spcAft>
+                <a:spcPts val="200"/>
+              </a:spcAft>
+            </a:pPr>
+            <a:r>
+              <a:rPr lang="en-US" sz="1200" dirty="0" smtClean="0">
+                <a:latin typeface="Consolas" pitchFamily="49" charset="0"/>
+              </a:rPr>
+              <a:t>	USART1-&gt;BRR |=(1&lt;&lt;0); //Fraction	</a:t>
+            </a:r>
+          </a:p>
+          <a:p>
+            <a:pPr lvl="0">
+              <a:spcBef>
+                <a:spcPts val="1000"/>
+              </a:spcBef>
+              <a:spcAft>
+                <a:spcPts val="200"/>
+              </a:spcAft>
+            </a:pPr>
+            <a:r>
+              <a:rPr lang="en-US" sz="1200" dirty="0" smtClean="0">
+                <a:latin typeface="Consolas" pitchFamily="49" charset="0"/>
+              </a:rPr>
+              <a:t>	//USART_STD_BAUD_9600;</a:t>
+            </a:r>
+          </a:p>
+          <a:p>
+            <a:pPr lvl="0">
+              <a:spcBef>
+                <a:spcPts val="1000"/>
+              </a:spcBef>
+              <a:spcAft>
+                <a:spcPts val="200"/>
+              </a:spcAft>
+            </a:pPr>
+            <a:r>
+              <a:rPr lang="en-US" sz="1200" dirty="0" smtClean="0">
+                <a:latin typeface="Consolas" pitchFamily="49" charset="0"/>
+              </a:rPr>
+              <a:t>	//USART_HW_FLOW_CTRL_NONE;</a:t>
+            </a:r>
+          </a:p>
+          <a:p>
+            <a:pPr lvl="0">
+              <a:spcBef>
+                <a:spcPts val="1000"/>
+              </a:spcBef>
+              <a:spcAft>
+                <a:spcPts val="200"/>
+              </a:spcAft>
+            </a:pPr>
+            <a:r>
+              <a:rPr lang="en-US" sz="1200" dirty="0" smtClean="0">
+                <a:latin typeface="Consolas" pitchFamily="49" charset="0"/>
+              </a:rPr>
+              <a:t>	//USART_MODE_ONLY_TX;</a:t>
+            </a:r>
+          </a:p>
+          <a:p>
+            <a:pPr lvl="0">
+              <a:spcBef>
+                <a:spcPts val="1000"/>
+              </a:spcBef>
+              <a:spcAft>
+                <a:spcPts val="200"/>
+              </a:spcAft>
+            </a:pPr>
+            <a:r>
+              <a:rPr lang="en-US" sz="1200" dirty="0" smtClean="0">
+                <a:latin typeface="Consolas" pitchFamily="49" charset="0"/>
+              </a:rPr>
+              <a:t>	//USART_STOPBITS_1;</a:t>
+            </a:r>
+          </a:p>
+          <a:p>
+            <a:pPr lvl="0">
+              <a:spcBef>
+                <a:spcPts val="1000"/>
+              </a:spcBef>
+              <a:spcAft>
+                <a:spcPts val="200"/>
+              </a:spcAft>
+            </a:pPr>
+            <a:r>
+              <a:rPr lang="en-US" sz="1200" dirty="0" smtClean="0">
+                <a:latin typeface="Consolas" pitchFamily="49" charset="0"/>
+              </a:rPr>
+              <a:t>	//USART_WORDLEN_8BITS;</a:t>
+            </a:r>
+          </a:p>
+          <a:p>
+            <a:pPr lvl="0">
+              <a:spcBef>
+                <a:spcPts val="1000"/>
+              </a:spcBef>
+              <a:spcAft>
+                <a:spcPts val="200"/>
+              </a:spcAft>
+            </a:pPr>
+            <a:r>
+              <a:rPr lang="en-US" sz="1200" dirty="0" smtClean="0">
+                <a:latin typeface="Consolas" pitchFamily="49" charset="0"/>
+              </a:rPr>
+              <a:t>	//USART_PARITY_DISABLE;	</a:t>
+            </a:r>
+          </a:p>
+          <a:p>
+            <a:pPr lvl="0">
+              <a:spcBef>
+                <a:spcPts val="1000"/>
+              </a:spcBef>
+              <a:spcAft>
+                <a:spcPts val="200"/>
+              </a:spcAft>
+            </a:pPr>
+            <a:r>
+              <a:rPr lang="en-US" sz="1200" dirty="0" smtClean="0">
+                <a:latin typeface="Consolas" pitchFamily="49" charset="0"/>
+              </a:rPr>
+              <a:t>	USART1-&gt;CR1 |=(1&lt;&lt;3); //</a:t>
+            </a:r>
+            <a:r>
+              <a:rPr lang="en-US" sz="1200" dirty="0" err="1" smtClean="0">
+                <a:latin typeface="Consolas" pitchFamily="49" charset="0"/>
+              </a:rPr>
+              <a:t>tx</a:t>
+            </a:r>
+            <a:r>
+              <a:rPr lang="en-US" sz="1200" dirty="0" smtClean="0">
+                <a:latin typeface="Consolas" pitchFamily="49" charset="0"/>
+              </a:rPr>
+              <a:t> enable</a:t>
+            </a:r>
+          </a:p>
+          <a:p>
+            <a:pPr lvl="0">
+              <a:spcBef>
+                <a:spcPts val="1000"/>
+              </a:spcBef>
+              <a:spcAft>
+                <a:spcPts val="200"/>
+              </a:spcAft>
+            </a:pPr>
+            <a:r>
+              <a:rPr lang="en-US" sz="1200" dirty="0" smtClean="0">
+                <a:latin typeface="Consolas" pitchFamily="49" charset="0"/>
+              </a:rPr>
+              <a:t>	USART1-&gt;CR1 |=(1&lt;&lt;13); //</a:t>
+            </a:r>
+            <a:r>
+              <a:rPr lang="en-US" sz="1200" dirty="0" err="1" smtClean="0">
+                <a:latin typeface="Consolas" pitchFamily="49" charset="0"/>
+              </a:rPr>
+              <a:t>uart</a:t>
+            </a:r>
+            <a:r>
+              <a:rPr lang="en-US" sz="1200" dirty="0" smtClean="0">
+                <a:latin typeface="Consolas" pitchFamily="49" charset="0"/>
+              </a:rPr>
+              <a:t> enable	</a:t>
+            </a:r>
+          </a:p>
+          <a:p>
+            <a:pPr lvl="0">
+              <a:spcBef>
+                <a:spcPts val="1000"/>
+              </a:spcBef>
+              <a:spcAft>
+                <a:spcPts val="200"/>
+              </a:spcAft>
+            </a:pPr>
+            <a:r>
+              <a:rPr lang="en-US" sz="1200" dirty="0" smtClean="0">
+                <a:latin typeface="Consolas" pitchFamily="49" charset="0"/>
+              </a:rPr>
+              <a:t>}</a:t>
+            </a:r>
+          </a:p>
+          <a:p>
+            <a:pPr lvl="0">
+              <a:spcBef>
+                <a:spcPts val="1000"/>
+              </a:spcBef>
+              <a:spcAft>
+                <a:spcPts val="200"/>
+              </a:spcAft>
+            </a:pPr>
+            <a:r>
+              <a:rPr lang="en-US" sz="1200" dirty="0" smtClean="0">
+                <a:latin typeface="Consolas" pitchFamily="49" charset="0"/>
+              </a:rPr>
+              <a:t>	</a:t>
+            </a:r>
+          </a:p>
+          <a:p>
+            <a:pPr lvl="0">
+              <a:spcBef>
+                <a:spcPts val="1000"/>
+              </a:spcBef>
+              <a:spcAft>
+                <a:spcPts val="200"/>
+              </a:spcAft>
+            </a:pPr>
+            <a:endParaRPr lang="en-US" sz="1200" dirty="0">
+              <a:latin typeface="Consolas" pitchFamily="49" charset="0"/>
+            </a:endParaRPr>
+          </a:p>
+        </p:txBody>
+      </p:sp>
+    </p:spTree>
+    <p:extLst>
+      <p:ext uri="{BB962C8B-B14F-4D97-AF65-F5344CB8AC3E}">
+        <p14:creationId xmlns:p14="http://schemas.microsoft.com/office/powerpoint/2010/main" val="4112677201"/>
+      </p:ext>
+    </p:extLst>
+  </p:cSld>
+  <p:clrMapOvr>
+    <a:masterClrMapping/>
+  </p:clrMapOvr>
+  <p:timing>
+    <p:tnLst>
+      <p:par>
+        <p:cTn id="1" dur="indefinite" restart="never" nodeType="tmRoot"/>
+      </p:par>
+    </p:tnLst>
+  </p:timing>
+</p:sld>
+</file>
+
+<file path=ppt/slides/slide21.xml><?xml version="1.0" encoding="utf-8"?>
+<p:sld xmlns:a="http://schemas.openxmlformats.org/drawingml/2006/main" xmlns:r="http://schemas.openxmlformats.org/officeDocument/2006/relationships" xmlns:p="http://schemas.openxmlformats.org/presentationml/2006/main">
+  <p:cSld>
+    <p:spTree>
+      <p:nvGrpSpPr>
+        <p:cNvPr id="1" name=""/>
+        <p:cNvGrpSpPr/>
+        <p:nvPr/>
+      </p:nvGrpSpPr>
+      <p:grpSpPr>
+        <a:xfrm>
+          <a:off x="0" y="0"/>
+          <a:ext cx="0" cy="0"/>
+          <a:chOff x="0" y="0"/>
+          <a:chExt cx="0" cy="0"/>
+        </a:xfrm>
+      </p:grpSpPr>
+      <p:pic>
+        <p:nvPicPr>
+          <p:cNvPr id="2" name="Picture 2" descr="Azetech Solutions | LinkedIn"/>
+          <p:cNvPicPr>
+            <a:picLocks noChangeAspect="1" noChangeArrowheads="1"/>
+          </p:cNvPicPr>
+          <p:nvPr/>
+        </p:nvPicPr>
+        <p:blipFill>
+          <a:blip r:embed="rId2" cstate="print">
+            <a:extLst>
+              <a:ext uri="{28A0092B-C50C-407E-A947-70E740481C1C}">
+                <a14:useLocalDpi xmlns:a14="http://schemas.microsoft.com/office/drawing/2010/main" val="0"/>
+              </a:ext>
+            </a:extLst>
+          </a:blip>
+          <a:srcRect/>
+          <a:stretch>
+            <a:fillRect/>
+          </a:stretch>
+        </p:blipFill>
+        <p:spPr bwMode="auto">
+          <a:xfrm>
+            <a:off x="11456223" y="129648"/>
+            <a:ext cx="536848" cy="536848"/>
+          </a:xfrm>
+          <a:prstGeom prst="rect">
+            <a:avLst/>
+          </a:prstGeom>
+          <a:noFill/>
+          <a:extLst>
+            <a:ext uri="{909E8E84-426E-40DD-AFC4-6F175D3DCCD1}">
+              <a14:hiddenFill xmlns:a14="http://schemas.microsoft.com/office/drawing/2010/main">
+                <a:solidFill>
+                  <a:srgbClr val="FFFFFF"/>
+                </a:solidFill>
+              </a14:hiddenFill>
+            </a:ext>
+          </a:extLst>
+        </p:spPr>
+      </p:pic>
+      <p:sp>
+        <p:nvSpPr>
+          <p:cNvPr id="3" name="Footer Placeholder 2"/>
+          <p:cNvSpPr>
+            <a:spLocks noGrp="1"/>
+          </p:cNvSpPr>
+          <p:nvPr>
+            <p:ph type="ftr" sz="quarter" idx="11"/>
+          </p:nvPr>
+        </p:nvSpPr>
+        <p:spPr/>
+        <p:txBody>
+          <a:bodyPr/>
+          <a:lstStyle/>
+          <a:p>
+            <a:r>
+              <a:rPr lang="en-US" smtClean="0"/>
+              <a:t>Azetech Solution, Coimbatore</a:t>
+            </a:r>
+            <a:endParaRPr lang="en-US"/>
+          </a:p>
+        </p:txBody>
+      </p:sp>
+      <p:sp>
+        <p:nvSpPr>
+          <p:cNvPr id="5" name="Title 4"/>
+          <p:cNvSpPr txBox="1">
+            <a:spLocks/>
+          </p:cNvSpPr>
+          <p:nvPr/>
+        </p:nvSpPr>
+        <p:spPr>
+          <a:xfrm>
+            <a:off x="318311" y="441143"/>
+            <a:ext cx="6636281" cy="399245"/>
+          </a:xfrm>
+          <a:prstGeom prst="rect">
+            <a:avLst/>
+          </a:prstGeom>
+        </p:spPr>
+        <p:txBody>
+          <a:bodyPr vert="horz" lIns="91440" tIns="45720" rIns="91440" bIns="45720" rtlCol="0" anchor="b">
+            <a:noAutofit/>
+          </a:bodyPr>
+          <a:lstStyle>
+            <a:lvl1pPr algn="ctr" defTabSz="914400" rtl="0" eaLnBrk="1" latinLnBrk="0" hangingPunct="1">
+              <a:lnSpc>
+                <a:spcPct val="90000"/>
+              </a:lnSpc>
+              <a:spcBef>
+                <a:spcPct val="0"/>
+              </a:spcBef>
+              <a:buNone/>
+              <a:defRPr sz="6000" kern="1200">
+                <a:solidFill>
+                  <a:schemeClr val="tx1"/>
+                </a:solidFill>
+                <a:latin typeface="+mj-lt"/>
+                <a:ea typeface="+mj-ea"/>
+                <a:cs typeface="+mj-cs"/>
+              </a:defRPr>
+            </a:lvl1pPr>
+          </a:lstStyle>
+          <a:p>
+            <a:pPr algn="l"/>
+            <a:endParaRPr lang="en-US" sz="2800" b="1" dirty="0" smtClean="0">
+              <a:solidFill>
+                <a:schemeClr val="accent1">
+                  <a:lumMod val="75000"/>
+                </a:schemeClr>
+              </a:solidFill>
+              <a:latin typeface="Facto Bold" panose="00000800000000000000" pitchFamily="50" charset="0"/>
+            </a:endParaRPr>
+          </a:p>
+        </p:txBody>
+      </p:sp>
+      <p:sp>
+        <p:nvSpPr>
+          <p:cNvPr id="6" name="TextBox 5"/>
+          <p:cNvSpPr txBox="1"/>
+          <p:nvPr/>
+        </p:nvSpPr>
+        <p:spPr>
+          <a:xfrm>
+            <a:off x="318311" y="441143"/>
+            <a:ext cx="11873688" cy="5199369"/>
+          </a:xfrm>
+          <a:prstGeom prst="rect">
+            <a:avLst/>
+          </a:prstGeom>
+          <a:noFill/>
+        </p:spPr>
+        <p:txBody>
+          <a:bodyPr wrap="square" numCol="2" rtlCol="0">
+            <a:spAutoFit/>
+          </a:bodyPr>
+          <a:lstStyle/>
+          <a:p>
+            <a:pPr lvl="0">
+              <a:spcBef>
+                <a:spcPts val="1000"/>
+              </a:spcBef>
+              <a:spcAft>
+                <a:spcPts val="200"/>
+              </a:spcAft>
+            </a:pPr>
+            <a:r>
+              <a:rPr lang="en-US" sz="1200" dirty="0">
+                <a:latin typeface="Consolas" pitchFamily="49" charset="0"/>
+              </a:rPr>
+              <a:t>void </a:t>
+            </a:r>
+            <a:r>
+              <a:rPr lang="en-US" sz="1200" dirty="0" err="1">
+                <a:latin typeface="Consolas" pitchFamily="49" charset="0"/>
+              </a:rPr>
+              <a:t>uart_tx</a:t>
+            </a:r>
+            <a:r>
+              <a:rPr lang="en-US" sz="1200" dirty="0">
+                <a:latin typeface="Consolas" pitchFamily="49" charset="0"/>
+              </a:rPr>
+              <a:t>(unsigned char data)</a:t>
+            </a:r>
+          </a:p>
+          <a:p>
+            <a:pPr lvl="0">
+              <a:spcBef>
+                <a:spcPts val="1000"/>
+              </a:spcBef>
+              <a:spcAft>
+                <a:spcPts val="200"/>
+              </a:spcAft>
+            </a:pPr>
+            <a:r>
+              <a:rPr lang="en-US" sz="1200" dirty="0">
+                <a:latin typeface="Consolas" pitchFamily="49" charset="0"/>
+              </a:rPr>
+              <a:t>{	</a:t>
+            </a:r>
+          </a:p>
+          <a:p>
+            <a:pPr lvl="0">
+              <a:spcBef>
+                <a:spcPts val="1000"/>
+              </a:spcBef>
+              <a:spcAft>
+                <a:spcPts val="200"/>
+              </a:spcAft>
+            </a:pPr>
+            <a:r>
+              <a:rPr lang="en-US" sz="1200" dirty="0">
+                <a:latin typeface="Consolas" pitchFamily="49" charset="0"/>
+              </a:rPr>
+              <a:t>	while( !(USART1-&gt;SR &amp; (1&lt;&lt;7)));  //</a:t>
+            </a:r>
+            <a:r>
+              <a:rPr lang="en-US" sz="1200" dirty="0" err="1">
+                <a:latin typeface="Consolas" pitchFamily="49" charset="0"/>
+              </a:rPr>
+              <a:t>tx</a:t>
+            </a:r>
+            <a:r>
+              <a:rPr lang="en-US" sz="1200" dirty="0">
+                <a:latin typeface="Consolas" pitchFamily="49" charset="0"/>
+              </a:rPr>
+              <a:t> buffer empty check	</a:t>
+            </a:r>
+          </a:p>
+          <a:p>
+            <a:pPr lvl="0">
+              <a:spcBef>
+                <a:spcPts val="1000"/>
+              </a:spcBef>
+              <a:spcAft>
+                <a:spcPts val="200"/>
+              </a:spcAft>
+            </a:pPr>
+            <a:r>
+              <a:rPr lang="en-US" sz="1200" dirty="0">
+                <a:latin typeface="Consolas" pitchFamily="49" charset="0"/>
+              </a:rPr>
+              <a:t>	USART1-&gt;DR=data;</a:t>
+            </a:r>
+          </a:p>
+          <a:p>
+            <a:pPr lvl="0">
+              <a:spcBef>
+                <a:spcPts val="1000"/>
+              </a:spcBef>
+              <a:spcAft>
+                <a:spcPts val="200"/>
+              </a:spcAft>
+            </a:pPr>
+            <a:r>
+              <a:rPr lang="en-US" sz="1200" dirty="0">
+                <a:latin typeface="Consolas" pitchFamily="49" charset="0"/>
+              </a:rPr>
+              <a:t>}</a:t>
+            </a:r>
+          </a:p>
+          <a:p>
+            <a:pPr lvl="0">
+              <a:spcBef>
+                <a:spcPts val="1000"/>
+              </a:spcBef>
+              <a:spcAft>
+                <a:spcPts val="200"/>
+              </a:spcAft>
+            </a:pPr>
+            <a:r>
+              <a:rPr lang="en-US" sz="1200" dirty="0">
+                <a:latin typeface="Consolas" pitchFamily="49" charset="0"/>
+              </a:rPr>
+              <a:t>	</a:t>
+            </a:r>
+          </a:p>
+          <a:p>
+            <a:pPr lvl="0">
+              <a:spcBef>
+                <a:spcPts val="1000"/>
+              </a:spcBef>
+              <a:spcAft>
+                <a:spcPts val="200"/>
+              </a:spcAft>
+            </a:pPr>
+            <a:r>
+              <a:rPr lang="en-US" sz="1200" dirty="0">
+                <a:latin typeface="Consolas" pitchFamily="49" charset="0"/>
+              </a:rPr>
+              <a:t>void </a:t>
+            </a:r>
+            <a:r>
+              <a:rPr lang="en-US" sz="1200" dirty="0" err="1">
+                <a:latin typeface="Consolas" pitchFamily="49" charset="0"/>
+              </a:rPr>
+              <a:t>uart_tx_string</a:t>
+            </a:r>
+            <a:r>
+              <a:rPr lang="en-US" sz="1200" dirty="0">
+                <a:latin typeface="Consolas" pitchFamily="49" charset="0"/>
+              </a:rPr>
+              <a:t>(unsigned char *data)</a:t>
+            </a:r>
+          </a:p>
+          <a:p>
+            <a:pPr lvl="0">
+              <a:spcBef>
+                <a:spcPts val="1000"/>
+              </a:spcBef>
+              <a:spcAft>
+                <a:spcPts val="200"/>
+              </a:spcAft>
+            </a:pPr>
+            <a:r>
+              <a:rPr lang="en-US" sz="1200" dirty="0">
+                <a:latin typeface="Consolas" pitchFamily="49" charset="0"/>
+              </a:rPr>
+              <a:t>{</a:t>
+            </a:r>
+          </a:p>
+          <a:p>
+            <a:pPr lvl="0">
+              <a:spcBef>
+                <a:spcPts val="1000"/>
+              </a:spcBef>
+              <a:spcAft>
+                <a:spcPts val="200"/>
+              </a:spcAft>
+            </a:pPr>
+            <a:r>
+              <a:rPr lang="en-US" sz="1200" dirty="0">
+                <a:latin typeface="Consolas" pitchFamily="49" charset="0"/>
+              </a:rPr>
+              <a:t>	while(*data)</a:t>
+            </a:r>
+          </a:p>
+          <a:p>
+            <a:pPr lvl="0">
+              <a:spcBef>
+                <a:spcPts val="1000"/>
+              </a:spcBef>
+              <a:spcAft>
+                <a:spcPts val="200"/>
+              </a:spcAft>
+            </a:pPr>
+            <a:r>
+              <a:rPr lang="en-US" sz="1200" dirty="0">
+                <a:latin typeface="Consolas" pitchFamily="49" charset="0"/>
+              </a:rPr>
+              <a:t>	{</a:t>
+            </a:r>
+          </a:p>
+          <a:p>
+            <a:pPr lvl="0">
+              <a:spcBef>
+                <a:spcPts val="1000"/>
+              </a:spcBef>
+              <a:spcAft>
+                <a:spcPts val="200"/>
+              </a:spcAft>
+            </a:pPr>
+            <a:r>
+              <a:rPr lang="en-US" sz="1200" dirty="0">
+                <a:latin typeface="Consolas" pitchFamily="49" charset="0"/>
+              </a:rPr>
+              <a:t>		</a:t>
+            </a:r>
+            <a:r>
+              <a:rPr lang="en-US" sz="1200" dirty="0" err="1">
+                <a:latin typeface="Consolas" pitchFamily="49" charset="0"/>
+              </a:rPr>
+              <a:t>uart_tx</a:t>
+            </a:r>
+            <a:r>
+              <a:rPr lang="en-US" sz="1200" dirty="0">
+                <a:latin typeface="Consolas" pitchFamily="49" charset="0"/>
+              </a:rPr>
+              <a:t>(*data++);</a:t>
+            </a:r>
+          </a:p>
+          <a:p>
+            <a:pPr lvl="0">
+              <a:spcBef>
+                <a:spcPts val="1000"/>
+              </a:spcBef>
+              <a:spcAft>
+                <a:spcPts val="200"/>
+              </a:spcAft>
+            </a:pPr>
+            <a:r>
+              <a:rPr lang="en-US" sz="1200" dirty="0">
+                <a:latin typeface="Consolas" pitchFamily="49" charset="0"/>
+              </a:rPr>
+              <a:t>	}</a:t>
+            </a:r>
+          </a:p>
+          <a:p>
+            <a:pPr lvl="0">
+              <a:spcBef>
+                <a:spcPts val="1000"/>
+              </a:spcBef>
+              <a:spcAft>
+                <a:spcPts val="200"/>
+              </a:spcAft>
+            </a:pPr>
+            <a:r>
+              <a:rPr lang="en-US" sz="1200" dirty="0">
+                <a:latin typeface="Consolas" pitchFamily="49" charset="0"/>
+              </a:rPr>
+              <a:t>	</a:t>
+            </a:r>
+          </a:p>
+          <a:p>
+            <a:pPr lvl="0">
+              <a:spcBef>
+                <a:spcPts val="1000"/>
+              </a:spcBef>
+              <a:spcAft>
+                <a:spcPts val="200"/>
+              </a:spcAft>
+            </a:pPr>
+            <a:r>
+              <a:rPr lang="en-US" sz="1200" dirty="0">
+                <a:latin typeface="Consolas" pitchFamily="49" charset="0"/>
+              </a:rPr>
+              <a:t>	while( !(USART1-&gt;SR &amp; (1&lt;&lt;6)));//</a:t>
+            </a:r>
+            <a:r>
+              <a:rPr lang="en-US" sz="1200" dirty="0" err="1">
+                <a:latin typeface="Consolas" pitchFamily="49" charset="0"/>
+              </a:rPr>
+              <a:t>tx</a:t>
+            </a:r>
+            <a:r>
+              <a:rPr lang="en-US" sz="1200" dirty="0">
+                <a:latin typeface="Consolas" pitchFamily="49" charset="0"/>
+              </a:rPr>
+              <a:t> complete check;</a:t>
+            </a:r>
+          </a:p>
+          <a:p>
+            <a:pPr lvl="0">
+              <a:spcBef>
+                <a:spcPts val="1000"/>
+              </a:spcBef>
+              <a:spcAft>
+                <a:spcPts val="200"/>
+              </a:spcAft>
+            </a:pPr>
+            <a:r>
+              <a:rPr lang="en-US" sz="1200" dirty="0">
+                <a:latin typeface="Consolas" pitchFamily="49" charset="0"/>
+              </a:rPr>
+              <a:t>}</a:t>
+            </a:r>
+          </a:p>
+          <a:p>
+            <a:pPr lvl="0">
+              <a:spcBef>
+                <a:spcPts val="1000"/>
+              </a:spcBef>
+              <a:spcAft>
+                <a:spcPts val="200"/>
+              </a:spcAft>
+            </a:pPr>
+            <a:endParaRPr lang="en-US" sz="1200" dirty="0">
+              <a:latin typeface="Consolas" pitchFamily="49" charset="0"/>
+            </a:endParaRPr>
+          </a:p>
+        </p:txBody>
+      </p:sp>
+    </p:spTree>
+    <p:extLst>
+      <p:ext uri="{BB962C8B-B14F-4D97-AF65-F5344CB8AC3E}">
+        <p14:creationId xmlns:p14="http://schemas.microsoft.com/office/powerpoint/2010/main" val="2177474194"/>
       </p:ext>
     </p:extLst>
   </p:cSld>
@@ -12710,18 +14980,7 @@
                 </a:solidFill>
                 <a:latin typeface="Facto Bold" panose="00000800000000000000" pitchFamily="50" charset="0"/>
               </a:rPr>
-              <a:t>VS</a:t>
-            </a:r>
-            <a:r>
-              <a:rPr lang="en-US" sz="2800" b="1" dirty="0" smtClean="0">
-                <a:solidFill>
-                  <a:schemeClr val="accent1">
-                    <a:lumMod val="75000"/>
-                  </a:schemeClr>
-                </a:solidFill>
-                <a:latin typeface="Facto Bold" panose="00000800000000000000" pitchFamily="50" charset="0"/>
-              </a:rPr>
-              <a:t> </a:t>
+              <a:t>VS </a:t>
             </a:r>
             <a:r>
               <a:rPr lang="en-US" sz="2800" b="1" dirty="0">
@@ -13096,7 +15355,7 @@
     </a:clrScheme>
     <a:fontScheme name="Office">
       <a:majorFont>
-        <a:latin typeface="Calibri Light" panose="020F0302020204030204"/>
+        <a:latin typeface="Calibri Light"/>
         <a:ea typeface=""/>
         <a:cs typeface=""/>
         <a:font script="Jpan" typeface="游ゴシック Light"/>
@@ -13131,7 +15390,7 @@
         <a:font script="Geor" typeface="Sylfaen"/>
       </a:majorFont>
       <a:minorFont>
-        <a:latin typeface="Calibri" panose="020F0502020204030204"/>
+        <a:latin typeface="Calibri"/>
         <a:ea typeface=""/>
         <a:cs typeface=""/>
         <a:font script="Jpan" typeface="游ゴシック"/>
@@ -13308,7 +15567,7 @@
   <a:extraClrSchemeLst/>
   <a:extLst>
     <a:ext uri="{05A4C25C-085E-4340-85A3-A5531E510DB2}">
-      <thm15:themeFamily xmlns:thm15="http://schemas.microsoft.com/office/thememl/2012/main" name="Office Theme" id="{62F939B6-93AF-4DB8-9C6B-D6C7DFDC589F}" vid="{4A3C46E8-61CC-4603-A589-7422A47A8E4A}"/>
+      <thm15:themeFamily xmlns:thm15="http://schemas.microsoft.com/office/thememl/2012/main" xmlns="" name="Office Theme" id="{62F939B6-93AF-4DB8-9C6B-D6C7DFDC589F}" vid="{4A3C46E8-61CC-4603-A589-7422A47A8E4A}"/>
     </a:ext>
   </a:extLst>
 </a:theme>
@@ -13357,7 +15616,7 @@
     </a:clrScheme>
     <a:fontScheme name="Office">
       <a:majorFont>
-        <a:latin typeface="Calibri Light" panose="020F0302020204030204"/>
+        <a:latin typeface="Calibri Light"/>
         <a:ea typeface=""/>
         <a:cs typeface=""/>
         <a:font script="Jpan" typeface="游ゴシック Light"/>
@@ -13392,7 +15651,7 @@
         <a:font script="Geor" typeface="Sylfaen"/>
       </a:majorFont>
       <a:minorFont>
-        <a:latin typeface="Calibri" panose="020F0502020204030204"/>
+        <a:latin typeface="Calibri"/>
         <a:ea typeface=""/>
         <a:cs typeface=""/>
         <a:font script="Jpan" typeface="游ゴシック"/>
@@ -13569,7 +15828,7 @@
   <a:extraClrSchemeLst/>
   <a:extLst>
     <a:ext uri="{05A4C25C-085E-4340-85A3-A5531E510DB2}">
-      <thm15:themeFamily xmlns:thm15="http://schemas.microsoft.com/office/thememl/2012/main" name="Office Theme" id="{62F939B6-93AF-4DB8-9C6B-D6C7DFDC589F}" vid="{4A3C46E8-61CC-4603-A589-7422A47A8E4A}"/>
+      <thm15:themeFamily xmlns:thm15="http://schemas.microsoft.com/office/thememl/2012/main" xmlns="" name="Office Theme" id="{62F939B6-93AF-4DB8-9C6B-D6C7DFDC589F}" vid="{4A3C46E8-61CC-4603-A589-7422A47A8E4A}"/>
     </a:ext>
   </a:extLst>
 </a:theme>
@@ -13618,7 +15877,7 @@
     </a:clrScheme>
     <a:fontScheme name="Office">
       <a:majorFont>
-        <a:latin typeface="Calibri Light" panose="020F0302020204030204"/>
+        <a:latin typeface="Calibri Light"/>
         <a:ea typeface=""/>
         <a:cs typeface=""/>
         <a:font script="Jpan" typeface="游ゴシック Light"/>
@@ -13653,7 +15912,7 @@
         <a:font script="Geor" typeface="Sylfaen"/>
       </a:majorFont>
       <a:minorFont>
-        <a:latin typeface="Calibri" panose="020F0502020204030204"/>
+        <a:latin typeface="Calibri"/>
         <a:ea typeface=""/>
         <a:cs typeface=""/>
         <a:font script="Jpan" typeface="游ゴシック"/>
@@ -13830,7 +16089,7 @@
   <a:extraClrSchemeLst/>
   <a:extLst>
     <a:ext uri="{05A4C25C-085E-4340-85A3-A5531E510DB2}">
-      <thm15:themeFamily xmlns:thm15="http://schemas.microsoft.com/office/thememl/2012/main" name="Office Theme" id="{62F939B6-93AF-4DB8-9C6B-D6C7DFDC589F}" vid="{4A3C46E8-61CC-4603-A589-7422A47A8E4A}"/>
+      <thm15:themeFamily xmlns:thm15="http://schemas.microsoft.com/office/thememl/2012/main" xmlns="" name="Office Theme" id="{62F939B6-93AF-4DB8-9C6B-D6C7DFDC589F}" vid="{4A3C46E8-61CC-4603-A589-7422A47A8E4A}"/>
     </a:ext>
   </a:extLst>
 </a:theme>

--- a/STM32_DOCS/STM32_UART.pptx
+++ b/STM32_DOCS/STM32_UART.pptx
@@ -5,10 +5,10 @@
     <p:sldMasterId id="2147483648" r:id="rId1"/>
   </p:sldMasterIdLst>
   <p:notesMasterIdLst>
-    <p:notesMasterId r:id="rId23"/>
+    <p:notesMasterId r:id="rId22"/>
   </p:notesMasterIdLst>
   <p:handoutMasterIdLst>
-    <p:handoutMasterId r:id="rId24"/>
+    <p:handoutMasterId r:id="rId23"/>
   </p:handoutMasterIdLst>
   <p:sldIdLst>
     <p:sldId id="324" r:id="rId2"/>
@@ -20,18 +20,17 @@
     <p:sldId id="333" r:id="rId8"/>
     <p:sldId id="334" r:id="rId9"/>
     <p:sldId id="336" r:id="rId10"/>
-    <p:sldId id="350" r:id="rId11"/>
-    <p:sldId id="339" r:id="rId12"/>
-    <p:sldId id="340" r:id="rId13"/>
-    <p:sldId id="341" r:id="rId14"/>
-    <p:sldId id="342" r:id="rId15"/>
-    <p:sldId id="344" r:id="rId16"/>
-    <p:sldId id="345" r:id="rId17"/>
-    <p:sldId id="351" r:id="rId18"/>
-    <p:sldId id="347" r:id="rId19"/>
-    <p:sldId id="348" r:id="rId20"/>
-    <p:sldId id="349" r:id="rId21"/>
-    <p:sldId id="352" r:id="rId22"/>
+    <p:sldId id="339" r:id="rId11"/>
+    <p:sldId id="340" r:id="rId12"/>
+    <p:sldId id="341" r:id="rId13"/>
+    <p:sldId id="342" r:id="rId14"/>
+    <p:sldId id="344" r:id="rId15"/>
+    <p:sldId id="345" r:id="rId16"/>
+    <p:sldId id="351" r:id="rId17"/>
+    <p:sldId id="347" r:id="rId18"/>
+    <p:sldId id="348" r:id="rId19"/>
+    <p:sldId id="349" r:id="rId20"/>
+    <p:sldId id="352" r:id="rId21"/>
   </p:sldIdLst>
   <p:sldSz cx="12192000" cy="6858000"/>
   <p:notesSz cx="6858000" cy="9144000"/>
@@ -132,7 +131,7 @@
   </p:defaultTextStyle>
   <p:extLst>
     <p:ext uri="{EFAFB233-063F-42B5-8137-9DF3F51BA10A}">
-      <p15:sldGuideLst xmlns:p15="http://schemas.microsoft.com/office/powerpoint/2012/main" xmlns=""/>
+      <p15:sldGuideLst xmlns="" xmlns:p15="http://schemas.microsoft.com/office/powerpoint/2012/main"/>
     </p:ext>
   </p:extLst>
 </p:presentation>
@@ -1178,39 +1177,6 @@
         </a:p>
       </dgm:t>
     </dgm:pt>
-    <dgm:pt modelId="{A7666E5C-6E1D-46F3-978E-E3A06DD75260}">
-      <dgm:prSet phldrT="[Text]" phldr="1"/>
-      <dgm:spPr/>
-      <dgm:t>
-        <a:bodyPr/>
-        <a:lstStyle/>
-        <a:p>
-          <a:endParaRPr lang="en-IN"/>
-        </a:p>
-      </dgm:t>
-    </dgm:pt>
-    <dgm:pt modelId="{A4C16DD4-2963-4B4E-BB8E-3F2D73AEA8E0}" type="parTrans" cxnId="{30CE5519-AAE8-4B66-9939-9447C0EA1EF7}">
-      <dgm:prSet/>
-      <dgm:spPr/>
-      <dgm:t>
-        <a:bodyPr/>
-        <a:lstStyle/>
-        <a:p>
-          <a:endParaRPr lang="en-IN"/>
-        </a:p>
-      </dgm:t>
-    </dgm:pt>
-    <dgm:pt modelId="{A7CF5633-9658-4D7B-B709-D47B4F15B50A}" type="sibTrans" cxnId="{30CE5519-AAE8-4B66-9939-9447C0EA1EF7}">
-      <dgm:prSet/>
-      <dgm:spPr/>
-      <dgm:t>
-        <a:bodyPr/>
-        <a:lstStyle/>
-        <a:p>
-          <a:endParaRPr lang="en-IN"/>
-        </a:p>
-      </dgm:t>
-    </dgm:pt>
     <dgm:pt modelId="{7CEEA3B7-0E26-4FFA-BE9C-46D043380BBF}">
       <dgm:prSet custT="1"/>
       <dgm:spPr/>
@@ -1401,7 +1367,7 @@
       <dgm:spPr/>
     </dgm:pt>
     <dgm:pt modelId="{C8976C6C-00F3-4018-BF7C-6BE1AD897C74}" type="pres">
-      <dgm:prSet presAssocID="{FFC03E60-A436-48E9-B099-3F1158BED2D6}" presName="Name19" presStyleLbl="parChTrans1D3" presStyleIdx="0" presStyleCnt="3"/>
+      <dgm:prSet presAssocID="{FFC03E60-A436-48E9-B099-3F1158BED2D6}" presName="Name19" presStyleLbl="parChTrans1D3" presStyleIdx="0" presStyleCnt="2"/>
       <dgm:spPr/>
       <dgm:t>
         <a:bodyPr/>
@@ -1416,7 +1382,7 @@
       <dgm:spPr/>
     </dgm:pt>
     <dgm:pt modelId="{3D3A33BB-55E8-4405-98C1-8B9DDD2BB081}" type="pres">
-      <dgm:prSet presAssocID="{BB691718-DDF2-45B3-8E7D-F27C5A3E30B7}" presName="level2Shape" presStyleLbl="node3" presStyleIdx="0" presStyleCnt="3"/>
+      <dgm:prSet presAssocID="{BB691718-DDF2-45B3-8E7D-F27C5A3E30B7}" presName="level2Shape" presStyleLbl="node3" presStyleIdx="0" presStyleCnt="2"/>
       <dgm:spPr/>
       <dgm:t>
         <a:bodyPr/>
@@ -1461,7 +1427,7 @@
       <dgm:spPr/>
     </dgm:pt>
     <dgm:pt modelId="{8B8A76B7-901C-4C7A-B89B-6281486305B4}" type="pres">
-      <dgm:prSet presAssocID="{244CBAA5-587C-4798-A281-BE73BA67BF7F}" presName="Name19" presStyleLbl="parChTrans1D3" presStyleIdx="1" presStyleCnt="3"/>
+      <dgm:prSet presAssocID="{244CBAA5-587C-4798-A281-BE73BA67BF7F}" presName="Name19" presStyleLbl="parChTrans1D3" presStyleIdx="1" presStyleCnt="2"/>
       <dgm:spPr/>
       <dgm:t>
         <a:bodyPr/>
@@ -1476,7 +1442,7 @@
       <dgm:spPr/>
     </dgm:pt>
     <dgm:pt modelId="{7B4CCE5E-C1E8-4A9E-8217-73F4C42A7F1C}" type="pres">
-      <dgm:prSet presAssocID="{3D8836D1-CE16-4D28-BA20-8C361D048052}" presName="level2Shape" presStyleLbl="node3" presStyleIdx="1" presStyleCnt="3"/>
+      <dgm:prSet presAssocID="{3D8836D1-CE16-4D28-BA20-8C361D048052}" presName="level2Shape" presStyleLbl="node3" presStyleIdx="1" presStyleCnt="2" custScaleX="134415"/>
       <dgm:spPr/>
       <dgm:t>
         <a:bodyPr/>
@@ -1550,43 +1516,12 @@
       <dgm:prSet presAssocID="{453C4833-C50D-48BB-B23F-915EE53BB9B0}" presName="hierChild3" presStyleCnt="0"/>
       <dgm:spPr/>
     </dgm:pt>
-    <dgm:pt modelId="{2DB302E8-D7C4-4050-BC40-64F0DEEEC77C}" type="pres">
-      <dgm:prSet presAssocID="{A4C16DD4-2963-4B4E-BB8E-3F2D73AEA8E0}" presName="Name19" presStyleLbl="parChTrans1D3" presStyleIdx="2" presStyleCnt="3"/>
-      <dgm:spPr/>
-      <dgm:t>
-        <a:bodyPr/>
-        <a:lstStyle/>
-        <a:p>
-          <a:endParaRPr lang="en-IN"/>
-        </a:p>
-      </dgm:t>
-    </dgm:pt>
-    <dgm:pt modelId="{4A162A2A-ADA2-4D51-858D-BB540B7F6C52}" type="pres">
-      <dgm:prSet presAssocID="{A7666E5C-6E1D-46F3-978E-E3A06DD75260}" presName="Name21" presStyleCnt="0"/>
-      <dgm:spPr/>
-    </dgm:pt>
-    <dgm:pt modelId="{F56C7E85-EAAB-4A84-9160-4FB18D714C70}" type="pres">
-      <dgm:prSet presAssocID="{A7666E5C-6E1D-46F3-978E-E3A06DD75260}" presName="level2Shape" presStyleLbl="node3" presStyleIdx="2" presStyleCnt="3"/>
-      <dgm:spPr/>
-      <dgm:t>
-        <a:bodyPr/>
-        <a:lstStyle/>
-        <a:p>
-          <a:endParaRPr lang="en-IN"/>
-        </a:p>
-      </dgm:t>
-    </dgm:pt>
-    <dgm:pt modelId="{A9E6040F-DB79-4386-9695-72768D029783}" type="pres">
-      <dgm:prSet presAssocID="{A7666E5C-6E1D-46F3-978E-E3A06DD75260}" presName="hierChild3" presStyleCnt="0"/>
-      <dgm:spPr/>
-    </dgm:pt>
     <dgm:pt modelId="{3CFCBC29-7355-4DD1-A1F1-73B9993EF2F2}" type="pres">
       <dgm:prSet presAssocID="{1430BF88-2008-43C4-8D19-B9884B78360E}" presName="bgShapesFlow" presStyleCnt="0"/>
       <dgm:spPr/>
     </dgm:pt>
   </dgm:ptLst>
   <dgm:cxnLst>
-    <dgm:cxn modelId="{E3F5B99C-D4F0-4C3F-A9A6-54E6AC1E0358}" type="presOf" srcId="{A4C16DD4-2963-4B4E-BB8E-3F2D73AEA8E0}" destId="{2DB302E8-D7C4-4050-BC40-64F0DEEEC77C}" srcOrd="0" destOrd="0" presId="urn:microsoft.com/office/officeart/2005/8/layout/hierarchy6"/>
     <dgm:cxn modelId="{0BF68CD0-F167-441C-B6C6-D2B5D2A64531}" type="presOf" srcId="{7CEEA3B7-0E26-4FFA-BE9C-46D043380BBF}" destId="{5A5D3175-FB58-4C69-94F8-A4AF3FEA07BF}" srcOrd="0" destOrd="0" presId="urn:microsoft.com/office/officeart/2005/8/layout/hierarchy6"/>
     <dgm:cxn modelId="{CBCF4EA2-1DB0-4D59-93F0-B643C269C86D}" srcId="{3D8836D1-CE16-4D28-BA20-8C361D048052}" destId="{88919280-19DE-4AE4-8DEC-8E76125E5F27}" srcOrd="0" destOrd="0" parTransId="{54AFFF1D-853C-4171-A943-AA0FCFA6D990}" sibTransId="{E2EF74DD-79E6-4EC8-9833-A9AC673EA425}"/>
     <dgm:cxn modelId="{B9F6D3C8-D029-403B-B62A-23B20FF3ABE1}" type="presOf" srcId="{04867D37-010D-45E1-A228-C9DA6703E79A}" destId="{84553FB7-7A49-4839-AED9-FB120CE467B6}" srcOrd="0" destOrd="0" presId="urn:microsoft.com/office/officeart/2005/8/layout/hierarchy6"/>
@@ -1599,13 +1534,11 @@
     <dgm:cxn modelId="{CEB25CCA-764F-4C30-AE29-0F80AE2794CC}" type="presOf" srcId="{5EBD7438-0B42-469E-9871-36F8B4E421AC}" destId="{23CF47FA-99BA-4FDD-9BCA-93A04392E628}" srcOrd="0" destOrd="0" presId="urn:microsoft.com/office/officeart/2005/8/layout/hierarchy6"/>
     <dgm:cxn modelId="{98240CF4-82AB-491A-B9B2-EDE73DEA4D93}" srcId="{04867D37-010D-45E1-A228-C9DA6703E79A}" destId="{3D8836D1-CE16-4D28-BA20-8C361D048052}" srcOrd="1" destOrd="0" parTransId="{244CBAA5-587C-4798-A281-BE73BA67BF7F}" sibTransId="{AFE581BE-63E7-46D1-A79D-98EBD2DF4AC5}"/>
     <dgm:cxn modelId="{71A9F1D5-49FB-48B6-8886-75BC9B37F3E9}" type="presOf" srcId="{3D8836D1-CE16-4D28-BA20-8C361D048052}" destId="{7B4CCE5E-C1E8-4A9E-8217-73F4C42A7F1C}" srcOrd="0" destOrd="0" presId="urn:microsoft.com/office/officeart/2005/8/layout/hierarchy6"/>
-    <dgm:cxn modelId="{A5E12DD2-7DDF-4616-9B76-664F268C9E43}" type="presOf" srcId="{A7666E5C-6E1D-46F3-978E-E3A06DD75260}" destId="{F56C7E85-EAAB-4A84-9160-4FB18D714C70}" srcOrd="0" destOrd="0" presId="urn:microsoft.com/office/officeart/2005/8/layout/hierarchy6"/>
     <dgm:cxn modelId="{36603AE4-BB4D-4611-B7F8-F3040E131EFE}" type="presOf" srcId="{77D7ACBE-8F26-4B69-AFBA-C6D494A1B679}" destId="{0FF163F6-3B69-4EE2-860F-C9949587DFF9}" srcOrd="0" destOrd="0" presId="urn:microsoft.com/office/officeart/2005/8/layout/hierarchy6"/>
     <dgm:cxn modelId="{90FFB2EB-9B81-4F53-AC7B-A8B06611D43C}" type="presOf" srcId="{FFC03E60-A436-48E9-B099-3F1158BED2D6}" destId="{C8976C6C-00F3-4018-BF7C-6BE1AD897C74}" srcOrd="0" destOrd="0" presId="urn:microsoft.com/office/officeart/2005/8/layout/hierarchy6"/>
     <dgm:cxn modelId="{FC4FA25A-4580-4C34-A9F7-F419149A3207}" srcId="{1430BF88-2008-43C4-8D19-B9884B78360E}" destId="{2E9B8C4F-5B74-4E09-8578-38DF431523C5}" srcOrd="0" destOrd="0" parTransId="{648CA960-2F08-4E42-9E30-1F6E6C0D2F70}" sibTransId="{EC8FA32F-8191-446E-9B2A-9BF56A17FA1C}"/>
     <dgm:cxn modelId="{6ADBAFC9-F537-4BAC-A4B7-701CD3E6CF62}" type="presOf" srcId="{244CBAA5-587C-4798-A281-BE73BA67BF7F}" destId="{8B8A76B7-901C-4C7A-B89B-6281486305B4}" srcOrd="0" destOrd="0" presId="urn:microsoft.com/office/officeart/2005/8/layout/hierarchy6"/>
     <dgm:cxn modelId="{1E77A292-6B4F-4BEA-A310-8A232A59DAB1}" type="presOf" srcId="{88919280-19DE-4AE4-8DEC-8E76125E5F27}" destId="{8F63BED9-5FEF-4570-BE33-E6700585A214}" srcOrd="0" destOrd="0" presId="urn:microsoft.com/office/officeart/2005/8/layout/hierarchy6"/>
-    <dgm:cxn modelId="{30CE5519-AAE8-4B66-9939-9447C0EA1EF7}" srcId="{453C4833-C50D-48BB-B23F-915EE53BB9B0}" destId="{A7666E5C-6E1D-46F3-978E-E3A06DD75260}" srcOrd="0" destOrd="0" parTransId="{A4C16DD4-2963-4B4E-BB8E-3F2D73AEA8E0}" sibTransId="{A7CF5633-9658-4D7B-B709-D47B4F15B50A}"/>
     <dgm:cxn modelId="{FD4D8C4A-47E6-4A20-A93B-DC1FCD3CCCDF}" srcId="{2E9B8C4F-5B74-4E09-8578-38DF431523C5}" destId="{453C4833-C50D-48BB-B23F-915EE53BB9B0}" srcOrd="1" destOrd="0" parTransId="{5EBD7438-0B42-469E-9871-36F8B4E421AC}" sibTransId="{F20D9A45-9EB9-476C-A89E-858E73724352}"/>
     <dgm:cxn modelId="{FE3EB7C8-FBA0-42C1-AA30-0BC79A6E6252}" srcId="{04867D37-010D-45E1-A228-C9DA6703E79A}" destId="{BB691718-DDF2-45B3-8E7D-F27C5A3E30B7}" srcOrd="0" destOrd="0" parTransId="{FFC03E60-A436-48E9-B099-3F1158BED2D6}" sibTransId="{B50320E7-0EDE-4DB2-AC67-F6469393A99B}"/>
     <dgm:cxn modelId="{4907F8C5-2E59-4E09-9141-706A834E7DF7}" type="presOf" srcId="{499EB89E-3259-4C22-A25B-F7C7CB4F46E7}" destId="{B841B436-C92C-4E86-9AAE-605558A6C051}" srcOrd="0" destOrd="0" presId="urn:microsoft.com/office/officeart/2005/8/layout/hierarchy6"/>
@@ -1639,10 +1572,6 @@
     <dgm:cxn modelId="{EC0E2C8E-69AD-42B9-87B0-0C04BCAC9EC5}" type="presParOf" srcId="{067A8DB3-A7AD-47BF-9893-CDB295367E27}" destId="{266A77FC-0493-46C6-B301-1D256F740C5F}" srcOrd="3" destOrd="0" presId="urn:microsoft.com/office/officeart/2005/8/layout/hierarchy6"/>
     <dgm:cxn modelId="{8E637F10-8591-4BFF-BB33-5FE896F875FA}" type="presParOf" srcId="{266A77FC-0493-46C6-B301-1D256F740C5F}" destId="{84EE549F-5EC4-4702-A7F1-69172A9D7AC1}" srcOrd="0" destOrd="0" presId="urn:microsoft.com/office/officeart/2005/8/layout/hierarchy6"/>
     <dgm:cxn modelId="{14A942BB-8446-440F-85BA-D55A1B7E9470}" type="presParOf" srcId="{266A77FC-0493-46C6-B301-1D256F740C5F}" destId="{19A1EAC9-9441-41E5-9ED2-89C078908EC1}" srcOrd="1" destOrd="0" presId="urn:microsoft.com/office/officeart/2005/8/layout/hierarchy6"/>
-    <dgm:cxn modelId="{8D7456FA-FB62-4D2C-8780-1B84F669F350}" type="presParOf" srcId="{19A1EAC9-9441-41E5-9ED2-89C078908EC1}" destId="{2DB302E8-D7C4-4050-BC40-64F0DEEEC77C}" srcOrd="0" destOrd="0" presId="urn:microsoft.com/office/officeart/2005/8/layout/hierarchy6"/>
-    <dgm:cxn modelId="{12F458A1-5220-4307-A073-8F5447D0B0E1}" type="presParOf" srcId="{19A1EAC9-9441-41E5-9ED2-89C078908EC1}" destId="{4A162A2A-ADA2-4D51-858D-BB540B7F6C52}" srcOrd="1" destOrd="0" presId="urn:microsoft.com/office/officeart/2005/8/layout/hierarchy6"/>
-    <dgm:cxn modelId="{5E5FF300-9772-4D83-9E6A-D223FD55A626}" type="presParOf" srcId="{4A162A2A-ADA2-4D51-858D-BB540B7F6C52}" destId="{F56C7E85-EAAB-4A84-9160-4FB18D714C70}" srcOrd="0" destOrd="0" presId="urn:microsoft.com/office/officeart/2005/8/layout/hierarchy6"/>
-    <dgm:cxn modelId="{8704F3F0-E61D-417D-A0E4-F80F7F7C7D65}" type="presParOf" srcId="{4A162A2A-ADA2-4D51-858D-BB540B7F6C52}" destId="{A9E6040F-DB79-4386-9695-72768D029783}" srcOrd="1" destOrd="0" presId="urn:microsoft.com/office/officeart/2005/8/layout/hierarchy6"/>
     <dgm:cxn modelId="{6CA3E9AC-DC8B-48F3-9838-C510B514068E}" type="presParOf" srcId="{D8145DF7-EE32-45A8-8CEC-EFCBB763FB12}" destId="{3CFCBC29-7355-4DD1-A1F1-73B9993EF2F2}" srcOrd="1" destOrd="0" presId="urn:microsoft.com/office/officeart/2005/8/layout/hierarchy6"/>
   </dgm:cxnLst>
   <dgm:bg/>
@@ -1670,7 +1599,7 @@
       </dsp:nvSpPr>
       <dsp:spPr>
         <a:xfrm>
-          <a:off x="3790701" y="0"/>
+          <a:off x="3925066" y="2381"/>
           <a:ext cx="1561703" cy="1041135"/>
         </a:xfrm>
         <a:prstGeom prst="roundRect">
@@ -1768,7 +1697,7 @@
         </a:p>
       </dsp:txBody>
       <dsp:txXfrm>
-        <a:off x="3821195" y="30494"/>
+        <a:off x="3955560" y="32875"/>
         <a:ext cx="1500715" cy="980147"/>
       </dsp:txXfrm>
     </dsp:sp>
@@ -1779,8 +1708,8 @@
       </dsp:nvSpPr>
       <dsp:spPr>
         <a:xfrm>
-          <a:off x="3048892" y="1041135"/>
-          <a:ext cx="1522660" cy="416454"/>
+          <a:off x="3690811" y="1043516"/>
+          <a:ext cx="1015107" cy="416454"/>
         </a:xfrm>
         <a:custGeom>
           <a:avLst/>
@@ -1791,10 +1720,10 @@
           <a:pathLst>
             <a:path>
               <a:moveTo>
-                <a:pt x="1522660" y="0"/>
+                <a:pt x="1015107" y="0"/>
               </a:moveTo>
               <a:lnTo>
-                <a:pt x="1522660" y="208227"/>
+                <a:pt x="1015107" y="208227"/>
               </a:lnTo>
               <a:lnTo>
                 <a:pt x="0" y="208227"/>
@@ -1846,7 +1775,7 @@
       </dsp:nvSpPr>
       <dsp:spPr>
         <a:xfrm>
-          <a:off x="2268041" y="1457589"/>
+          <a:off x="2909959" y="1459970"/>
           <a:ext cx="1561703" cy="1041135"/>
         </a:xfrm>
         <a:prstGeom prst="roundRect">
@@ -1961,7 +1890,7 @@
         </a:p>
       </dsp:txBody>
       <dsp:txXfrm>
-        <a:off x="2298535" y="1488083"/>
+        <a:off x="2940453" y="1490464"/>
         <a:ext cx="1500715" cy="980147"/>
       </dsp:txXfrm>
     </dsp:sp>
@@ -1972,8 +1901,8 @@
       </dsp:nvSpPr>
       <dsp:spPr>
         <a:xfrm>
-          <a:off x="2033785" y="2498725"/>
-          <a:ext cx="1015107" cy="416454"/>
+          <a:off x="2406974" y="2501106"/>
+          <a:ext cx="1283837" cy="416454"/>
         </a:xfrm>
         <a:custGeom>
           <a:avLst/>
@@ -1984,10 +1913,10 @@
           <a:pathLst>
             <a:path>
               <a:moveTo>
-                <a:pt x="1015107" y="0"/>
+                <a:pt x="1283837" y="0"/>
               </a:moveTo>
               <a:lnTo>
-                <a:pt x="1015107" y="208227"/>
+                <a:pt x="1283837" y="208227"/>
               </a:lnTo>
               <a:lnTo>
                 <a:pt x="0" y="208227"/>
@@ -2039,7 +1968,7 @@
       </dsp:nvSpPr>
       <dsp:spPr>
         <a:xfrm>
-          <a:off x="1252934" y="2915179"/>
+          <a:off x="1626122" y="2917560"/>
           <a:ext cx="1561703" cy="1041135"/>
         </a:xfrm>
         <a:prstGeom prst="roundRect">
@@ -2162,7 +2091,7 @@
         </a:p>
       </dsp:txBody>
       <dsp:txXfrm>
-        <a:off x="1283428" y="2945673"/>
+        <a:off x="1656616" y="2948054"/>
         <a:ext cx="1500715" cy="980147"/>
       </dsp:txXfrm>
     </dsp:sp>
@@ -2173,7 +2102,7 @@
       </dsp:nvSpPr>
       <dsp:spPr>
         <a:xfrm>
-          <a:off x="1988065" y="3956314"/>
+          <a:off x="2361254" y="3958696"/>
           <a:ext cx="91440" cy="416454"/>
         </a:xfrm>
         <a:custGeom>
@@ -2234,7 +2163,7 @@
       </dsp:nvSpPr>
       <dsp:spPr>
         <a:xfrm>
-          <a:off x="1252934" y="4372768"/>
+          <a:off x="1626122" y="4375150"/>
           <a:ext cx="1561703" cy="1041135"/>
         </a:xfrm>
         <a:prstGeom prst="roundRect">
@@ -2393,7 +2322,7 @@
         </a:p>
       </dsp:txBody>
       <dsp:txXfrm>
-        <a:off x="1283428" y="4403262"/>
+        <a:off x="1656616" y="4405644"/>
         <a:ext cx="1500715" cy="980147"/>
       </dsp:txXfrm>
     </dsp:sp>
@@ -2404,7 +2333,7 @@
       </dsp:nvSpPr>
       <dsp:spPr>
         <a:xfrm>
-          <a:off x="3048892" y="2498725"/>
+          <a:off x="3690811" y="2501106"/>
           <a:ext cx="1015107" cy="416454"/>
         </a:xfrm>
         <a:custGeom>
@@ -2471,8 +2400,8 @@
       </dsp:nvSpPr>
       <dsp:spPr>
         <a:xfrm>
-          <a:off x="3283148" y="2915179"/>
-          <a:ext cx="1561703" cy="1041135"/>
+          <a:off x="3656336" y="2917560"/>
+          <a:ext cx="2099163" cy="1041135"/>
         </a:xfrm>
         <a:prstGeom prst="roundRect">
           <a:avLst>
@@ -2577,8 +2506,8 @@
         </a:p>
       </dsp:txBody>
       <dsp:txXfrm>
-        <a:off x="3313642" y="2945673"/>
-        <a:ext cx="1500715" cy="980147"/>
+        <a:off x="3686830" y="2948054"/>
+        <a:ext cx="2038175" cy="980147"/>
       </dsp:txXfrm>
     </dsp:sp>
     <dsp:sp modelId="{372B1C6A-2C39-405B-AADD-4D3A6F351F1A}">
@@ -2588,7 +2517,7 @@
       </dsp:nvSpPr>
       <dsp:spPr>
         <a:xfrm>
-          <a:off x="4018279" y="3956314"/>
+          <a:off x="4660198" y="3958696"/>
           <a:ext cx="91440" cy="416454"/>
         </a:xfrm>
         <a:custGeom>
@@ -2649,7 +2578,7 @@
       </dsp:nvSpPr>
       <dsp:spPr>
         <a:xfrm>
-          <a:off x="3283148" y="4372768"/>
+          <a:off x="3925066" y="4375150"/>
           <a:ext cx="1561703" cy="1041135"/>
         </a:xfrm>
         <a:prstGeom prst="roundRect">
@@ -2781,7 +2710,7 @@
         </a:p>
       </dsp:txBody>
       <dsp:txXfrm>
-        <a:off x="3313642" y="4403262"/>
+        <a:off x="3955560" y="4405644"/>
         <a:ext cx="1500715" cy="980147"/>
       </dsp:txXfrm>
     </dsp:sp>
@@ -2792,8 +2721,8 @@
       </dsp:nvSpPr>
       <dsp:spPr>
         <a:xfrm>
-          <a:off x="4571553" y="1041135"/>
-          <a:ext cx="1522660" cy="416454"/>
+          <a:off x="4705918" y="1043516"/>
+          <a:ext cx="1015107" cy="416454"/>
         </a:xfrm>
         <a:custGeom>
           <a:avLst/>
@@ -2810,10 +2739,10 @@
                 <a:pt x="0" y="208227"/>
               </a:lnTo>
               <a:lnTo>
-                <a:pt x="1522660" y="208227"/>
+                <a:pt x="1015107" y="208227"/>
               </a:lnTo>
               <a:lnTo>
-                <a:pt x="1522660" y="416454"/>
+                <a:pt x="1015107" y="416454"/>
               </a:lnTo>
             </a:path>
           </a:pathLst>
@@ -2859,7 +2788,7 @@
       </dsp:nvSpPr>
       <dsp:spPr>
         <a:xfrm>
-          <a:off x="5313362" y="1457589"/>
+          <a:off x="4940174" y="1459970"/>
           <a:ext cx="1561703" cy="1041135"/>
         </a:xfrm>
         <a:prstGeom prst="roundRect">
@@ -2974,173 +2903,7 @@
         </a:p>
       </dsp:txBody>
       <dsp:txXfrm>
-        <a:off x="5343856" y="1488083"/>
-        <a:ext cx="1500715" cy="980147"/>
-      </dsp:txXfrm>
-    </dsp:sp>
-    <dsp:sp modelId="{2DB302E8-D7C4-4050-BC40-64F0DEEEC77C}">
-      <dsp:nvSpPr>
-        <dsp:cNvPr id="0" name=""/>
-        <dsp:cNvSpPr/>
-      </dsp:nvSpPr>
-      <dsp:spPr>
-        <a:xfrm>
-          <a:off x="6048494" y="2498725"/>
-          <a:ext cx="91440" cy="416454"/>
-        </a:xfrm>
-        <a:custGeom>
-          <a:avLst/>
-          <a:gdLst/>
-          <a:ahLst/>
-          <a:cxnLst/>
-          <a:rect l="0" t="0" r="0" b="0"/>
-          <a:pathLst>
-            <a:path>
-              <a:moveTo>
-                <a:pt x="45720" y="0"/>
-              </a:moveTo>
-              <a:lnTo>
-                <a:pt x="45720" y="416454"/>
-              </a:lnTo>
-            </a:path>
-          </a:pathLst>
-        </a:custGeom>
-        <a:noFill/>
-        <a:ln w="12700" cap="flat" cmpd="sng" algn="ctr">
-          <a:solidFill>
-            <a:schemeClr val="dk1">
-              <a:shade val="80000"/>
-              <a:hueOff val="0"/>
-              <a:satOff val="0"/>
-              <a:lumOff val="0"/>
-              <a:alphaOff val="0"/>
-            </a:schemeClr>
-          </a:solidFill>
-          <a:prstDash val="solid"/>
-          <a:miter lim="800000"/>
-        </a:ln>
-        <a:effectLst/>
-        <a:scene3d>
-          <a:camera prst="orthographicFront"/>
-          <a:lightRig rig="flat" dir="t"/>
-        </a:scene3d>
-        <a:sp3d prstMaterial="matte"/>
-      </dsp:spPr>
-      <dsp:style>
-        <a:lnRef idx="2">
-          <a:scrgbClr r="0" g="0" b="0"/>
-        </a:lnRef>
-        <a:fillRef idx="0">
-          <a:scrgbClr r="0" g="0" b="0"/>
-        </a:fillRef>
-        <a:effectRef idx="0">
-          <a:scrgbClr r="0" g="0" b="0"/>
-        </a:effectRef>
-        <a:fontRef idx="minor"/>
-      </dsp:style>
-    </dsp:sp>
-    <dsp:sp modelId="{F56C7E85-EAAB-4A84-9160-4FB18D714C70}">
-      <dsp:nvSpPr>
-        <dsp:cNvPr id="0" name=""/>
-        <dsp:cNvSpPr/>
-      </dsp:nvSpPr>
-      <dsp:spPr>
-        <a:xfrm>
-          <a:off x="5313362" y="2915179"/>
-          <a:ext cx="1561703" cy="1041135"/>
-        </a:xfrm>
-        <a:prstGeom prst="roundRect">
-          <a:avLst>
-            <a:gd name="adj" fmla="val 10000"/>
-          </a:avLst>
-        </a:prstGeom>
-        <a:gradFill rotWithShape="0">
-          <a:gsLst>
-            <a:gs pos="0">
-              <a:schemeClr val="lt1">
-                <a:hueOff val="0"/>
-                <a:satOff val="0"/>
-                <a:lumOff val="0"/>
-                <a:alphaOff val="0"/>
-                <a:satMod val="103000"/>
-                <a:lumMod val="102000"/>
-                <a:tint val="94000"/>
-              </a:schemeClr>
-            </a:gs>
-            <a:gs pos="50000">
-              <a:schemeClr val="lt1">
-                <a:hueOff val="0"/>
-                <a:satOff val="0"/>
-                <a:lumOff val="0"/>
-                <a:alphaOff val="0"/>
-                <a:satMod val="110000"/>
-                <a:lumMod val="100000"/>
-                <a:shade val="100000"/>
-              </a:schemeClr>
-            </a:gs>
-            <a:gs pos="100000">
-              <a:schemeClr val="lt1">
-                <a:hueOff val="0"/>
-                <a:satOff val="0"/>
-                <a:lumOff val="0"/>
-                <a:alphaOff val="0"/>
-                <a:lumMod val="99000"/>
-                <a:satMod val="120000"/>
-                <a:shade val="78000"/>
-              </a:schemeClr>
-            </a:gs>
-          </a:gsLst>
-          <a:lin ang="5400000" scaled="0"/>
-        </a:gradFill>
-        <a:ln>
-          <a:noFill/>
-        </a:ln>
-        <a:effectLst/>
-        <a:scene3d>
-          <a:camera prst="orthographicFront"/>
-          <a:lightRig rig="flat" dir="t"/>
-        </a:scene3d>
-        <a:sp3d prstMaterial="plastic">
-          <a:bevelT w="120900" h="88900"/>
-          <a:bevelB w="88900" h="31750" prst="angle"/>
-        </a:sp3d>
-      </dsp:spPr>
-      <dsp:style>
-        <a:lnRef idx="0">
-          <a:scrgbClr r="0" g="0" b="0"/>
-        </a:lnRef>
-        <a:fillRef idx="3">
-          <a:scrgbClr r="0" g="0" b="0"/>
-        </a:fillRef>
-        <a:effectRef idx="1">
-          <a:scrgbClr r="0" g="0" b="0"/>
-        </a:effectRef>
-        <a:fontRef idx="minor">
-          <a:schemeClr val="lt1"/>
-        </a:fontRef>
-      </dsp:style>
-      <dsp:txBody>
-        <a:bodyPr spcFirstLastPara="0" vert="horz" wrap="square" lIns="49530" tIns="49530" rIns="49530" bIns="49530" numCol="1" spcCol="1270" anchor="ctr" anchorCtr="0">
-          <a:noAutofit/>
-        </a:bodyPr>
-        <a:lstStyle/>
-        <a:p>
-          <a:pPr lvl="0" algn="ctr" defTabSz="577850">
-            <a:lnSpc>
-              <a:spcPct val="90000"/>
-            </a:lnSpc>
-            <a:spcBef>
-              <a:spcPct val="0"/>
-            </a:spcBef>
-            <a:spcAft>
-              <a:spcPct val="35000"/>
-            </a:spcAft>
-          </a:pPr>
-          <a:endParaRPr lang="en-IN" sz="1300" kern="1200"/>
-        </a:p>
-      </dsp:txBody>
-      <dsp:txXfrm>
-        <a:off x="5343856" y="2945673"/>
+        <a:off x="4970668" y="1490464"/>
         <a:ext cx="1500715" cy="980147"/>
       </dsp:txXfrm>
     </dsp:sp>
@@ -4858,7 +4621,7 @@
           <a:p>
             <a:fld id="{FA960776-DD9C-4CA1-B52F-F69555253B23}" type="datetimeFigureOut">
               <a:rPr lang="en-US" smtClean="0"/>
-              <a:t>15-Jul-21</a:t>
+              <a:t>19-Jul-21</a:t>
             </a:fld>
             <a:endParaRPr lang="en-US"/>
           </a:p>
@@ -5023,7 +4786,7 @@
           <a:p>
             <a:fld id="{117B28C9-C092-4B93-8C1C-CCC07276BB7E}" type="datetimeFigureOut">
               <a:rPr lang="en-US" smtClean="0"/>
-              <a:t>15-Jul-21</a:t>
+              <a:t>19-Jul-21</a:t>
             </a:fld>
             <a:endParaRPr lang="en-US"/>
           </a:p>
@@ -5422,7 +5185,7 @@
           <a:p>
             <a:fld id="{2A5E2251-59F4-40B9-B589-7FD156F73A80}" type="datetime1">
               <a:rPr lang="en-US" smtClean="0"/>
-              <a:t>15-Jul-21</a:t>
+              <a:t>19-Jul-21</a:t>
             </a:fld>
             <a:endParaRPr lang="en-US"/>
           </a:p>
@@ -5596,7 +5359,7 @@
           <a:p>
             <a:fld id="{89CF80C3-0E08-48A5-B726-C01769596925}" type="datetime1">
               <a:rPr lang="en-US" smtClean="0"/>
-              <a:t>15-Jul-21</a:t>
+              <a:t>19-Jul-21</a:t>
             </a:fld>
             <a:endParaRPr lang="en-US"/>
           </a:p>
@@ -5780,7 +5543,7 @@
           <a:p>
             <a:fld id="{892E424D-94F6-4CEC-A81F-5E779D7413CC}" type="datetime1">
               <a:rPr lang="en-US" smtClean="0"/>
-              <a:t>15-Jul-21</a:t>
+              <a:t>19-Jul-21</a:t>
             </a:fld>
             <a:endParaRPr lang="en-US"/>
           </a:p>
@@ -5954,7 +5717,7 @@
           <a:p>
             <a:fld id="{97D9D462-B0B7-4ABA-96C7-E930E507E961}" type="datetime1">
               <a:rPr lang="en-US" smtClean="0"/>
-              <a:t>15-Jul-21</a:t>
+              <a:t>19-Jul-21</a:t>
             </a:fld>
             <a:endParaRPr lang="en-US"/>
           </a:p>
@@ -6204,7 +5967,7 @@
           <a:p>
             <a:fld id="{3918557C-03DF-4711-B723-5E38B3E9A1E7}" type="datetime1">
               <a:rPr lang="en-US" smtClean="0"/>
-              <a:t>15-Jul-21</a:t>
+              <a:t>19-Jul-21</a:t>
             </a:fld>
             <a:endParaRPr lang="en-US"/>
           </a:p>
@@ -6440,7 +6203,7 @@
           <a:p>
             <a:fld id="{88336EB4-A409-4FAD-9C75-0FDA2532A29E}" type="datetime1">
               <a:rPr lang="en-US" smtClean="0"/>
-              <a:t>15-Jul-21</a:t>
+              <a:t>19-Jul-21</a:t>
             </a:fld>
             <a:endParaRPr lang="en-US"/>
           </a:p>
@@ -6811,7 +6574,7 @@
           <a:p>
             <a:fld id="{DEDC10B9-38CE-47F4-A584-8AB9D88C77B6}" type="datetime1">
               <a:rPr lang="en-US" smtClean="0"/>
-              <a:t>15-Jul-21</a:t>
+              <a:t>19-Jul-21</a:t>
             </a:fld>
             <a:endParaRPr lang="en-US"/>
           </a:p>
@@ -6933,7 +6696,7 @@
           <a:p>
             <a:fld id="{3555007C-9379-46F8-979B-5F3BF56E7AAF}" type="datetime1">
               <a:rPr lang="en-US" smtClean="0"/>
-              <a:t>15-Jul-21</a:t>
+              <a:t>19-Jul-21</a:t>
             </a:fld>
             <a:endParaRPr lang="en-US"/>
           </a:p>
@@ -7032,7 +6795,7 @@
           <a:p>
             <a:fld id="{DF2E3600-6EBA-4BF3-A90C-7AAC98EC2961}" type="datetime1">
               <a:rPr lang="en-US" smtClean="0"/>
-              <a:t>15-Jul-21</a:t>
+              <a:t>19-Jul-21</a:t>
             </a:fld>
             <a:endParaRPr lang="en-US"/>
           </a:p>
@@ -7313,7 +7076,7 @@
           <a:p>
             <a:fld id="{58C74F0D-A1EF-4991-AA34-322619835400}" type="datetime1">
               <a:rPr lang="en-US" smtClean="0"/>
-              <a:t>15-Jul-21</a:t>
+              <a:t>19-Jul-21</a:t>
             </a:fld>
             <a:endParaRPr lang="en-US"/>
           </a:p>
@@ -7570,7 +7333,7 @@
           <a:p>
             <a:fld id="{B940BCD2-4171-4350-A35E-E8DC82A10A4D}" type="datetime1">
               <a:rPr lang="en-US" smtClean="0"/>
-              <a:t>15-Jul-21</a:t>
+              <a:t>19-Jul-21</a:t>
             </a:fld>
             <a:endParaRPr lang="en-US"/>
           </a:p>
@@ -7787,7 +7550,7 @@
           <a:p>
             <a:fld id="{ABA45DF3-9160-4E03-9CC3-848E1257BAC3}" type="datetime1">
               <a:rPr lang="en-US" smtClean="0"/>
-              <a:t>15-Jul-21</a:t>
+              <a:t>19-Jul-21</a:t>
             </a:fld>
             <a:endParaRPr lang="en-US"/>
           </a:p>
@@ -8376,49 +8139,6 @@
       </p:pic>
       <p:sp>
         <p:nvSpPr>
-          <p:cNvPr id="4" name="Title 3"/>
-          <p:cNvSpPr>
-            <a:spLocks noGrp="1"/>
-          </p:cNvSpPr>
-          <p:nvPr>
-            <p:ph type="title"/>
-          </p:nvPr>
-        </p:nvSpPr>
-        <p:spPr>
-          <a:xfrm>
-            <a:off x="838200" y="2515896"/>
-            <a:ext cx="10515600" cy="1325563"/>
-          </a:xfrm>
-        </p:spPr>
-        <p:txBody>
-          <a:bodyPr/>
-          <a:lstStyle/>
-          <a:p>
-            <a:pPr algn="ctr"/>
-            <a:r>
-              <a:rPr lang="en-US" b="1" dirty="0" smtClean="0">
-                <a:solidFill>
-                  <a:schemeClr val="accent1">
-                    <a:lumMod val="75000"/>
-                  </a:schemeClr>
-                </a:solidFill>
-                <a:latin typeface="Facto Bold" panose="00000800000000000000" pitchFamily="50" charset="0"/>
-              </a:rPr>
-              <a:t>UART in STM32</a:t>
-            </a:r>
-            <a:endParaRPr lang="en-US" b="1" dirty="0">
-              <a:solidFill>
-                <a:schemeClr val="accent1">
-                  <a:lumMod val="75000"/>
-                </a:schemeClr>
-              </a:solidFill>
-              <a:latin typeface="Facto Bold" panose="00000800000000000000" pitchFamily="50" charset="0"/>
-            </a:endParaRPr>
-          </a:p>
-        </p:txBody>
-      </p:sp>
-      <p:sp>
-        <p:nvSpPr>
           <p:cNvPr id="3" name="Footer Placeholder 2"/>
           <p:cNvSpPr>
             <a:spLocks noGrp="1"/>
@@ -8440,10 +8160,239 @@
           </a:p>
         </p:txBody>
       </p:sp>
+      <p:sp>
+        <p:nvSpPr>
+          <p:cNvPr id="5" name="Title 4"/>
+          <p:cNvSpPr txBox="1">
+            <a:spLocks/>
+          </p:cNvSpPr>
+          <p:nvPr/>
+        </p:nvSpPr>
+        <p:spPr>
+          <a:xfrm>
+            <a:off x="318311" y="441143"/>
+            <a:ext cx="6636281" cy="399245"/>
+          </a:xfrm>
+          <a:prstGeom prst="rect">
+            <a:avLst/>
+          </a:prstGeom>
+        </p:spPr>
+        <p:txBody>
+          <a:bodyPr vert="horz" lIns="91440" tIns="45720" rIns="91440" bIns="45720" rtlCol="0" anchor="b">
+            <a:noAutofit/>
+          </a:bodyPr>
+          <a:lstStyle>
+            <a:lvl1pPr algn="ctr" defTabSz="914400" rtl="0" eaLnBrk="1" latinLnBrk="0" hangingPunct="1">
+              <a:lnSpc>
+                <a:spcPct val="90000"/>
+              </a:lnSpc>
+              <a:spcBef>
+                <a:spcPct val="0"/>
+              </a:spcBef>
+              <a:buNone/>
+              <a:defRPr sz="6000" kern="1200">
+                <a:solidFill>
+                  <a:schemeClr val="tx1"/>
+                </a:solidFill>
+                <a:latin typeface="+mj-lt"/>
+                <a:ea typeface="+mj-ea"/>
+                <a:cs typeface="+mj-cs"/>
+              </a:defRPr>
+            </a:lvl1pPr>
+          </a:lstStyle>
+          <a:p>
+            <a:pPr algn="l"/>
+            <a:r>
+              <a:rPr lang="en-US" sz="2800" b="1" dirty="0">
+                <a:solidFill>
+                  <a:schemeClr val="accent1">
+                    <a:lumMod val="75000"/>
+                  </a:schemeClr>
+                </a:solidFill>
+                <a:latin typeface="Facto Bold" panose="00000800000000000000" pitchFamily="50" charset="0"/>
+              </a:rPr>
+              <a:t>UART Communication Protocols</a:t>
+            </a:r>
+            <a:endParaRPr lang="en-US" sz="2800" b="1" dirty="0" smtClean="0">
+              <a:solidFill>
+                <a:schemeClr val="accent1">
+                  <a:lumMod val="75000"/>
+                </a:schemeClr>
+              </a:solidFill>
+              <a:latin typeface="Facto Bold" panose="00000800000000000000" pitchFamily="50" charset="0"/>
+            </a:endParaRPr>
+          </a:p>
+        </p:txBody>
+      </p:sp>
+      <p:sp>
+        <p:nvSpPr>
+          <p:cNvPr id="6" name="TextBox 5"/>
+          <p:cNvSpPr txBox="1"/>
+          <p:nvPr/>
+        </p:nvSpPr>
+        <p:spPr>
+          <a:xfrm>
+            <a:off x="801660" y="1185704"/>
+            <a:ext cx="11013140" cy="4093428"/>
+          </a:xfrm>
+          <a:prstGeom prst="rect">
+            <a:avLst/>
+          </a:prstGeom>
+          <a:noFill/>
+        </p:spPr>
+        <p:txBody>
+          <a:bodyPr wrap="square" rtlCol="0">
+            <a:spAutoFit/>
+          </a:bodyPr>
+          <a:lstStyle/>
+          <a:p>
+            <a:pPr marL="384048" lvl="0" indent="-384048">
+              <a:spcBef>
+                <a:spcPts val="1000"/>
+              </a:spcBef>
+              <a:spcAft>
+                <a:spcPts val="200"/>
+              </a:spcAft>
+              <a:buFont typeface="Wingdings" panose="05000000000000000000" pitchFamily="2" charset="2"/>
+              <a:buChar char="v"/>
+            </a:pPr>
+            <a:r>
+              <a:rPr lang="en-US" sz="2000" dirty="0"/>
+              <a:t>Universal Asynchronous Receiver/Transmitter (UART) is not a communication protocol but just a physical piece of hardware which converts parallel data into serial data. Its main purpose is to transmit and receive data serially</a:t>
+            </a:r>
+            <a:r>
+              <a:rPr lang="en-US" sz="2000" dirty="0" smtClean="0"/>
+              <a:t>.</a:t>
+            </a:r>
+            <a:endParaRPr lang="en-US" sz="2000" dirty="0"/>
+          </a:p>
+          <a:p>
+            <a:pPr marL="384048" lvl="0" indent="-384048">
+              <a:spcBef>
+                <a:spcPts val="1000"/>
+              </a:spcBef>
+              <a:spcAft>
+                <a:spcPts val="200"/>
+              </a:spcAft>
+              <a:buFont typeface="Wingdings" panose="05000000000000000000" pitchFamily="2" charset="2"/>
+              <a:buChar char="v"/>
+            </a:pPr>
+            <a:r>
+              <a:rPr lang="en-US" sz="2000" dirty="0"/>
+              <a:t>UART is also </a:t>
+            </a:r>
+            <a:r>
+              <a:rPr lang="en-US" sz="2000" b="1" dirty="0"/>
+              <a:t>two-wired</a:t>
+            </a:r>
+            <a:r>
+              <a:rPr lang="en-US" sz="2000" dirty="0"/>
+              <a:t> i.e., the serial data is handled by </a:t>
+            </a:r>
+            <a:r>
+              <a:rPr lang="en-US" sz="2000" dirty="0" err="1"/>
+              <a:t>Tx</a:t>
+            </a:r>
+            <a:r>
+              <a:rPr lang="en-US" sz="2000" dirty="0"/>
+              <a:t> (Transmitter) and Rx (Receiver) pins</a:t>
+            </a:r>
+            <a:r>
+              <a:rPr lang="en-US" sz="2000" dirty="0" smtClean="0"/>
+              <a:t>.</a:t>
+            </a:r>
+            <a:endParaRPr lang="en-US" sz="2000" dirty="0"/>
+          </a:p>
+          <a:p>
+            <a:pPr marL="384048" lvl="0" indent="-384048">
+              <a:spcBef>
+                <a:spcPts val="1000"/>
+              </a:spcBef>
+              <a:spcAft>
+                <a:spcPts val="200"/>
+              </a:spcAft>
+              <a:buFont typeface="Wingdings" panose="05000000000000000000" pitchFamily="2" charset="2"/>
+              <a:buChar char="v"/>
+            </a:pPr>
+            <a:r>
+              <a:rPr lang="en-US" sz="2000" dirty="0"/>
+              <a:t>UART transmits data </a:t>
+            </a:r>
+            <a:r>
+              <a:rPr lang="en-US" sz="2000" b="1" dirty="0"/>
+              <a:t>asynchronously</a:t>
+            </a:r>
+            <a:r>
+              <a:rPr lang="en-US" sz="2000" dirty="0"/>
+              <a:t>, which induces that no clock signal is associated in transmitting and receiving data. Instead of clock signal, UART </a:t>
+            </a:r>
+            <a:r>
+              <a:rPr lang="en-US" sz="2000" dirty="0" smtClean="0"/>
+              <a:t>embed </a:t>
+            </a:r>
+            <a:r>
+              <a:rPr lang="en-US" sz="2000" dirty="0"/>
+              <a:t>start and stop bits with actual data bits, which defines the start and end of data packet</a:t>
+            </a:r>
+            <a:r>
+              <a:rPr lang="en-US" sz="2000" dirty="0" smtClean="0"/>
+              <a:t>.</a:t>
+            </a:r>
+          </a:p>
+          <a:p>
+            <a:pPr marL="384048" lvl="0" indent="-384048">
+              <a:spcBef>
+                <a:spcPts val="1000"/>
+              </a:spcBef>
+              <a:spcAft>
+                <a:spcPts val="200"/>
+              </a:spcAft>
+              <a:buFont typeface="Wingdings" panose="05000000000000000000" pitchFamily="2" charset="2"/>
+              <a:buChar char="v"/>
+            </a:pPr>
+            <a:r>
+              <a:rPr lang="en-US" sz="2000" dirty="0"/>
+              <a:t>When receiver end detects the start bit, it starts to read the data bits at specific baud rate meaning both transmitting and receiving peripherals should work under same baud rate</a:t>
+            </a:r>
+            <a:r>
+              <a:rPr lang="en-US" sz="2000" dirty="0" smtClean="0"/>
+              <a:t>.</a:t>
+            </a:r>
+          </a:p>
+          <a:p>
+            <a:pPr marL="384048" lvl="0" indent="-384048">
+              <a:spcBef>
+                <a:spcPts val="1000"/>
+              </a:spcBef>
+              <a:spcAft>
+                <a:spcPts val="200"/>
+              </a:spcAft>
+              <a:buFont typeface="Wingdings" panose="05000000000000000000" pitchFamily="2" charset="2"/>
+              <a:buChar char="v"/>
+            </a:pPr>
+            <a:r>
+              <a:rPr lang="en-US" sz="2000" dirty="0" smtClean="0"/>
+              <a:t> </a:t>
+            </a:r>
+            <a:r>
+              <a:rPr lang="en-US" sz="2000" dirty="0"/>
+              <a:t>UART works under </a:t>
+            </a:r>
+            <a:r>
+              <a:rPr lang="en-US" sz="2000" b="1" dirty="0"/>
+              <a:t>half duplex communication mode</a:t>
+            </a:r>
+            <a:r>
+              <a:rPr lang="en-US" sz="2000" dirty="0"/>
+              <a:t> meaning it either transmits or receives at a time.</a:t>
+            </a:r>
+          </a:p>
+        </p:txBody>
+      </p:sp>
     </p:spTree>
     <p:extLst>
       <p:ext uri="{BB962C8B-B14F-4D97-AF65-F5344CB8AC3E}">
-        <p14:creationId xmlns:p14="http://schemas.microsoft.com/office/powerpoint/2010/main" val="1142437858"/>
+        <p14:creationId xmlns:p14="http://schemas.microsoft.com/office/powerpoint/2010/main" val="4068159260"/>
       </p:ext>
     </p:extLst>
   </p:cSld>
@@ -8584,7 +8533,7 @@
           <a:p>
             <a:pPr algn="l"/>
             <a:r>
-              <a:rPr lang="en-US" sz="2800" b="1" dirty="0">
+              <a:rPr lang="en-US" sz="2800" b="1" dirty="0" smtClean="0">
                 <a:solidFill>
                   <a:schemeClr val="accent1">
                     <a:lumMod val="75000"/>
@@ -8592,188 +8541,56 @@
                 </a:solidFill>
                 <a:latin typeface="Facto Bold" panose="00000800000000000000" pitchFamily="50" charset="0"/>
               </a:rPr>
-              <a:t>UART Communication Protocols</a:t>
-            </a:r>
-            <a:endParaRPr lang="en-US" sz="2800" b="1" dirty="0" smtClean="0">
-              <a:solidFill>
-                <a:schemeClr val="accent1">
-                  <a:lumMod val="75000"/>
-                </a:schemeClr>
-              </a:solidFill>
-              <a:latin typeface="Facto Bold" panose="00000800000000000000" pitchFamily="50" charset="0"/>
-            </a:endParaRPr>
+              <a:t>UART data Frame</a:t>
+            </a:r>
           </a:p>
         </p:txBody>
       </p:sp>
-      <p:sp>
-        <p:nvSpPr>
-          <p:cNvPr id="6" name="TextBox 5"/>
-          <p:cNvSpPr txBox="1"/>
+      <p:pic>
+        <p:nvPicPr>
+          <p:cNvPr id="5122" name="Picture 2" descr="UART Frame"/>
+          <p:cNvPicPr>
+            <a:picLocks noChangeAspect="1" noChangeArrowheads="1"/>
+          </p:cNvPicPr>
           <p:nvPr/>
-        </p:nvSpPr>
-        <p:spPr>
+        </p:nvPicPr>
+        <p:blipFill>
+          <a:blip r:embed="rId3">
+            <a:extLst>
+              <a:ext uri="{28A0092B-C50C-407E-A947-70E740481C1C}">
+                <a14:useLocalDpi xmlns:a14="http://schemas.microsoft.com/office/drawing/2010/main" val="0"/>
+              </a:ext>
+            </a:extLst>
+          </a:blip>
+          <a:srcRect/>
+          <a:stretch>
+            <a:fillRect/>
+          </a:stretch>
+        </p:blipFill>
+        <p:spPr bwMode="auto">
           <a:xfrm>
-            <a:off x="801660" y="1185704"/>
-            <a:ext cx="11013140" cy="4093428"/>
+            <a:off x="2063302" y="1249251"/>
+            <a:ext cx="9087275" cy="4614632"/>
           </a:xfrm>
           <a:prstGeom prst="rect">
             <a:avLst/>
           </a:prstGeom>
           <a:noFill/>
+          <a:extLst>
+            <a:ext uri="{909E8E84-426E-40DD-AFC4-6F175D3DCCD1}">
+              <a14:hiddenFill xmlns:a14="http://schemas.microsoft.com/office/drawing/2010/main">
+                <a:solidFill>
+                  <a:srgbClr val="FFFFFF"/>
+                </a:solidFill>
+              </a14:hiddenFill>
+            </a:ext>
+          </a:extLst>
         </p:spPr>
-        <p:txBody>
-          <a:bodyPr wrap="square" rtlCol="0">
-            <a:spAutoFit/>
-          </a:bodyPr>
-          <a:lstStyle/>
-          <a:p>
-            <a:pPr marL="384048" lvl="0" indent="-384048">
-              <a:spcBef>
-                <a:spcPts val="1000"/>
-              </a:spcBef>
-              <a:spcAft>
-                <a:spcPts val="200"/>
-              </a:spcAft>
-              <a:buFont typeface="Wingdings" panose="05000000000000000000" pitchFamily="2" charset="2"/>
-              <a:buChar char="v"/>
-            </a:pPr>
-            <a:r>
-              <a:rPr lang="en-US" sz="2000" dirty="0"/>
-              <a:t>Universal Asynchronous Receiver/Transmitter (UART) is not a communication protocol but just a physical piece of hardware which converts parallel data into serial data. Its main purpose is to transmit and receive data serially</a:t>
-            </a:r>
-            <a:r>
-              <a:rPr lang="en-US" sz="2000" dirty="0" smtClean="0"/>
-              <a:t>.</a:t>
-            </a:r>
-            <a:endParaRPr lang="en-US" sz="2000" dirty="0"/>
-          </a:p>
-          <a:p>
-            <a:pPr marL="384048" lvl="0" indent="-384048">
-              <a:spcBef>
-                <a:spcPts val="1000"/>
-              </a:spcBef>
-              <a:spcAft>
-                <a:spcPts val="200"/>
-              </a:spcAft>
-              <a:buFont typeface="Wingdings" panose="05000000000000000000" pitchFamily="2" charset="2"/>
-              <a:buChar char="v"/>
-            </a:pPr>
-            <a:r>
-              <a:rPr lang="en-US" sz="2000" dirty="0"/>
-              <a:t>UART is also </a:t>
-            </a:r>
-            <a:r>
-              <a:rPr lang="en-US" sz="2000" b="1" dirty="0"/>
-              <a:t>two-wired</a:t>
-            </a:r>
-            <a:r>
-              <a:rPr lang="en-US" sz="2000" dirty="0"/>
-              <a:t> i.e., the serial data is handled by </a:t>
-            </a:r>
-            <a:r>
-              <a:rPr lang="en-US" sz="2000" dirty="0" err="1"/>
-              <a:t>Tx</a:t>
-            </a:r>
-            <a:r>
-              <a:rPr lang="en-US" sz="2000" dirty="0"/>
-              <a:t> (Transmitter) and Rx (Receiver) pins</a:t>
-            </a:r>
-            <a:r>
-              <a:rPr lang="en-US" sz="2000" dirty="0" smtClean="0"/>
-              <a:t>.</a:t>
-            </a:r>
-            <a:endParaRPr lang="en-US" sz="2000" dirty="0"/>
-          </a:p>
-          <a:p>
-            <a:pPr marL="384048" lvl="0" indent="-384048">
-              <a:spcBef>
-                <a:spcPts val="1000"/>
-              </a:spcBef>
-              <a:spcAft>
-                <a:spcPts val="200"/>
-              </a:spcAft>
-              <a:buFont typeface="Wingdings" panose="05000000000000000000" pitchFamily="2" charset="2"/>
-              <a:buChar char="v"/>
-            </a:pPr>
-            <a:r>
-              <a:rPr lang="en-US" sz="2000" dirty="0"/>
-              <a:t>UART transmits data </a:t>
-            </a:r>
-            <a:r>
-              <a:rPr lang="en-US" sz="2000" b="1" dirty="0"/>
-              <a:t>asynchronously</a:t>
-            </a:r>
-            <a:r>
-              <a:rPr lang="en-US" sz="2000" dirty="0"/>
-              <a:t>, which induces that no clock signal is associated in transmitting and receiving data. Instead of clock signal, UART </a:t>
-            </a:r>
-            <a:r>
-              <a:rPr lang="en-US" sz="2000" dirty="0" smtClean="0"/>
-              <a:t>embed </a:t>
-            </a:r>
-            <a:r>
-              <a:rPr lang="en-US" sz="2000" dirty="0"/>
-              <a:t>start and stop bits with actual data bits, which defines the start and end of data packet</a:t>
-            </a:r>
-            <a:r>
-              <a:rPr lang="en-US" sz="2000" dirty="0" smtClean="0"/>
-              <a:t>.</a:t>
-            </a:r>
-          </a:p>
-          <a:p>
-            <a:pPr marL="384048" lvl="0" indent="-384048">
-              <a:spcBef>
-                <a:spcPts val="1000"/>
-              </a:spcBef>
-              <a:spcAft>
-                <a:spcPts val="200"/>
-              </a:spcAft>
-              <a:buFont typeface="Wingdings" panose="05000000000000000000" pitchFamily="2" charset="2"/>
-              <a:buChar char="v"/>
-            </a:pPr>
-            <a:r>
-              <a:rPr lang="en-US" sz="2000" dirty="0"/>
-              <a:t>When receiver end detects the start bit, it starts to read the data bits at specific baud rate meaning both transmitting and receiving peripherals should work under same baud rate</a:t>
-            </a:r>
-            <a:r>
-              <a:rPr lang="en-US" sz="2000" dirty="0" smtClean="0"/>
-              <a:t>.</a:t>
-            </a:r>
-          </a:p>
-          <a:p>
-            <a:pPr marL="384048" lvl="0" indent="-384048">
-              <a:spcBef>
-                <a:spcPts val="1000"/>
-              </a:spcBef>
-              <a:spcAft>
-                <a:spcPts val="200"/>
-              </a:spcAft>
-              <a:buFont typeface="Wingdings" panose="05000000000000000000" pitchFamily="2" charset="2"/>
-              <a:buChar char="v"/>
-            </a:pPr>
-            <a:r>
-              <a:rPr lang="en-US" sz="2000" dirty="0" smtClean="0"/>
-              <a:t> </a:t>
-            </a:r>
-            <a:r>
-              <a:rPr lang="en-US" sz="2000" dirty="0"/>
-              <a:t>UART works under </a:t>
-            </a:r>
-            <a:r>
-              <a:rPr lang="en-US" sz="2000" b="1" dirty="0"/>
-              <a:t>half duplex communication mode</a:t>
-            </a:r>
-            <a:r>
-              <a:rPr lang="en-US" sz="2000" dirty="0"/>
-              <a:t> meaning it either transmits or receives at a time.</a:t>
-            </a:r>
-          </a:p>
-        </p:txBody>
-      </p:sp>
+      </p:pic>
     </p:spTree>
     <p:extLst>
       <p:ext uri="{BB962C8B-B14F-4D97-AF65-F5344CB8AC3E}">
-        <p14:creationId xmlns:p14="http://schemas.microsoft.com/office/powerpoint/2010/main" val="4068159260"/>
+        <p14:creationId xmlns:p14="http://schemas.microsoft.com/office/powerpoint/2010/main" val="487837527"/>
       </p:ext>
     </p:extLst>
   </p:cSld>
@@ -8881,8 +8698,8 @@
         </p:nvSpPr>
         <p:spPr>
           <a:xfrm>
-            <a:off x="318311" y="441143"/>
-            <a:ext cx="6636281" cy="399245"/>
+            <a:off x="305432" y="398072"/>
+            <a:ext cx="10152213" cy="399245"/>
           </a:xfrm>
           <a:prstGeom prst="rect">
             <a:avLst/>
@@ -8914,7 +8731,7 @@
           <a:p>
             <a:pPr algn="l"/>
             <a:r>
-              <a:rPr lang="en-US" sz="2800" b="1" dirty="0" smtClean="0">
+              <a:rPr lang="en-US" sz="2400" b="1" dirty="0">
                 <a:solidFill>
                   <a:schemeClr val="accent1">
                     <a:lumMod val="75000"/>
@@ -8922,56 +8739,289 @@
                 </a:solidFill>
                 <a:latin typeface="Facto Bold" panose="00000800000000000000" pitchFamily="50" charset="0"/>
               </a:rPr>
-              <a:t>UART data Frame</a:t>
-            </a:r>
+              <a:t>Advantages of </a:t>
+            </a:r>
+            <a:r>
+              <a:rPr lang="en-US" sz="2400" b="1" dirty="0" smtClean="0">
+                <a:solidFill>
+                  <a:schemeClr val="accent1">
+                    <a:lumMod val="75000"/>
+                  </a:schemeClr>
+                </a:solidFill>
+                <a:latin typeface="Facto Bold" panose="00000800000000000000" pitchFamily="50" charset="0"/>
+              </a:rPr>
+              <a:t>UART Communication </a:t>
+            </a:r>
+            <a:r>
+              <a:rPr lang="en-US" sz="2400" b="1" dirty="0">
+                <a:solidFill>
+                  <a:schemeClr val="accent1">
+                    <a:lumMod val="75000"/>
+                  </a:schemeClr>
+                </a:solidFill>
+                <a:latin typeface="Facto Bold" panose="00000800000000000000" pitchFamily="50" charset="0"/>
+              </a:rPr>
+              <a:t>Protocol</a:t>
+            </a:r>
+            <a:endParaRPr lang="en-US" sz="2400" b="1" dirty="0" smtClean="0">
+              <a:solidFill>
+                <a:schemeClr val="accent1">
+                  <a:lumMod val="75000"/>
+                </a:schemeClr>
+              </a:solidFill>
+              <a:latin typeface="Facto Bold" panose="00000800000000000000" pitchFamily="50" charset="0"/>
+            </a:endParaRPr>
           </a:p>
         </p:txBody>
       </p:sp>
-      <p:pic>
-        <p:nvPicPr>
-          <p:cNvPr id="5122" name="Picture 2" descr="UART Frame"/>
-          <p:cNvPicPr>
-            <a:picLocks noChangeAspect="1" noChangeArrowheads="1"/>
-          </p:cNvPicPr>
+      <p:sp>
+        <p:nvSpPr>
+          <p:cNvPr id="6" name="TextBox 5"/>
+          <p:cNvSpPr txBox="1"/>
           <p:nvPr/>
-        </p:nvPicPr>
-        <p:blipFill>
-          <a:blip r:embed="rId3">
-            <a:extLst>
-              <a:ext uri="{28A0092B-C50C-407E-A947-70E740481C1C}">
-                <a14:useLocalDpi xmlns:a14="http://schemas.microsoft.com/office/drawing/2010/main" val="0"/>
-              </a:ext>
-            </a:extLst>
-          </a:blip>
-          <a:srcRect/>
-          <a:stretch>
-            <a:fillRect/>
-          </a:stretch>
-        </p:blipFill>
-        <p:spPr bwMode="auto">
+        </p:nvSpPr>
+        <p:spPr>
           <a:xfrm>
-            <a:off x="2063302" y="1249251"/>
-            <a:ext cx="9087275" cy="4614632"/>
+            <a:off x="801660" y="1185704"/>
+            <a:ext cx="11013140" cy="2246769"/>
           </a:xfrm>
           <a:prstGeom prst="rect">
             <a:avLst/>
           </a:prstGeom>
           <a:noFill/>
-          <a:extLst>
-            <a:ext uri="{909E8E84-426E-40DD-AFC4-6F175D3DCCD1}">
-              <a14:hiddenFill xmlns:a14="http://schemas.microsoft.com/office/drawing/2010/main">
+        </p:spPr>
+        <p:txBody>
+          <a:bodyPr wrap="square" rtlCol="0">
+            <a:spAutoFit/>
+          </a:bodyPr>
+          <a:lstStyle/>
+          <a:p>
+            <a:pPr lvl="0">
+              <a:spcBef>
+                <a:spcPts val="1000"/>
+              </a:spcBef>
+              <a:spcAft>
+                <a:spcPts val="200"/>
+              </a:spcAft>
+            </a:pPr>
+            <a:r>
+              <a:rPr lang="en-US" sz="2000" dirty="0"/>
+              <a:t>The advantages of UART/ USART Communication Protocol are as follows</a:t>
+            </a:r>
+            <a:r>
+              <a:rPr lang="en-US" sz="2000" dirty="0" smtClean="0"/>
+              <a:t>:</a:t>
+            </a:r>
+            <a:endParaRPr lang="en-US" sz="2000" dirty="0"/>
+          </a:p>
+          <a:p>
+            <a:pPr marL="384048" lvl="0" indent="-384048">
+              <a:spcBef>
+                <a:spcPts val="1000"/>
+              </a:spcBef>
+              <a:spcAft>
+                <a:spcPts val="200"/>
+              </a:spcAft>
+              <a:buFont typeface="Wingdings" panose="05000000000000000000" pitchFamily="2" charset="2"/>
+              <a:buChar char="v"/>
+            </a:pPr>
+            <a:r>
+              <a:rPr lang="en-US" sz="2000" dirty="0"/>
+              <a:t>Clock signal is not required</a:t>
+            </a:r>
+          </a:p>
+          <a:p>
+            <a:pPr marL="384048" lvl="0" indent="-384048">
+              <a:spcBef>
+                <a:spcPts val="1000"/>
+              </a:spcBef>
+              <a:spcAft>
+                <a:spcPts val="200"/>
+              </a:spcAft>
+              <a:buFont typeface="Wingdings" panose="05000000000000000000" pitchFamily="2" charset="2"/>
+              <a:buChar char="v"/>
+            </a:pPr>
+            <a:r>
+              <a:rPr lang="en-US" sz="2000" dirty="0"/>
+              <a:t>Cost effective</a:t>
+            </a:r>
+          </a:p>
+          <a:p>
+            <a:pPr marL="384048" lvl="0" indent="-384048">
+              <a:spcBef>
+                <a:spcPts val="1000"/>
+              </a:spcBef>
+              <a:spcAft>
+                <a:spcPts val="200"/>
+              </a:spcAft>
+              <a:buFont typeface="Wingdings" panose="05000000000000000000" pitchFamily="2" charset="2"/>
+              <a:buChar char="v"/>
+            </a:pPr>
+            <a:r>
+              <a:rPr lang="en-US" sz="2000" dirty="0"/>
+              <a:t>Uses parity bit for error detection</a:t>
+            </a:r>
+          </a:p>
+          <a:p>
+            <a:pPr marL="384048" lvl="0" indent="-384048">
+              <a:spcBef>
+                <a:spcPts val="1000"/>
+              </a:spcBef>
+              <a:spcAft>
+                <a:spcPts val="200"/>
+              </a:spcAft>
+              <a:buFont typeface="Wingdings" panose="05000000000000000000" pitchFamily="2" charset="2"/>
+              <a:buChar char="v"/>
+            </a:pPr>
+            <a:r>
+              <a:rPr lang="en-US" sz="2000" dirty="0"/>
+              <a:t>Requires only 2 wires for data communication</a:t>
+            </a:r>
+          </a:p>
+        </p:txBody>
+      </p:sp>
+      <p:sp>
+        <p:nvSpPr>
+          <p:cNvPr id="7" name="Title 4"/>
+          <p:cNvSpPr txBox="1">
+            <a:spLocks/>
+          </p:cNvSpPr>
+          <p:nvPr/>
+        </p:nvSpPr>
+        <p:spPr>
+          <a:xfrm>
+            <a:off x="305432" y="3752058"/>
+            <a:ext cx="10152213" cy="399245"/>
+          </a:xfrm>
+          <a:prstGeom prst="rect">
+            <a:avLst/>
+          </a:prstGeom>
+        </p:spPr>
+        <p:txBody>
+          <a:bodyPr vert="horz" lIns="91440" tIns="45720" rIns="91440" bIns="45720" rtlCol="0" anchor="b">
+            <a:noAutofit/>
+          </a:bodyPr>
+          <a:lstStyle>
+            <a:lvl1pPr algn="ctr" defTabSz="914400" rtl="0" eaLnBrk="1" latinLnBrk="0" hangingPunct="1">
+              <a:lnSpc>
+                <a:spcPct val="90000"/>
+              </a:lnSpc>
+              <a:spcBef>
+                <a:spcPct val="0"/>
+              </a:spcBef>
+              <a:buNone/>
+              <a:defRPr sz="6000" kern="1200">
                 <a:solidFill>
-                  <a:srgbClr val="FFFFFF"/>
+                  <a:schemeClr val="tx1"/>
                 </a:solidFill>
-              </a14:hiddenFill>
-            </a:ext>
-          </a:extLst>
+                <a:latin typeface="+mj-lt"/>
+                <a:ea typeface="+mj-ea"/>
+                <a:cs typeface="+mj-cs"/>
+              </a:defRPr>
+            </a:lvl1pPr>
+          </a:lstStyle>
+          <a:p>
+            <a:pPr algn="l"/>
+            <a:r>
+              <a:rPr lang="en-US" sz="2400" b="1" dirty="0">
+                <a:solidFill>
+                  <a:schemeClr val="accent1">
+                    <a:lumMod val="75000"/>
+                  </a:schemeClr>
+                </a:solidFill>
+                <a:latin typeface="Facto Bold" panose="00000800000000000000" pitchFamily="50" charset="0"/>
+              </a:rPr>
+              <a:t>Disadvantages of UART/ USART Communication Protocol</a:t>
+            </a:r>
+            <a:endParaRPr lang="en-US" sz="2400" b="1" dirty="0" smtClean="0">
+              <a:solidFill>
+                <a:schemeClr val="accent1">
+                  <a:lumMod val="75000"/>
+                </a:schemeClr>
+              </a:solidFill>
+              <a:latin typeface="Facto Bold" panose="00000800000000000000" pitchFamily="50" charset="0"/>
+            </a:endParaRPr>
+          </a:p>
+        </p:txBody>
+      </p:sp>
+      <p:sp>
+        <p:nvSpPr>
+          <p:cNvPr id="8" name="TextBox 7"/>
+          <p:cNvSpPr txBox="1"/>
+          <p:nvPr/>
+        </p:nvSpPr>
+        <p:spPr>
+          <a:xfrm>
+            <a:off x="801660" y="4470888"/>
+            <a:ext cx="11013140" cy="1323439"/>
+          </a:xfrm>
+          <a:prstGeom prst="rect">
+            <a:avLst/>
+          </a:prstGeom>
+          <a:noFill/>
         </p:spPr>
-      </p:pic>
+        <p:txBody>
+          <a:bodyPr wrap="square" rtlCol="0">
+            <a:spAutoFit/>
+          </a:bodyPr>
+          <a:lstStyle/>
+          <a:p>
+            <a:pPr lvl="0">
+              <a:spcBef>
+                <a:spcPts val="1000"/>
+              </a:spcBef>
+              <a:spcAft>
+                <a:spcPts val="200"/>
+              </a:spcAft>
+            </a:pPr>
+            <a:r>
+              <a:rPr lang="en-US" sz="2000" dirty="0"/>
+              <a:t>The disadvantages of UART/ USART Communication Protocol are as follows</a:t>
+            </a:r>
+            <a:r>
+              <a:rPr lang="en-US" sz="2000" dirty="0" smtClean="0"/>
+              <a:t>:</a:t>
+            </a:r>
+            <a:endParaRPr lang="en-US" sz="2000" dirty="0"/>
+          </a:p>
+          <a:p>
+            <a:pPr marL="384048" lvl="0" indent="-384048">
+              <a:spcBef>
+                <a:spcPts val="1000"/>
+              </a:spcBef>
+              <a:spcAft>
+                <a:spcPts val="200"/>
+              </a:spcAft>
+              <a:buFont typeface="Wingdings" panose="05000000000000000000" pitchFamily="2" charset="2"/>
+              <a:buChar char="v"/>
+            </a:pPr>
+            <a:r>
+              <a:rPr lang="en-US" sz="2000" dirty="0"/>
+              <a:t>Doesn’t support multiple master slave functionality</a:t>
+            </a:r>
+          </a:p>
+          <a:p>
+            <a:pPr marL="384048" lvl="0" indent="-384048">
+              <a:spcBef>
+                <a:spcPts val="1000"/>
+              </a:spcBef>
+              <a:spcAft>
+                <a:spcPts val="200"/>
+              </a:spcAft>
+              <a:buFont typeface="Wingdings" panose="05000000000000000000" pitchFamily="2" charset="2"/>
+              <a:buChar char="v"/>
+            </a:pPr>
+            <a:r>
+              <a:rPr lang="en-US" sz="2000" dirty="0"/>
+              <a:t>Baud rate of communicating UART should be within 10 percent of each other</a:t>
+            </a:r>
+          </a:p>
+        </p:txBody>
+      </p:sp>
     </p:spTree>
     <p:extLst>
       <p:ext uri="{BB962C8B-B14F-4D97-AF65-F5344CB8AC3E}">
-        <p14:creationId xmlns:p14="http://schemas.microsoft.com/office/powerpoint/2010/main" val="487837527"/>
+        <p14:creationId xmlns:p14="http://schemas.microsoft.com/office/powerpoint/2010/main" val="4163454620"/>
       </p:ext>
     </p:extLst>
   </p:cSld>
@@ -9079,8 +9129,8 @@
         </p:nvSpPr>
         <p:spPr>
           <a:xfrm>
-            <a:off x="305432" y="398072"/>
-            <a:ext cx="10152213" cy="399245"/>
+            <a:off x="318311" y="441143"/>
+            <a:ext cx="6636281" cy="399245"/>
           </a:xfrm>
           <a:prstGeom prst="rect">
             <a:avLst/>
@@ -9112,7 +9162,7 @@
           <a:p>
             <a:pPr algn="l"/>
             <a:r>
-              <a:rPr lang="en-US" sz="2400" b="1" dirty="0">
+              <a:rPr lang="en-US" sz="2800" b="1" dirty="0" smtClean="0">
                 <a:solidFill>
                   <a:schemeClr val="accent1">
                     <a:lumMod val="75000"/>
@@ -9120,38 +9170,8 @@
                 </a:solidFill>
                 <a:latin typeface="Facto Bold" panose="00000800000000000000" pitchFamily="50" charset="0"/>
               </a:rPr>
-              <a:t>Advantages of </a:t>
-            </a:r>
-            <a:r>
-              <a:rPr lang="en-US" sz="2400" b="1" dirty="0" smtClean="0">
-                <a:solidFill>
-                  <a:schemeClr val="accent1">
-                    <a:lumMod val="75000"/>
-                  </a:schemeClr>
-                </a:solidFill>
-                <a:latin typeface="Facto Bold" panose="00000800000000000000" pitchFamily="50" charset="0"/>
-              </a:rPr>
-              <a:t>UART Communication </a:t>
-            </a:r>
-            <a:r>
-              <a:rPr lang="en-US" sz="2400" b="1" dirty="0">
-                <a:solidFill>
-                  <a:schemeClr val="accent1">
-                    <a:lumMod val="75000"/>
-                  </a:schemeClr>
-                </a:solidFill>
-                <a:latin typeface="Facto Bold" panose="00000800000000000000" pitchFamily="50" charset="0"/>
-              </a:rPr>
-              <a:t>Protocol</a:t>
-            </a:r>
-            <a:endParaRPr lang="en-US" sz="2400" b="1" dirty="0" smtClean="0">
-              <a:solidFill>
-                <a:schemeClr val="accent1">
-                  <a:lumMod val="75000"/>
-                </a:schemeClr>
-              </a:solidFill>
-              <a:latin typeface="Facto Bold" panose="00000800000000000000" pitchFamily="50" charset="0"/>
-            </a:endParaRPr>
+              <a:t>UART in STM32</a:t>
+            </a:r>
           </a:p>
         </p:txBody>
       </p:sp>
@@ -9164,7 +9184,7 @@
         <p:spPr>
           <a:xfrm>
             <a:off x="801660" y="1185704"/>
-            <a:ext cx="11013140" cy="2246769"/>
+            <a:ext cx="11013140" cy="4093428"/>
           </a:xfrm>
           <a:prstGeom prst="rect">
             <a:avLst/>
@@ -9177,25 +9197,6 @@
           </a:bodyPr>
           <a:lstStyle/>
           <a:p>
-            <a:pPr lvl="0">
-              <a:spcBef>
-                <a:spcPts val="1000"/>
-              </a:spcBef>
-              <a:spcAft>
-                <a:spcPts val="200"/>
-              </a:spcAft>
-            </a:pPr>
-            <a:r>
-              <a:rPr lang="en-US" sz="2000" dirty="0"/>
-              <a:t>The advantages of UART/ USART Communication Protocol are as follows</a:t>
-            </a:r>
-            <a:r>
-              <a:rPr lang="en-US" sz="2000" dirty="0" smtClean="0"/>
-              <a:t>:</a:t>
-            </a:r>
-            <a:endParaRPr lang="en-US" sz="2000" dirty="0"/>
-          </a:p>
-          <a:p>
             <a:pPr marL="384048" lvl="0" indent="-384048">
               <a:spcBef>
                 <a:spcPts val="1000"/>
@@ -9208,8 +9209,23 @@
             </a:pPr>
             <a:r>
               <a:rPr lang="en-US" sz="2000" dirty="0"/>
-              <a:t>Clock signal is not required</a:t>
-            </a:r>
+              <a:t>The universal synchronous asynchronous receiver transmitter (USART) offers a flexible</a:t>
+            </a:r>
+            <a:br>
+              <a:rPr lang="en-US" sz="2000" dirty="0"/>
+            </a:br>
+            <a:r>
+              <a:rPr lang="en-US" sz="2000" dirty="0"/>
+              <a:t>means of full-duplex data exchange with external equipment requiring an industry standard</a:t>
+            </a:r>
+            <a:br>
+              <a:rPr lang="en-US" sz="2000" dirty="0"/>
+            </a:br>
+            <a:r>
+              <a:rPr lang="en-US" sz="2000" dirty="0"/>
+              <a:t>NRZ asynchronous serial data format. </a:t>
+            </a:r>
+            <a:endParaRPr lang="en-US" sz="2000" dirty="0" smtClean="0"/>
           </a:p>
           <a:p>
             <a:pPr marL="384048" lvl="0" indent="-384048">
@@ -9223,8 +9239,24 @@
               <a:buChar char="v"/>
             </a:pPr>
             <a:r>
+              <a:rPr lang="en-US" sz="2000" dirty="0" smtClean="0"/>
+              <a:t>The </a:t>
+            </a:r>
+            <a:r>
               <a:rPr lang="en-US" sz="2000" dirty="0"/>
-              <a:t>Cost effective</a:t>
+              <a:t>USART offers a very wide range of baud </a:t>
+            </a:r>
+            <a:r>
+              <a:rPr lang="en-US" sz="2000" dirty="0" smtClean="0"/>
+              <a:t>rates using </a:t>
+            </a:r>
+            <a:r>
+              <a:rPr lang="en-US" sz="2000" dirty="0"/>
+              <a:t>a fractional baud rate generator</a:t>
+            </a:r>
+            <a:r>
+              <a:rPr lang="en-US" sz="2000" dirty="0" smtClean="0"/>
+              <a:t>.</a:t>
             </a:r>
           </a:p>
           <a:p>
@@ -9239,9 +9271,21 @@
               <a:buChar char="v"/>
             </a:pPr>
             <a:r>
+              <a:rPr lang="en-US" sz="2000" dirty="0" smtClean="0"/>
+              <a:t>It </a:t>
+            </a:r>
+            <a:r>
               <a:rPr lang="en-US" sz="2000" dirty="0"/>
-              <a:t>Uses parity bit for error detection</a:t>
-            </a:r>
+              <a:t>supports synchronous one-way communication and half-duplex single wire</a:t>
+            </a:r>
+            <a:br>
+              <a:rPr lang="en-US" sz="2000" dirty="0"/>
+            </a:br>
+            <a:r>
+              <a:rPr lang="en-US" sz="2000" dirty="0"/>
+              <a:t>communication. </a:t>
+            </a:r>
+            <a:endParaRPr lang="en-US" sz="2000" dirty="0" smtClean="0"/>
           </a:p>
           <a:p>
             <a:pPr marL="384048" lvl="0" indent="-384048">
@@ -9255,115 +9299,25 @@
               <a:buChar char="v"/>
             </a:pPr>
             <a:r>
+              <a:rPr lang="en-US" sz="2000" dirty="0" smtClean="0"/>
+              <a:t>It </a:t>
+            </a:r>
+            <a:r>
               <a:rPr lang="en-US" sz="2000" dirty="0"/>
-              <a:t>Requires only 2 wires for data communication</a:t>
-            </a:r>
-          </a:p>
-        </p:txBody>
-      </p:sp>
-      <p:sp>
-        <p:nvSpPr>
-          <p:cNvPr id="7" name="Title 4"/>
-          <p:cNvSpPr txBox="1">
-            <a:spLocks/>
-          </p:cNvSpPr>
-          <p:nvPr/>
-        </p:nvSpPr>
-        <p:spPr>
-          <a:xfrm>
-            <a:off x="305432" y="3752058"/>
-            <a:ext cx="10152213" cy="399245"/>
-          </a:xfrm>
-          <a:prstGeom prst="rect">
-            <a:avLst/>
-          </a:prstGeom>
-        </p:spPr>
-        <p:txBody>
-          <a:bodyPr vert="horz" lIns="91440" tIns="45720" rIns="91440" bIns="45720" rtlCol="0" anchor="b">
-            <a:noAutofit/>
-          </a:bodyPr>
-          <a:lstStyle>
-            <a:lvl1pPr algn="ctr" defTabSz="914400" rtl="0" eaLnBrk="1" latinLnBrk="0" hangingPunct="1">
-              <a:lnSpc>
-                <a:spcPct val="90000"/>
-              </a:lnSpc>
-              <a:spcBef>
-                <a:spcPct val="0"/>
-              </a:spcBef>
-              <a:buNone/>
-              <a:defRPr sz="6000" kern="1200">
-                <a:solidFill>
-                  <a:schemeClr val="tx1"/>
-                </a:solidFill>
-                <a:latin typeface="+mj-lt"/>
-                <a:ea typeface="+mj-ea"/>
-                <a:cs typeface="+mj-cs"/>
-              </a:defRPr>
-            </a:lvl1pPr>
-          </a:lstStyle>
-          <a:p>
-            <a:pPr algn="l"/>
-            <a:r>
-              <a:rPr lang="en-US" sz="2400" b="1" dirty="0">
-                <a:solidFill>
-                  <a:schemeClr val="accent1">
-                    <a:lumMod val="75000"/>
-                  </a:schemeClr>
-                </a:solidFill>
-                <a:latin typeface="Facto Bold" panose="00000800000000000000" pitchFamily="50" charset="0"/>
-              </a:rPr>
-              <a:t>Disadvantages of UART/ USART Communication Protocol</a:t>
-            </a:r>
-            <a:endParaRPr lang="en-US" sz="2400" b="1" dirty="0" smtClean="0">
-              <a:solidFill>
-                <a:schemeClr val="accent1">
-                  <a:lumMod val="75000"/>
-                </a:schemeClr>
-              </a:solidFill>
-              <a:latin typeface="Facto Bold" panose="00000800000000000000" pitchFamily="50" charset="0"/>
-            </a:endParaRPr>
-          </a:p>
-        </p:txBody>
-      </p:sp>
-      <p:sp>
-        <p:nvSpPr>
-          <p:cNvPr id="8" name="TextBox 7"/>
-          <p:cNvSpPr txBox="1"/>
-          <p:nvPr/>
-        </p:nvSpPr>
-        <p:spPr>
-          <a:xfrm>
-            <a:off x="801660" y="4470888"/>
-            <a:ext cx="11013140" cy="1323439"/>
-          </a:xfrm>
-          <a:prstGeom prst="rect">
-            <a:avLst/>
-          </a:prstGeom>
-          <a:noFill/>
-        </p:spPr>
-        <p:txBody>
-          <a:bodyPr wrap="square" rtlCol="0">
-            <a:spAutoFit/>
-          </a:bodyPr>
-          <a:lstStyle/>
-          <a:p>
-            <a:pPr lvl="0">
-              <a:spcBef>
-                <a:spcPts val="1000"/>
-              </a:spcBef>
-              <a:spcAft>
-                <a:spcPts val="200"/>
-              </a:spcAft>
-            </a:pPr>
+              <a:t>also supports the LIN (local interconnection network), Smartcard </a:t>
+            </a:r>
+            <a:r>
+              <a:rPr lang="en-US" sz="2000" dirty="0" smtClean="0"/>
+              <a:t>Protocol and </a:t>
+            </a:r>
             <a:r>
               <a:rPr lang="en-US" sz="2000" dirty="0"/>
-              <a:t>The disadvantages of UART/ USART Communication Protocol are as follows</a:t>
+              <a:t>IrDA (infrared data association</a:t>
             </a:r>
             <a:r>
               <a:rPr lang="en-US" sz="2000" dirty="0" smtClean="0"/>
-              <a:t>:</a:t>
-            </a:r>
-            <a:endParaRPr lang="en-US" sz="2000" dirty="0"/>
+              <a:t>)</a:t>
+            </a:r>
           </a:p>
           <a:p>
             <a:pPr marL="384048" lvl="0" indent="-384048">
@@ -9377,32 +9331,40 @@
               <a:buChar char="v"/>
             </a:pPr>
             <a:r>
+              <a:rPr lang="en-US" sz="2000" dirty="0" smtClean="0"/>
+              <a:t>It </a:t>
+            </a:r>
+            <a:r>
               <a:rPr lang="en-US" sz="2000" dirty="0"/>
-              <a:t>Doesn’t support multiple master slave functionality</a:t>
-            </a:r>
-          </a:p>
-          <a:p>
-            <a:pPr marL="384048" lvl="0" indent="-384048">
-              <a:spcBef>
-                <a:spcPts val="1000"/>
-              </a:spcBef>
-              <a:spcAft>
-                <a:spcPts val="200"/>
-              </a:spcAft>
-              <a:buFont typeface="Wingdings" panose="05000000000000000000" pitchFamily="2" charset="2"/>
-              <a:buChar char="v"/>
-            </a:pPr>
+              <a:t>allows multiprocessor </a:t>
+            </a:r>
+            <a:r>
+              <a:rPr lang="en-US" sz="2000" dirty="0" smtClean="0"/>
+              <a:t>communication. High </a:t>
+            </a:r>
             <a:r>
               <a:rPr lang="en-US" sz="2000" dirty="0"/>
-              <a:t>Baud rate of communicating UART should be within 10 percent of each other</a:t>
-            </a:r>
+              <a:t>speed data communication is possible by using the DMA for </a:t>
+            </a:r>
+            <a:r>
+              <a:rPr lang="en-US" sz="2000" dirty="0" err="1"/>
+              <a:t>multibuffer</a:t>
+            </a:r>
+            <a:r>
+              <a:rPr lang="en-US" sz="2000" dirty="0"/>
+              <a:t> configuration. </a:t>
+            </a:r>
+            <a:br>
+              <a:rPr lang="en-US" sz="2000" dirty="0"/>
+            </a:br>
+            <a:endParaRPr lang="en-US" sz="2000" dirty="0"/>
           </a:p>
         </p:txBody>
       </p:sp>
     </p:spTree>
     <p:extLst>
       <p:ext uri="{BB962C8B-B14F-4D97-AF65-F5344CB8AC3E}">
-        <p14:creationId xmlns:p14="http://schemas.microsoft.com/office/powerpoint/2010/main" val="4163454620"/>
+        <p14:creationId xmlns:p14="http://schemas.microsoft.com/office/powerpoint/2010/main" val="355141781"/>
       </p:ext>
     </p:extLst>
   </p:cSld>
@@ -9510,7 +9472,7 @@
         </p:nvSpPr>
         <p:spPr>
           <a:xfrm>
-            <a:off x="318311" y="441143"/>
+            <a:off x="447100" y="666496"/>
             <a:ext cx="6636281" cy="399245"/>
           </a:xfrm>
           <a:prstGeom prst="rect">
@@ -9551,202 +9513,59 @@
                 </a:solidFill>
                 <a:latin typeface="Facto Bold" panose="00000800000000000000" pitchFamily="50" charset="0"/>
               </a:rPr>
-              <a:t>UART in STM32</a:t>
+              <a:t>Block</a:t>
+            </a:r>
+          </a:p>
+          <a:p>
+            <a:pPr algn="l"/>
+            <a:r>
+              <a:rPr lang="en-US" sz="2800" b="1" dirty="0" smtClean="0">
+                <a:solidFill>
+                  <a:schemeClr val="accent1">
+                    <a:lumMod val="75000"/>
+                  </a:schemeClr>
+                </a:solidFill>
+                <a:latin typeface="Facto Bold" panose="00000800000000000000" pitchFamily="50" charset="0"/>
+              </a:rPr>
+              <a:t>diagram</a:t>
             </a:r>
           </a:p>
         </p:txBody>
       </p:sp>
-      <p:sp>
-        <p:nvSpPr>
-          <p:cNvPr id="6" name="TextBox 5"/>
-          <p:cNvSpPr txBox="1"/>
+      <p:pic>
+        <p:nvPicPr>
+          <p:cNvPr id="4" name="Picture 3"/>
+          <p:cNvPicPr>
+            <a:picLocks noChangeAspect="1"/>
+          </p:cNvPicPr>
           <p:nvPr/>
-        </p:nvSpPr>
+        </p:nvPicPr>
+        <p:blipFill>
+          <a:blip r:embed="rId3">
+            <a:extLst>
+              <a:ext uri="{28A0092B-C50C-407E-A947-70E740481C1C}">
+                <a14:useLocalDpi xmlns:a14="http://schemas.microsoft.com/office/drawing/2010/main" val="0"/>
+              </a:ext>
+            </a:extLst>
+          </a:blip>
+          <a:stretch>
+            <a:fillRect/>
+          </a:stretch>
+        </p:blipFill>
         <p:spPr>
           <a:xfrm>
-            <a:off x="801660" y="1185704"/>
-            <a:ext cx="11013140" cy="4093428"/>
+            <a:off x="3078051" y="114920"/>
+            <a:ext cx="6040191" cy="6623449"/>
           </a:xfrm>
           <a:prstGeom prst="rect">
             <a:avLst/>
           </a:prstGeom>
-          <a:noFill/>
         </p:spPr>
-        <p:txBody>
-          <a:bodyPr wrap="square" rtlCol="0">
-            <a:spAutoFit/>
-          </a:bodyPr>
-          <a:lstStyle/>
-          <a:p>
-            <a:pPr marL="384048" lvl="0" indent="-384048">
-              <a:spcBef>
-                <a:spcPts val="1000"/>
-              </a:spcBef>
-              <a:spcAft>
-                <a:spcPts val="200"/>
-              </a:spcAft>
-              <a:buFont typeface="Wingdings" panose="05000000000000000000" pitchFamily="2" charset="2"/>
-              <a:buChar char="v"/>
-            </a:pPr>
-            <a:r>
-              <a:rPr lang="en-US" sz="2000" dirty="0"/>
-              <a:t>The universal synchronous asynchronous receiver transmitter (USART) offers a flexible</a:t>
-            </a:r>
-            <a:br>
-              <a:rPr lang="en-US" sz="2000" dirty="0"/>
-            </a:br>
-            <a:r>
-              <a:rPr lang="en-US" sz="2000" dirty="0"/>
-              <a:t>means of full-duplex data exchange with external equipment requiring an industry standard</a:t>
-            </a:r>
-            <a:br>
-              <a:rPr lang="en-US" sz="2000" dirty="0"/>
-            </a:br>
-            <a:r>
-              <a:rPr lang="en-US" sz="2000" dirty="0"/>
-              <a:t>NRZ asynchronous serial data format. </a:t>
-            </a:r>
-            <a:endParaRPr lang="en-US" sz="2000" dirty="0" smtClean="0"/>
-          </a:p>
-          <a:p>
-            <a:pPr marL="384048" lvl="0" indent="-384048">
-              <a:spcBef>
-                <a:spcPts val="1000"/>
-              </a:spcBef>
-              <a:spcAft>
-                <a:spcPts val="200"/>
-              </a:spcAft>
-              <a:buFont typeface="Wingdings" panose="05000000000000000000" pitchFamily="2" charset="2"/>
-              <a:buChar char="v"/>
-            </a:pPr>
-            <a:r>
-              <a:rPr lang="en-US" sz="2000" dirty="0" smtClean="0"/>
-              <a:t>The </a:t>
-            </a:r>
-            <a:r>
-              <a:rPr lang="en-US" sz="2000" dirty="0"/>
-              <a:t>USART offers a very wide range of baud </a:t>
-            </a:r>
-            <a:r>
-              <a:rPr lang="en-US" sz="2000" dirty="0" smtClean="0"/>
-              <a:t>rates using </a:t>
-            </a:r>
-            <a:r>
-              <a:rPr lang="en-US" sz="2000" dirty="0"/>
-              <a:t>a fractional baud rate generator</a:t>
-            </a:r>
-            <a:r>
-              <a:rPr lang="en-US" sz="2000" dirty="0" smtClean="0"/>
-              <a:t>.</a:t>
-            </a:r>
-          </a:p>
-          <a:p>
-            <a:pPr marL="384048" lvl="0" indent="-384048">
-              <a:spcBef>
-                <a:spcPts val="1000"/>
-              </a:spcBef>
-              <a:spcAft>
-                <a:spcPts val="200"/>
-              </a:spcAft>
-              <a:buFont typeface="Wingdings" panose="05000000000000000000" pitchFamily="2" charset="2"/>
-              <a:buChar char="v"/>
-            </a:pPr>
-            <a:r>
-              <a:rPr lang="en-US" sz="2000" dirty="0" smtClean="0"/>
-              <a:t>It </a:t>
-            </a:r>
-            <a:r>
-              <a:rPr lang="en-US" sz="2000" dirty="0"/>
-              <a:t>supports synchronous one-way communication and half-duplex single wire</a:t>
-            </a:r>
-            <a:br>
-              <a:rPr lang="en-US" sz="2000" dirty="0"/>
-            </a:br>
-            <a:r>
-              <a:rPr lang="en-US" sz="2000" dirty="0"/>
-              <a:t>communication. </a:t>
-            </a:r>
-            <a:endParaRPr lang="en-US" sz="2000" dirty="0" smtClean="0"/>
-          </a:p>
-          <a:p>
-            <a:pPr marL="384048" lvl="0" indent="-384048">
-              <a:spcBef>
-                <a:spcPts val="1000"/>
-              </a:spcBef>
-              <a:spcAft>
-                <a:spcPts val="200"/>
-              </a:spcAft>
-              <a:buFont typeface="Wingdings" panose="05000000000000000000" pitchFamily="2" charset="2"/>
-              <a:buChar char="v"/>
-            </a:pPr>
-            <a:r>
-              <a:rPr lang="en-US" sz="2000" dirty="0" smtClean="0"/>
-              <a:t>It </a:t>
-            </a:r>
-            <a:r>
-              <a:rPr lang="en-US" sz="2000" dirty="0"/>
-              <a:t>also supports the LIN (local interconnection network), Smartcard </a:t>
-            </a:r>
-            <a:r>
-              <a:rPr lang="en-US" sz="2000" dirty="0" smtClean="0"/>
-              <a:t>Protocol and </a:t>
-            </a:r>
-            <a:r>
-              <a:rPr lang="en-US" sz="2000" dirty="0"/>
-              <a:t>IrDA (infrared data association</a:t>
-            </a:r>
-            <a:r>
-              <a:rPr lang="en-US" sz="2000" dirty="0" smtClean="0"/>
-              <a:t>)</a:t>
-            </a:r>
-            <a:endParaRPr lang="en-US" sz="2000" dirty="0" smtClean="0"/>
-          </a:p>
-          <a:p>
-            <a:pPr marL="384048" lvl="0" indent="-384048">
-              <a:spcBef>
-                <a:spcPts val="1000"/>
-              </a:spcBef>
-              <a:spcAft>
-                <a:spcPts val="200"/>
-              </a:spcAft>
-              <a:buFont typeface="Wingdings" panose="05000000000000000000" pitchFamily="2" charset="2"/>
-              <a:buChar char="v"/>
-            </a:pPr>
-            <a:r>
-              <a:rPr lang="en-US" sz="2000" dirty="0" smtClean="0"/>
-              <a:t>It </a:t>
-            </a:r>
-            <a:r>
-              <a:rPr lang="en-US" sz="2000" dirty="0"/>
-              <a:t>allows multiprocessor </a:t>
-            </a:r>
-            <a:r>
-              <a:rPr lang="en-US" sz="2000" dirty="0" smtClean="0"/>
-              <a:t>communication. High </a:t>
-            </a:r>
-            <a:r>
-              <a:rPr lang="en-US" sz="2000" dirty="0"/>
-              <a:t>speed data communication is possible by using the DMA for </a:t>
-            </a:r>
-            <a:r>
-              <a:rPr lang="en-US" sz="2000" dirty="0" err="1"/>
-              <a:t>multibuffer</a:t>
-            </a:r>
-            <a:r>
-              <a:rPr lang="en-US" sz="2000" dirty="0"/>
-              <a:t> configuration. </a:t>
-            </a:r>
-            <a:br>
-              <a:rPr lang="en-US" sz="2000" dirty="0"/>
-            </a:br>
-            <a:endParaRPr lang="en-US" sz="2000" dirty="0"/>
-          </a:p>
-        </p:txBody>
-      </p:sp>
+      </p:pic>
     </p:spTree>
     <p:extLst>
       <p:ext uri="{BB962C8B-B14F-4D97-AF65-F5344CB8AC3E}">
-        <p14:creationId xmlns:p14="http://schemas.microsoft.com/office/powerpoint/2010/main" val="355141781"/>
+        <p14:creationId xmlns:p14="http://schemas.microsoft.com/office/powerpoint/2010/main" val="1045986547"/>
       </p:ext>
     </p:extLst>
   </p:cSld>
@@ -9854,7 +9673,7 @@
         </p:nvSpPr>
         <p:spPr>
           <a:xfrm>
-            <a:off x="447100" y="666496"/>
+            <a:off x="318311" y="441143"/>
             <a:ext cx="6636281" cy="399245"/>
           </a:xfrm>
           <a:prstGeom prst="rect">
@@ -9895,59 +9714,174 @@
                 </a:solidFill>
                 <a:latin typeface="Facto Bold" panose="00000800000000000000" pitchFamily="50" charset="0"/>
               </a:rPr>
-              <a:t>Block</a:t>
-            </a:r>
-          </a:p>
-          <a:p>
-            <a:pPr algn="l"/>
-            <a:r>
-              <a:rPr lang="en-US" sz="2800" b="1" dirty="0" smtClean="0">
-                <a:solidFill>
-                  <a:schemeClr val="accent1">
-                    <a:lumMod val="75000"/>
-                  </a:schemeClr>
-                </a:solidFill>
-                <a:latin typeface="Facto Bold" panose="00000800000000000000" pitchFamily="50" charset="0"/>
-              </a:rPr>
-              <a:t>diagram</a:t>
+              <a:t>Registers Used in UART</a:t>
             </a:r>
           </a:p>
         </p:txBody>
       </p:sp>
-      <p:pic>
-        <p:nvPicPr>
-          <p:cNvPr id="4" name="Picture 3"/>
-          <p:cNvPicPr>
-            <a:picLocks noChangeAspect="1"/>
-          </p:cNvPicPr>
+      <p:sp>
+        <p:nvSpPr>
+          <p:cNvPr id="6" name="TextBox 5"/>
+          <p:cNvSpPr txBox="1"/>
           <p:nvPr/>
-        </p:nvPicPr>
-        <p:blipFill>
-          <a:blip r:embed="rId3">
-            <a:extLst>
-              <a:ext uri="{28A0092B-C50C-407E-A947-70E740481C1C}">
-                <a14:useLocalDpi xmlns:a14="http://schemas.microsoft.com/office/drawing/2010/main" val="0"/>
-              </a:ext>
-            </a:extLst>
-          </a:blip>
-          <a:stretch>
-            <a:fillRect/>
-          </a:stretch>
-        </p:blipFill>
+        </p:nvSpPr>
         <p:spPr>
           <a:xfrm>
-            <a:off x="3078051" y="114920"/>
-            <a:ext cx="6040191" cy="6623449"/>
+            <a:off x="801660" y="1185704"/>
+            <a:ext cx="11013140" cy="3170099"/>
           </a:xfrm>
           <a:prstGeom prst="rect">
             <a:avLst/>
           </a:prstGeom>
+          <a:noFill/>
         </p:spPr>
-      </p:pic>
+        <p:txBody>
+          <a:bodyPr wrap="square" rtlCol="0">
+            <a:spAutoFit/>
+          </a:bodyPr>
+          <a:lstStyle/>
+          <a:p>
+            <a:pPr marL="384048" lvl="0" indent="-384048">
+              <a:spcBef>
+                <a:spcPts val="1000"/>
+              </a:spcBef>
+              <a:spcAft>
+                <a:spcPts val="200"/>
+              </a:spcAft>
+              <a:buFont typeface="Wingdings" panose="05000000000000000000" pitchFamily="2" charset="2"/>
+              <a:buChar char="v"/>
+            </a:pPr>
+            <a:r>
+              <a:rPr lang="en-US" sz="2000" dirty="0"/>
+              <a:t>APB2 peripheral clock enable register (RCC_APB2ENR</a:t>
+            </a:r>
+            <a:r>
+              <a:rPr lang="en-US" sz="2000" dirty="0" smtClean="0"/>
+              <a:t>)</a:t>
+            </a:r>
+          </a:p>
+          <a:p>
+            <a:pPr marL="384048" lvl="0" indent="-384048">
+              <a:spcBef>
+                <a:spcPts val="1000"/>
+              </a:spcBef>
+              <a:spcAft>
+                <a:spcPts val="200"/>
+              </a:spcAft>
+              <a:buFont typeface="Wingdings" panose="05000000000000000000" pitchFamily="2" charset="2"/>
+              <a:buChar char="v"/>
+            </a:pPr>
+            <a:r>
+              <a:rPr lang="en-US" sz="2000" dirty="0"/>
+              <a:t>Port configuration register low (</a:t>
+            </a:r>
+            <a:r>
+              <a:rPr lang="en-US" sz="2000" dirty="0" smtClean="0"/>
+              <a:t>GPIOA_CRL)</a:t>
+            </a:r>
+          </a:p>
+          <a:p>
+            <a:pPr marL="384048" lvl="0" indent="-384048">
+              <a:spcBef>
+                <a:spcPts val="1000"/>
+              </a:spcBef>
+              <a:spcAft>
+                <a:spcPts val="200"/>
+              </a:spcAft>
+              <a:buFont typeface="Wingdings" panose="05000000000000000000" pitchFamily="2" charset="2"/>
+              <a:buChar char="v"/>
+            </a:pPr>
+            <a:r>
+              <a:rPr lang="en-US" sz="2000" dirty="0"/>
+              <a:t>Control register 1 (USART_CR1</a:t>
+            </a:r>
+            <a:r>
+              <a:rPr lang="en-US" sz="2000" dirty="0" smtClean="0"/>
+              <a:t>)</a:t>
+            </a:r>
+          </a:p>
+          <a:p>
+            <a:pPr marL="384048" lvl="0" indent="-384048">
+              <a:spcBef>
+                <a:spcPts val="1000"/>
+              </a:spcBef>
+              <a:spcAft>
+                <a:spcPts val="200"/>
+              </a:spcAft>
+              <a:buFont typeface="Wingdings" panose="05000000000000000000" pitchFamily="2" charset="2"/>
+              <a:buChar char="v"/>
+            </a:pPr>
+            <a:r>
+              <a:rPr lang="en-US" sz="2000" dirty="0"/>
+              <a:t>Control register 2 (USART_CR2</a:t>
+            </a:r>
+            <a:r>
+              <a:rPr lang="en-US" sz="2000" dirty="0" smtClean="0"/>
+              <a:t>)</a:t>
+            </a:r>
+          </a:p>
+          <a:p>
+            <a:pPr marL="384048" lvl="0" indent="-384048">
+              <a:spcBef>
+                <a:spcPts val="1000"/>
+              </a:spcBef>
+              <a:spcAft>
+                <a:spcPts val="200"/>
+              </a:spcAft>
+              <a:buFont typeface="Wingdings" panose="05000000000000000000" pitchFamily="2" charset="2"/>
+              <a:buChar char="v"/>
+            </a:pPr>
+            <a:r>
+              <a:rPr lang="en-US" sz="2000" dirty="0"/>
+              <a:t>Baud rate register (USART_BRR</a:t>
+            </a:r>
+            <a:r>
+              <a:rPr lang="en-US" sz="2000" dirty="0" smtClean="0"/>
+              <a:t>)</a:t>
+            </a:r>
+          </a:p>
+          <a:p>
+            <a:pPr marL="384048" lvl="0" indent="-384048">
+              <a:spcBef>
+                <a:spcPts val="1000"/>
+              </a:spcBef>
+              <a:spcAft>
+                <a:spcPts val="200"/>
+              </a:spcAft>
+              <a:buFont typeface="Wingdings" panose="05000000000000000000" pitchFamily="2" charset="2"/>
+              <a:buChar char="v"/>
+            </a:pPr>
+            <a:r>
+              <a:rPr lang="en-US" sz="2000" dirty="0"/>
+              <a:t>Data register (USART_DR</a:t>
+            </a:r>
+            <a:r>
+              <a:rPr lang="en-US" sz="2000" dirty="0" smtClean="0"/>
+              <a:t>)</a:t>
+            </a:r>
+          </a:p>
+          <a:p>
+            <a:pPr marL="384048" lvl="0" indent="-384048">
+              <a:spcBef>
+                <a:spcPts val="1000"/>
+              </a:spcBef>
+              <a:spcAft>
+                <a:spcPts val="200"/>
+              </a:spcAft>
+              <a:buFont typeface="Wingdings" panose="05000000000000000000" pitchFamily="2" charset="2"/>
+              <a:buChar char="v"/>
+            </a:pPr>
+            <a:r>
+              <a:rPr lang="en-US" sz="2000" dirty="0"/>
+              <a:t>Status register (USART_SR)</a:t>
+            </a:r>
+          </a:p>
+        </p:txBody>
+      </p:sp>
     </p:spTree>
     <p:extLst>
       <p:ext uri="{BB962C8B-B14F-4D97-AF65-F5344CB8AC3E}">
-        <p14:creationId xmlns:p14="http://schemas.microsoft.com/office/powerpoint/2010/main" val="1045986547"/>
+        <p14:creationId xmlns:p14="http://schemas.microsoft.com/office/powerpoint/2010/main" val="3826784039"/>
       </p:ext>
     </p:extLst>
   </p:cSld>
@@ -10096,7 +10030,7 @@
                 </a:solidFill>
                 <a:latin typeface="Facto Bold" panose="00000800000000000000" pitchFamily="50" charset="0"/>
               </a:rPr>
-              <a:t>Registers Used in UART</a:t>
+              <a:t>Baud Rate Calculation</a:t>
             </a:r>
           </a:p>
         </p:txBody>
@@ -10109,8 +10043,8 @@
         </p:nvSpPr>
         <p:spPr>
           <a:xfrm>
-            <a:off x="801660" y="1185704"/>
-            <a:ext cx="11013140" cy="3170099"/>
+            <a:off x="721781" y="1185702"/>
+            <a:ext cx="11013140" cy="4555093"/>
           </a:xfrm>
           <a:prstGeom prst="rect">
             <a:avLst/>
@@ -10123,147 +10057,205 @@
           </a:bodyPr>
           <a:lstStyle/>
           <a:p>
-            <a:pPr marL="384048" lvl="0" indent="-384048">
+            <a:pPr lvl="0">
               <a:spcBef>
                 <a:spcPts val="1000"/>
               </a:spcBef>
               <a:spcAft>
                 <a:spcPts val="200"/>
               </a:spcAft>
-              <a:buFont typeface="Wingdings" panose="05000000000000000000" pitchFamily="2" charset="2"/>
-              <a:buChar char="v"/>
             </a:pPr>
             <a:r>
-              <a:rPr lang="en-US" sz="2000" dirty="0"/>
-              <a:t>APB2 peripheral clock enable register (RCC_APB2ENR</a:t>
-            </a:r>
-            <a:r>
-              <a:rPr lang="en-US" sz="2000" dirty="0" smtClean="0"/>
-              <a:t>)</a:t>
-            </a:r>
-          </a:p>
-          <a:p>
-            <a:pPr marL="384048" lvl="0" indent="-384048">
+              <a:rPr lang="en-US" sz="2000" dirty="0" smtClean="0">
+                <a:solidFill>
+                  <a:srgbClr val="FF0000"/>
+                </a:solidFill>
+              </a:rPr>
+              <a:t>Baud rate = </a:t>
+            </a:r>
+            <a:r>
+              <a:rPr lang="en-US" sz="2000" dirty="0" err="1" smtClean="0">
+                <a:solidFill>
+                  <a:srgbClr val="FF0000"/>
+                </a:solidFill>
+              </a:rPr>
+              <a:t>fosc</a:t>
+            </a:r>
+            <a:r>
+              <a:rPr lang="en-US" sz="2000" dirty="0" smtClean="0">
+                <a:solidFill>
+                  <a:srgbClr val="FF0000"/>
+                </a:solidFill>
+              </a:rPr>
+              <a:t> / (16*UARTDIV )</a:t>
+            </a:r>
+          </a:p>
+          <a:p>
+            <a:pPr marL="342900" lvl="0" indent="-342900">
               <a:spcBef>
                 <a:spcPts val="1000"/>
               </a:spcBef>
               <a:spcAft>
                 <a:spcPts val="200"/>
               </a:spcAft>
-              <a:buFont typeface="Wingdings" panose="05000000000000000000" pitchFamily="2" charset="2"/>
-              <a:buChar char="v"/>
+              <a:buFont typeface="Arial" pitchFamily="34" charset="0"/>
+              <a:buChar char="•"/>
             </a:pPr>
             <a:r>
-              <a:rPr lang="en-US" sz="2000" dirty="0"/>
-              <a:t>Port configuration register low (</a:t>
-            </a:r>
-            <a:r>
               <a:rPr lang="en-US" sz="2000" dirty="0" smtClean="0"/>
-              <a:t>GPIOA_CRL)</a:t>
-            </a:r>
-          </a:p>
-          <a:p>
-            <a:pPr marL="384048" lvl="0" indent="-384048">
+              <a:t>If we need baud rate 9600</a:t>
+            </a:r>
+          </a:p>
+          <a:p>
+            <a:pPr marL="800100" lvl="1" indent="-342900">
               <a:spcBef>
                 <a:spcPts val="1000"/>
               </a:spcBef>
               <a:spcAft>
                 <a:spcPts val="200"/>
               </a:spcAft>
-              <a:buFont typeface="Wingdings" panose="05000000000000000000" pitchFamily="2" charset="2"/>
-              <a:buChar char="v"/>
+              <a:buFont typeface="Arial" pitchFamily="34" charset="0"/>
+              <a:buChar char="•"/>
             </a:pPr>
             <a:r>
-              <a:rPr lang="en-US" sz="2000" dirty="0"/>
-              <a:t>Control register 1 (USART_CR1</a:t>
-            </a:r>
-            <a:r>
               <a:rPr lang="en-US" sz="2000" dirty="0" smtClean="0"/>
-              <a:t>)</a:t>
-            </a:r>
-          </a:p>
-          <a:p>
-            <a:pPr marL="384048" lvl="0" indent="-384048">
+              <a:t>9600 =8mhz/(16*UARTDIV)</a:t>
+            </a:r>
+          </a:p>
+          <a:p>
+            <a:pPr marL="800100" lvl="1" indent="-342900">
               <a:spcBef>
                 <a:spcPts val="1000"/>
               </a:spcBef>
               <a:spcAft>
                 <a:spcPts val="200"/>
               </a:spcAft>
-              <a:buFont typeface="Wingdings" panose="05000000000000000000" pitchFamily="2" charset="2"/>
-              <a:buChar char="v"/>
+              <a:buFont typeface="Arial" pitchFamily="34" charset="0"/>
+              <a:buChar char="•"/>
             </a:pPr>
             <a:r>
-              <a:rPr lang="en-US" sz="2000" dirty="0"/>
-              <a:t>Control register 2 (USART_CR2</a:t>
-            </a:r>
-            <a:r>
               <a:rPr lang="en-US" sz="2000" dirty="0" smtClean="0"/>
-              <a:t>)</a:t>
-            </a:r>
-          </a:p>
-          <a:p>
-            <a:pPr marL="384048" lvl="0" indent="-384048">
+              <a:t>UARTDIV=8000000/(16*9600) =52.083</a:t>
+            </a:r>
+          </a:p>
+          <a:p>
+            <a:pPr marL="800100" lvl="1" indent="-342900">
               <a:spcBef>
                 <a:spcPts val="1000"/>
               </a:spcBef>
               <a:spcAft>
                 <a:spcPts val="200"/>
               </a:spcAft>
-              <a:buFont typeface="Wingdings" panose="05000000000000000000" pitchFamily="2" charset="2"/>
-              <a:buChar char="v"/>
+              <a:buFont typeface="Arial" pitchFamily="34" charset="0"/>
+              <a:buChar char="•"/>
             </a:pPr>
             <a:r>
-              <a:rPr lang="en-US" sz="2000" dirty="0"/>
-              <a:t>Baud rate register (USART_BRR</a:t>
-            </a:r>
-            <a:r>
               <a:rPr lang="en-US" sz="2000" dirty="0" smtClean="0"/>
-              <a:t>)</a:t>
-            </a:r>
-          </a:p>
-          <a:p>
-            <a:pPr marL="384048" lvl="0" indent="-384048">
+              <a:t>UARTDIV =</a:t>
+            </a:r>
+            <a:r>
+              <a:rPr lang="en-US" sz="2000" dirty="0" err="1" smtClean="0"/>
+              <a:t>Mantissa+Fraction</a:t>
+            </a:r>
+            <a:endParaRPr lang="en-US" sz="2000" dirty="0" smtClean="0"/>
+          </a:p>
+          <a:p>
+            <a:pPr marL="342900" indent="-342900">
               <a:spcBef>
                 <a:spcPts val="1000"/>
               </a:spcBef>
               <a:spcAft>
                 <a:spcPts val="200"/>
               </a:spcAft>
-              <a:buFont typeface="Wingdings" panose="05000000000000000000" pitchFamily="2" charset="2"/>
-              <a:buChar char="v"/>
+              <a:buFont typeface="Arial" pitchFamily="34" charset="0"/>
+              <a:buChar char="•"/>
             </a:pPr>
             <a:r>
+              <a:rPr lang="en-US" sz="2000" dirty="0" smtClean="0"/>
+              <a:t>To </a:t>
+            </a:r>
+            <a:r>
               <a:rPr lang="en-US" sz="2000" dirty="0"/>
-              <a:t>Data register (USART_DR</a:t>
+              <a:t>program USARTDIV = </a:t>
             </a:r>
             <a:r>
               <a:rPr lang="en-US" sz="2000" dirty="0" smtClean="0"/>
-              <a:t>)</a:t>
-            </a:r>
-          </a:p>
-          <a:p>
-            <a:pPr marL="384048" lvl="0" indent="-384048">
-              <a:spcBef>
-                <a:spcPts val="1000"/>
-              </a:spcBef>
-              <a:spcAft>
-                <a:spcPts val="200"/>
-              </a:spcAft>
-              <a:buFont typeface="Wingdings" panose="05000000000000000000" pitchFamily="2" charset="2"/>
-              <a:buChar char="v"/>
-            </a:pPr>
+              <a:t>0d52.083</a:t>
+            </a:r>
             <a:r>
               <a:rPr lang="en-US" sz="2000" dirty="0"/>
-              <a:t>Status register (USART_SR)</a:t>
-            </a:r>
+              <a:t/>
+            </a:r>
+            <a:br>
+              <a:rPr lang="en-US" sz="2000" dirty="0"/>
+            </a:br>
+            <a:r>
+              <a:rPr lang="en-US" sz="2000" dirty="0" smtClean="0"/>
+              <a:t>This leads to:</a:t>
+            </a:r>
+            <a:br>
+              <a:rPr lang="en-US" sz="2000" dirty="0" smtClean="0"/>
+            </a:br>
+            <a:r>
+              <a:rPr lang="en-US" sz="2000" dirty="0" err="1" smtClean="0"/>
+              <a:t>DIV_Fraction</a:t>
+            </a:r>
+            <a:r>
+              <a:rPr lang="en-US" sz="2000" dirty="0" smtClean="0"/>
+              <a:t> = 16*0d0.82 = 0d13</a:t>
+            </a:r>
+            <a:br>
+              <a:rPr lang="en-US" sz="2000" dirty="0" smtClean="0"/>
+            </a:br>
+            <a:r>
+              <a:rPr lang="en-US" sz="2000" dirty="0" smtClean="0"/>
+              <a:t>The nearest real number is 0d13 = 0xD</a:t>
+            </a:r>
+            <a:br>
+              <a:rPr lang="en-US" sz="2000" dirty="0" smtClean="0"/>
+            </a:br>
+            <a:r>
+              <a:rPr lang="en-US" sz="2000" dirty="0" err="1" smtClean="0"/>
+              <a:t>DIV_Mantissa</a:t>
+            </a:r>
+            <a:r>
+              <a:rPr lang="en-US" sz="2000" dirty="0" smtClean="0"/>
+              <a:t> = mantissa (0d52.08) = 0d52 = 0x34</a:t>
+            </a:r>
+            <a:br>
+              <a:rPr lang="en-US" sz="2000" dirty="0" smtClean="0"/>
+            </a:br>
+            <a:r>
+              <a:rPr lang="en-US" sz="2000" dirty="0" smtClean="0"/>
+              <a:t>Then, </a:t>
+            </a:r>
+            <a:r>
+              <a:rPr lang="en-US" sz="2000" dirty="0" smtClean="0">
+                <a:solidFill>
+                  <a:srgbClr val="FF0000"/>
+                </a:solidFill>
+              </a:rPr>
+              <a:t>USART_BRR = 0x34D </a:t>
+            </a:r>
+            <a:r>
+              <a:rPr lang="en-US" sz="2000" dirty="0" smtClean="0"/>
+              <a:t>hence USARTDIV = 0d52.08 </a:t>
+            </a:r>
+            <a:r>
+              <a:rPr lang="en-US" sz="2000" dirty="0"/>
+              <a:t/>
+            </a:r>
+            <a:br>
+              <a:rPr lang="en-US" sz="2000" dirty="0"/>
+            </a:br>
+            <a:endParaRPr lang="en-US" sz="2000" dirty="0" smtClean="0"/>
           </a:p>
         </p:txBody>
       </p:sp>
     </p:spTree>
     <p:extLst>
       <p:ext uri="{BB962C8B-B14F-4D97-AF65-F5344CB8AC3E}">
-        <p14:creationId xmlns:p14="http://schemas.microsoft.com/office/powerpoint/2010/main" val="3826784039"/>
+        <p14:creationId xmlns:p14="http://schemas.microsoft.com/office/powerpoint/2010/main" val="3633608717"/>
       </p:ext>
     </p:extLst>
   </p:cSld>
@@ -10412,240 +10404,75 @@
                 </a:solidFill>
                 <a:latin typeface="Facto Bold" panose="00000800000000000000" pitchFamily="50" charset="0"/>
               </a:rPr>
-              <a:t>Baud Rate Calculation</a:t>
-            </a:r>
-            <a:endParaRPr lang="en-US" sz="2800" b="1" dirty="0" smtClean="0">
-              <a:solidFill>
-                <a:schemeClr val="accent1">
-                  <a:lumMod val="75000"/>
-                </a:schemeClr>
-              </a:solidFill>
-              <a:latin typeface="Facto Bold" panose="00000800000000000000" pitchFamily="50" charset="0"/>
-            </a:endParaRPr>
+              <a:t>UART Interface</a:t>
+            </a:r>
           </a:p>
         </p:txBody>
       </p:sp>
-      <p:sp>
-        <p:nvSpPr>
-          <p:cNvPr id="6" name="TextBox 5"/>
-          <p:cNvSpPr txBox="1"/>
+      <p:pic>
+        <p:nvPicPr>
+          <p:cNvPr id="4" name="Picture 3"/>
+          <p:cNvPicPr>
+            <a:picLocks noChangeAspect="1"/>
+          </p:cNvPicPr>
           <p:nvPr/>
-        </p:nvSpPr>
+        </p:nvPicPr>
+        <p:blipFill>
+          <a:blip r:embed="rId3">
+            <a:extLst>
+              <a:ext uri="{28A0092B-C50C-407E-A947-70E740481C1C}">
+                <a14:useLocalDpi xmlns:a14="http://schemas.microsoft.com/office/drawing/2010/main" val="0"/>
+              </a:ext>
+            </a:extLst>
+          </a:blip>
+          <a:stretch>
+            <a:fillRect/>
+          </a:stretch>
+        </p:blipFill>
         <p:spPr>
           <a:xfrm>
-            <a:off x="721781" y="1185702"/>
-            <a:ext cx="11013140" cy="4555093"/>
+            <a:off x="6341165" y="1409334"/>
+            <a:ext cx="5472078" cy="4717016"/>
           </a:xfrm>
           <a:prstGeom prst="rect">
             <a:avLst/>
           </a:prstGeom>
-          <a:noFill/>
         </p:spPr>
-        <p:txBody>
-          <a:bodyPr wrap="square" rtlCol="0">
-            <a:spAutoFit/>
-          </a:bodyPr>
-          <a:lstStyle/>
-          <a:p>
-            <a:pPr lvl="0">
-              <a:spcBef>
-                <a:spcPts val="1000"/>
-              </a:spcBef>
-              <a:spcAft>
-                <a:spcPts val="200"/>
-              </a:spcAft>
-            </a:pPr>
-            <a:r>
-              <a:rPr lang="en-US" sz="2000" dirty="0" smtClean="0">
-                <a:solidFill>
-                  <a:srgbClr val="FF0000"/>
-                </a:solidFill>
-              </a:rPr>
-              <a:t>Baud rate = </a:t>
-            </a:r>
-            <a:r>
-              <a:rPr lang="en-US" sz="2000" dirty="0" err="1" smtClean="0">
-                <a:solidFill>
-                  <a:srgbClr val="FF0000"/>
-                </a:solidFill>
-              </a:rPr>
-              <a:t>fosc</a:t>
-            </a:r>
-            <a:r>
-              <a:rPr lang="en-US" sz="2000" dirty="0" smtClean="0">
-                <a:solidFill>
-                  <a:srgbClr val="FF0000"/>
-                </a:solidFill>
-              </a:rPr>
-              <a:t> / (16*UARTDIV )</a:t>
-            </a:r>
-          </a:p>
-          <a:p>
-            <a:pPr marL="342900" lvl="0" indent="-342900">
-              <a:spcBef>
-                <a:spcPts val="1000"/>
-              </a:spcBef>
-              <a:spcAft>
-                <a:spcPts val="200"/>
-              </a:spcAft>
-              <a:buFont typeface="Arial" pitchFamily="34" charset="0"/>
-              <a:buChar char="•"/>
-            </a:pPr>
-            <a:r>
-              <a:rPr lang="en-US" sz="2000" dirty="0" smtClean="0"/>
-              <a:t>If we need baud rate 9600</a:t>
-            </a:r>
-          </a:p>
-          <a:p>
-            <a:pPr marL="800100" lvl="1" indent="-342900">
-              <a:spcBef>
-                <a:spcPts val="1000"/>
-              </a:spcBef>
-              <a:spcAft>
-                <a:spcPts val="200"/>
-              </a:spcAft>
-              <a:buFont typeface="Arial" pitchFamily="34" charset="0"/>
-              <a:buChar char="•"/>
-            </a:pPr>
-            <a:r>
-              <a:rPr lang="en-US" sz="2000" dirty="0" smtClean="0"/>
-              <a:t>9600 =8mhz/(16*UARTDIV)</a:t>
-            </a:r>
-          </a:p>
-          <a:p>
-            <a:pPr marL="800100" lvl="1" indent="-342900">
-              <a:spcBef>
-                <a:spcPts val="1000"/>
-              </a:spcBef>
-              <a:spcAft>
-                <a:spcPts val="200"/>
-              </a:spcAft>
-              <a:buFont typeface="Arial" pitchFamily="34" charset="0"/>
-              <a:buChar char="•"/>
-            </a:pPr>
-            <a:r>
-              <a:rPr lang="en-US" sz="2000" dirty="0" smtClean="0"/>
-              <a:t>UARTDIV=8000000/(16*9600) =52.083</a:t>
-            </a:r>
-          </a:p>
-          <a:p>
-            <a:pPr marL="800100" lvl="1" indent="-342900">
-              <a:spcBef>
-                <a:spcPts val="1000"/>
-              </a:spcBef>
-              <a:spcAft>
-                <a:spcPts val="200"/>
-              </a:spcAft>
-              <a:buFont typeface="Arial" pitchFamily="34" charset="0"/>
-              <a:buChar char="•"/>
-            </a:pPr>
-            <a:r>
-              <a:rPr lang="en-US" sz="2000" dirty="0" smtClean="0"/>
-              <a:t>UARTDIV =</a:t>
-            </a:r>
-            <a:r>
-              <a:rPr lang="en-US" sz="2000" dirty="0" err="1" smtClean="0"/>
-              <a:t>Mantissa+Fraction</a:t>
-            </a:r>
-            <a:endParaRPr lang="en-US" sz="2000" dirty="0" smtClean="0"/>
-          </a:p>
-          <a:p>
-            <a:pPr marL="342900" indent="-342900">
-              <a:spcBef>
-                <a:spcPts val="1000"/>
-              </a:spcBef>
-              <a:spcAft>
-                <a:spcPts val="200"/>
-              </a:spcAft>
-              <a:buFont typeface="Arial" pitchFamily="34" charset="0"/>
-              <a:buChar char="•"/>
-            </a:pPr>
-            <a:r>
-              <a:rPr lang="en-US" sz="2000" dirty="0" smtClean="0"/>
-              <a:t>To </a:t>
-            </a:r>
-            <a:r>
-              <a:rPr lang="en-US" sz="2000" dirty="0"/>
-              <a:t>program USARTDIV = </a:t>
-            </a:r>
-            <a:r>
-              <a:rPr lang="en-US" sz="2000" dirty="0" smtClean="0"/>
-              <a:t>0d52.083</a:t>
-            </a:r>
-            <a:r>
-              <a:rPr lang="en-US" sz="2000" dirty="0"/>
-              <a:t/>
-            </a:r>
-            <a:br>
-              <a:rPr lang="en-US" sz="2000" dirty="0"/>
-            </a:br>
-            <a:r>
-              <a:rPr lang="en-US" sz="2000" dirty="0" smtClean="0"/>
-              <a:t>This leads to:</a:t>
-            </a:r>
-            <a:br>
-              <a:rPr lang="en-US" sz="2000" dirty="0" smtClean="0"/>
-            </a:br>
-            <a:r>
-              <a:rPr lang="en-US" sz="2000" dirty="0" err="1" smtClean="0"/>
-              <a:t>DIV_Fraction</a:t>
-            </a:r>
-            <a:r>
-              <a:rPr lang="en-US" sz="2000" dirty="0" smtClean="0"/>
-              <a:t> = 16*0d0.82 = 0d13</a:t>
-            </a:r>
-            <a:br>
-              <a:rPr lang="en-US" sz="2000" dirty="0" smtClean="0"/>
-            </a:br>
-            <a:r>
-              <a:rPr lang="en-US" sz="2000" dirty="0" smtClean="0"/>
-              <a:t>The nearest real number is 0d13 = 0xD</a:t>
-            </a:r>
-            <a:br>
-              <a:rPr lang="en-US" sz="2000" dirty="0" smtClean="0"/>
-            </a:br>
-            <a:r>
-              <a:rPr lang="en-US" sz="2000" dirty="0" err="1" smtClean="0"/>
-              <a:t>DIV_Mantissa</a:t>
-            </a:r>
-            <a:r>
-              <a:rPr lang="en-US" sz="2000" dirty="0" smtClean="0"/>
-              <a:t> = mantissa (0d52.08) = 0d52 = 0x34</a:t>
-            </a:r>
-            <a:br>
-              <a:rPr lang="en-US" sz="2000" dirty="0" smtClean="0"/>
-            </a:br>
-            <a:r>
-              <a:rPr lang="en-US" sz="2000" dirty="0" smtClean="0"/>
-              <a:t>Then, </a:t>
-            </a:r>
-            <a:r>
-              <a:rPr lang="en-US" sz="2000" dirty="0" smtClean="0">
-                <a:solidFill>
-                  <a:srgbClr val="FF0000"/>
-                </a:solidFill>
-              </a:rPr>
-              <a:t>USART_BRR = 0x34D </a:t>
-            </a:r>
-            <a:r>
-              <a:rPr lang="en-US" sz="2000" dirty="0" smtClean="0"/>
-              <a:t>hence USARTDIV = 0d52.08 </a:t>
-            </a:r>
-            <a:r>
-              <a:rPr lang="en-US" sz="2000" dirty="0"/>
-              <a:t/>
-            </a:r>
-            <a:br>
-              <a:rPr lang="en-US" sz="2000" dirty="0"/>
-            </a:br>
-            <a:endParaRPr lang="en-US" sz="2000" dirty="0" smtClean="0"/>
-          </a:p>
-        </p:txBody>
-      </p:sp>
+      </p:pic>
+      <p:pic>
+        <p:nvPicPr>
+          <p:cNvPr id="7" name="Picture 6"/>
+          <p:cNvPicPr>
+            <a:picLocks noChangeAspect="1"/>
+          </p:cNvPicPr>
+          <p:nvPr/>
+        </p:nvPicPr>
+        <p:blipFill>
+          <a:blip r:embed="rId4">
+            <a:extLst>
+              <a:ext uri="{28A0092B-C50C-407E-A947-70E740481C1C}">
+                <a14:useLocalDpi xmlns:a14="http://schemas.microsoft.com/office/drawing/2010/main" val="0"/>
+              </a:ext>
+            </a:extLst>
+          </a:blip>
+          <a:stretch>
+            <a:fillRect/>
+          </a:stretch>
+        </p:blipFill>
+        <p:spPr>
+          <a:xfrm>
+            <a:off x="318311" y="1409334"/>
+            <a:ext cx="5635229" cy="4627965"/>
+          </a:xfrm>
+          <a:prstGeom prst="rect">
+            <a:avLst/>
+          </a:prstGeom>
+        </p:spPr>
+      </p:pic>
     </p:spTree>
     <p:extLst>
       <p:ext uri="{BB962C8B-B14F-4D97-AF65-F5344CB8AC3E}">
-        <p14:creationId xmlns:p14="http://schemas.microsoft.com/office/powerpoint/2010/main" val="3633608717"/>
+        <p14:creationId xmlns:p14="http://schemas.microsoft.com/office/powerpoint/2010/main" val="3292730531"/>
       </p:ext>
     </p:extLst>
   </p:cSld>
@@ -10794,83 +10621,426 @@
                 </a:solidFill>
                 <a:latin typeface="Facto Bold" panose="00000800000000000000" pitchFamily="50" charset="0"/>
               </a:rPr>
-              <a:t>UART Interface</a:t>
-            </a:r>
-            <a:endParaRPr lang="en-US" sz="2800" b="1" dirty="0" smtClean="0">
-              <a:solidFill>
-                <a:schemeClr val="accent1">
-                  <a:lumMod val="75000"/>
-                </a:schemeClr>
-              </a:solidFill>
-              <a:latin typeface="Facto Bold" panose="00000800000000000000" pitchFamily="50" charset="0"/>
-            </a:endParaRPr>
+              <a:t>UART Program</a:t>
+            </a:r>
           </a:p>
         </p:txBody>
       </p:sp>
-      <p:pic>
-        <p:nvPicPr>
-          <p:cNvPr id="4" name="Picture 3"/>
-          <p:cNvPicPr>
-            <a:picLocks noChangeAspect="1"/>
-          </p:cNvPicPr>
+      <p:sp>
+        <p:nvSpPr>
+          <p:cNvPr id="6" name="TextBox 5"/>
+          <p:cNvSpPr txBox="1"/>
           <p:nvPr/>
-        </p:nvPicPr>
-        <p:blipFill>
-          <a:blip r:embed="rId3">
-            <a:extLst>
-              <a:ext uri="{28A0092B-C50C-407E-A947-70E740481C1C}">
-                <a14:useLocalDpi xmlns:a14="http://schemas.microsoft.com/office/drawing/2010/main" val="0"/>
-              </a:ext>
-            </a:extLst>
-          </a:blip>
-          <a:stretch>
-            <a:fillRect/>
-          </a:stretch>
-        </p:blipFill>
+        </p:nvSpPr>
         <p:spPr>
           <a:xfrm>
-            <a:off x="6341165" y="1409334"/>
-            <a:ext cx="5472078" cy="4717016"/>
+            <a:off x="801660" y="1185704"/>
+            <a:ext cx="11013140" cy="5016758"/>
           </a:xfrm>
           <a:prstGeom prst="rect">
             <a:avLst/>
           </a:prstGeom>
+          <a:noFill/>
         </p:spPr>
-      </p:pic>
-      <p:pic>
-        <p:nvPicPr>
-          <p:cNvPr id="7" name="Picture 6"/>
-          <p:cNvPicPr>
-            <a:picLocks noChangeAspect="1"/>
-          </p:cNvPicPr>
-          <p:nvPr/>
-        </p:nvPicPr>
-        <p:blipFill>
-          <a:blip r:embed="rId4">
-            <a:extLst>
-              <a:ext uri="{28A0092B-C50C-407E-A947-70E740481C1C}">
-                <a14:useLocalDpi xmlns:a14="http://schemas.microsoft.com/office/drawing/2010/main" val="0"/>
-              </a:ext>
-            </a:extLst>
-          </a:blip>
-          <a:stretch>
-            <a:fillRect/>
-          </a:stretch>
-        </p:blipFill>
-        <p:spPr>
-          <a:xfrm>
-            <a:off x="318311" y="1409334"/>
-            <a:ext cx="5635229" cy="4627965"/>
-          </a:xfrm>
-          <a:prstGeom prst="rect">
-            <a:avLst/>
-          </a:prstGeom>
-        </p:spPr>
-      </p:pic>
+        <p:txBody>
+          <a:bodyPr wrap="square" numCol="2" rtlCol="0">
+            <a:spAutoFit/>
+          </a:bodyPr>
+          <a:lstStyle/>
+          <a:p>
+            <a:pPr lvl="0">
+              <a:spcBef>
+                <a:spcPts val="1000"/>
+              </a:spcBef>
+              <a:spcAft>
+                <a:spcPts val="200"/>
+              </a:spcAft>
+            </a:pPr>
+            <a:r>
+              <a:rPr lang="en-US" sz="2000" dirty="0">
+                <a:latin typeface="Consolas" pitchFamily="49" charset="0"/>
+              </a:rPr>
+              <a:t>#include "stm32f10x.h"           </a:t>
+            </a:r>
+            <a:r>
+              <a:rPr lang="en-US" sz="2000" dirty="0" smtClean="0">
+                <a:latin typeface="Consolas" pitchFamily="49" charset="0"/>
+              </a:rPr>
+              <a:t>// </a:t>
+            </a:r>
+            <a:r>
+              <a:rPr lang="en-US" sz="2000" dirty="0">
+                <a:latin typeface="Consolas" pitchFamily="49" charset="0"/>
+              </a:rPr>
+              <a:t>Device header</a:t>
+            </a:r>
+          </a:p>
+          <a:p>
+            <a:pPr lvl="0">
+              <a:spcBef>
+                <a:spcPts val="1000"/>
+              </a:spcBef>
+              <a:spcAft>
+                <a:spcPts val="200"/>
+              </a:spcAft>
+            </a:pPr>
+            <a:r>
+              <a:rPr lang="en-US" sz="2000" dirty="0">
+                <a:latin typeface="Consolas" pitchFamily="49" charset="0"/>
+              </a:rPr>
+              <a:t>void </a:t>
+            </a:r>
+            <a:r>
+              <a:rPr lang="en-US" sz="2000" dirty="0" err="1">
+                <a:latin typeface="Consolas" pitchFamily="49" charset="0"/>
+              </a:rPr>
+              <a:t>gpio_init</a:t>
+            </a:r>
+            <a:r>
+              <a:rPr lang="en-US" sz="2000" dirty="0">
+                <a:latin typeface="Consolas" pitchFamily="49" charset="0"/>
+              </a:rPr>
+              <a:t>();	</a:t>
+            </a:r>
+          </a:p>
+          <a:p>
+            <a:pPr lvl="0">
+              <a:spcBef>
+                <a:spcPts val="1000"/>
+              </a:spcBef>
+              <a:spcAft>
+                <a:spcPts val="200"/>
+              </a:spcAft>
+            </a:pPr>
+            <a:r>
+              <a:rPr lang="en-US" sz="2000" dirty="0">
+                <a:latin typeface="Consolas" pitchFamily="49" charset="0"/>
+              </a:rPr>
+              <a:t>void </a:t>
+            </a:r>
+            <a:r>
+              <a:rPr lang="en-US" sz="2000" dirty="0" err="1">
+                <a:latin typeface="Consolas" pitchFamily="49" charset="0"/>
+              </a:rPr>
+              <a:t>uart_init</a:t>
+            </a:r>
+            <a:r>
+              <a:rPr lang="en-US" sz="2000" dirty="0">
+                <a:latin typeface="Consolas" pitchFamily="49" charset="0"/>
+              </a:rPr>
+              <a:t>();	</a:t>
+            </a:r>
+          </a:p>
+          <a:p>
+            <a:pPr lvl="0">
+              <a:spcBef>
+                <a:spcPts val="1000"/>
+              </a:spcBef>
+              <a:spcAft>
+                <a:spcPts val="200"/>
+              </a:spcAft>
+            </a:pPr>
+            <a:r>
+              <a:rPr lang="en-US" sz="2000" dirty="0">
+                <a:latin typeface="Consolas" pitchFamily="49" charset="0"/>
+              </a:rPr>
+              <a:t>void </a:t>
+            </a:r>
+            <a:r>
+              <a:rPr lang="en-US" sz="2000" dirty="0" err="1">
+                <a:latin typeface="Consolas" pitchFamily="49" charset="0"/>
+              </a:rPr>
+              <a:t>uart_tx</a:t>
+            </a:r>
+            <a:r>
+              <a:rPr lang="en-US" sz="2000" dirty="0">
+                <a:latin typeface="Consolas" pitchFamily="49" charset="0"/>
+              </a:rPr>
+              <a:t>(unsigned char data);	</a:t>
+            </a:r>
+          </a:p>
+          <a:p>
+            <a:pPr lvl="0">
+              <a:spcBef>
+                <a:spcPts val="1000"/>
+              </a:spcBef>
+              <a:spcAft>
+                <a:spcPts val="200"/>
+              </a:spcAft>
+            </a:pPr>
+            <a:r>
+              <a:rPr lang="en-US" sz="2000" dirty="0">
+                <a:latin typeface="Consolas" pitchFamily="49" charset="0"/>
+              </a:rPr>
+              <a:t>void </a:t>
+            </a:r>
+            <a:r>
+              <a:rPr lang="en-US" sz="2000" dirty="0" err="1">
+                <a:latin typeface="Consolas" pitchFamily="49" charset="0"/>
+              </a:rPr>
+              <a:t>uart_tx_string</a:t>
+            </a:r>
+            <a:r>
+              <a:rPr lang="en-US" sz="2000" dirty="0">
+                <a:latin typeface="Consolas" pitchFamily="49" charset="0"/>
+              </a:rPr>
+              <a:t>(unsigned char *data);</a:t>
+            </a:r>
+          </a:p>
+          <a:p>
+            <a:pPr lvl="0">
+              <a:spcBef>
+                <a:spcPts val="1000"/>
+              </a:spcBef>
+              <a:spcAft>
+                <a:spcPts val="200"/>
+              </a:spcAft>
+            </a:pPr>
+            <a:endParaRPr lang="en-US" sz="2000" dirty="0">
+              <a:latin typeface="Consolas" pitchFamily="49" charset="0"/>
+            </a:endParaRPr>
+          </a:p>
+          <a:p>
+            <a:pPr lvl="0">
+              <a:spcBef>
+                <a:spcPts val="1000"/>
+              </a:spcBef>
+              <a:spcAft>
+                <a:spcPts val="200"/>
+              </a:spcAft>
+            </a:pPr>
+            <a:r>
+              <a:rPr lang="en-US" sz="2000" dirty="0" err="1">
+                <a:latin typeface="Consolas" pitchFamily="49" charset="0"/>
+              </a:rPr>
+              <a:t>int</a:t>
+            </a:r>
+            <a:r>
+              <a:rPr lang="en-US" sz="2000" dirty="0">
+                <a:latin typeface="Consolas" pitchFamily="49" charset="0"/>
+              </a:rPr>
+              <a:t> main()</a:t>
+            </a:r>
+          </a:p>
+          <a:p>
+            <a:pPr lvl="0">
+              <a:spcBef>
+                <a:spcPts val="1000"/>
+              </a:spcBef>
+              <a:spcAft>
+                <a:spcPts val="200"/>
+              </a:spcAft>
+            </a:pPr>
+            <a:r>
+              <a:rPr lang="en-US" sz="2000" dirty="0">
+                <a:latin typeface="Consolas" pitchFamily="49" charset="0"/>
+              </a:rPr>
+              <a:t>{</a:t>
+            </a:r>
+          </a:p>
+          <a:p>
+            <a:pPr lvl="0">
+              <a:spcBef>
+                <a:spcPts val="1000"/>
+              </a:spcBef>
+              <a:spcAft>
+                <a:spcPts val="200"/>
+              </a:spcAft>
+            </a:pPr>
+            <a:r>
+              <a:rPr lang="en-US" sz="2000" dirty="0">
+                <a:latin typeface="Consolas" pitchFamily="49" charset="0"/>
+              </a:rPr>
+              <a:t>	unsigned char </a:t>
+            </a:r>
+            <a:r>
+              <a:rPr lang="en-US" sz="2000" dirty="0" err="1">
+                <a:latin typeface="Consolas" pitchFamily="49" charset="0"/>
+              </a:rPr>
+              <a:t>msg</a:t>
+            </a:r>
+            <a:r>
+              <a:rPr lang="en-US" sz="2000" dirty="0">
+                <a:latin typeface="Consolas" pitchFamily="49" charset="0"/>
+              </a:rPr>
+              <a:t>[]="hello";	</a:t>
+            </a:r>
+          </a:p>
+          <a:p>
+            <a:pPr lvl="0">
+              <a:spcBef>
+                <a:spcPts val="1000"/>
+              </a:spcBef>
+              <a:spcAft>
+                <a:spcPts val="200"/>
+              </a:spcAft>
+            </a:pPr>
+            <a:r>
+              <a:rPr lang="en-US" sz="2000" dirty="0">
+                <a:latin typeface="Consolas" pitchFamily="49" charset="0"/>
+              </a:rPr>
+              <a:t>	</a:t>
+            </a:r>
+            <a:r>
+              <a:rPr lang="en-US" sz="2000" dirty="0" err="1">
+                <a:latin typeface="Consolas" pitchFamily="49" charset="0"/>
+              </a:rPr>
+              <a:t>gpio_init</a:t>
+            </a:r>
+            <a:r>
+              <a:rPr lang="en-US" sz="2000" dirty="0">
+                <a:latin typeface="Consolas" pitchFamily="49" charset="0"/>
+              </a:rPr>
+              <a:t>();	</a:t>
+            </a:r>
+          </a:p>
+          <a:p>
+            <a:pPr lvl="0">
+              <a:spcBef>
+                <a:spcPts val="1000"/>
+              </a:spcBef>
+              <a:spcAft>
+                <a:spcPts val="200"/>
+              </a:spcAft>
+            </a:pPr>
+            <a:r>
+              <a:rPr lang="en-US" sz="2000" dirty="0">
+                <a:latin typeface="Consolas" pitchFamily="49" charset="0"/>
+              </a:rPr>
+              <a:t>	</a:t>
+            </a:r>
+            <a:r>
+              <a:rPr lang="en-US" sz="2000" dirty="0" err="1">
+                <a:latin typeface="Consolas" pitchFamily="49" charset="0"/>
+              </a:rPr>
+              <a:t>uart_init</a:t>
+            </a:r>
+            <a:r>
+              <a:rPr lang="en-US" sz="2000" dirty="0">
+                <a:latin typeface="Consolas" pitchFamily="49" charset="0"/>
+              </a:rPr>
+              <a:t>();	</a:t>
+            </a:r>
+          </a:p>
+          <a:p>
+            <a:pPr lvl="0">
+              <a:spcBef>
+                <a:spcPts val="1000"/>
+              </a:spcBef>
+              <a:spcAft>
+                <a:spcPts val="200"/>
+              </a:spcAft>
+            </a:pPr>
+            <a:r>
+              <a:rPr lang="en-US" sz="2000" dirty="0">
+                <a:latin typeface="Consolas" pitchFamily="49" charset="0"/>
+              </a:rPr>
+              <a:t>	</a:t>
+            </a:r>
+            <a:r>
+              <a:rPr lang="en-US" sz="2000" dirty="0" err="1">
+                <a:latin typeface="Consolas" pitchFamily="49" charset="0"/>
+              </a:rPr>
+              <a:t>uart_tx</a:t>
+            </a:r>
+            <a:r>
+              <a:rPr lang="en-US" sz="2000" dirty="0">
+                <a:latin typeface="Consolas" pitchFamily="49" charset="0"/>
+              </a:rPr>
+              <a:t>('a');	</a:t>
+            </a:r>
+          </a:p>
+          <a:p>
+            <a:pPr lvl="0">
+              <a:spcBef>
+                <a:spcPts val="1000"/>
+              </a:spcBef>
+              <a:spcAft>
+                <a:spcPts val="200"/>
+              </a:spcAft>
+            </a:pPr>
+            <a:r>
+              <a:rPr lang="en-US" sz="2000" dirty="0">
+                <a:latin typeface="Consolas" pitchFamily="49" charset="0"/>
+              </a:rPr>
+              <a:t>	</a:t>
+            </a:r>
+            <a:r>
+              <a:rPr lang="en-US" sz="2000" dirty="0" err="1">
+                <a:latin typeface="Consolas" pitchFamily="49" charset="0"/>
+              </a:rPr>
+              <a:t>uart_tx_string</a:t>
+            </a:r>
+            <a:r>
+              <a:rPr lang="en-US" sz="2000" dirty="0">
+                <a:latin typeface="Consolas" pitchFamily="49" charset="0"/>
+              </a:rPr>
+              <a:t>(</a:t>
+            </a:r>
+            <a:r>
+              <a:rPr lang="en-US" sz="2000" dirty="0" err="1">
+                <a:latin typeface="Consolas" pitchFamily="49" charset="0"/>
+              </a:rPr>
+              <a:t>msg</a:t>
+            </a:r>
+            <a:r>
+              <a:rPr lang="en-US" sz="2000" dirty="0">
+                <a:latin typeface="Consolas" pitchFamily="49" charset="0"/>
+              </a:rPr>
+              <a:t>);	</a:t>
+            </a:r>
+          </a:p>
+          <a:p>
+            <a:pPr lvl="0">
+              <a:spcBef>
+                <a:spcPts val="1000"/>
+              </a:spcBef>
+              <a:spcAft>
+                <a:spcPts val="200"/>
+              </a:spcAft>
+            </a:pPr>
+            <a:r>
+              <a:rPr lang="en-US" sz="2000" dirty="0">
+                <a:latin typeface="Consolas" pitchFamily="49" charset="0"/>
+              </a:rPr>
+              <a:t>	while(1);</a:t>
+            </a:r>
+          </a:p>
+          <a:p>
+            <a:pPr lvl="0">
+              <a:spcBef>
+                <a:spcPts val="1000"/>
+              </a:spcBef>
+              <a:spcAft>
+                <a:spcPts val="200"/>
+              </a:spcAft>
+            </a:pPr>
+            <a:r>
+              <a:rPr lang="en-US" sz="2000" dirty="0">
+                <a:latin typeface="Consolas" pitchFamily="49" charset="0"/>
+              </a:rPr>
+              <a:t>}</a:t>
+            </a:r>
+          </a:p>
+          <a:p>
+            <a:pPr lvl="0">
+              <a:spcBef>
+                <a:spcPts val="1000"/>
+              </a:spcBef>
+              <a:spcAft>
+                <a:spcPts val="200"/>
+              </a:spcAft>
+            </a:pPr>
+            <a:endParaRPr lang="en-US" sz="2000" dirty="0">
+              <a:latin typeface="Consolas" pitchFamily="49" charset="0"/>
+            </a:endParaRPr>
+          </a:p>
+        </p:txBody>
+      </p:sp>
     </p:spTree>
     <p:extLst>
       <p:ext uri="{BB962C8B-B14F-4D97-AF65-F5344CB8AC3E}">
-        <p14:creationId xmlns:p14="http://schemas.microsoft.com/office/powerpoint/2010/main" val="3292730531"/>
+        <p14:creationId xmlns:p14="http://schemas.microsoft.com/office/powerpoint/2010/main" val="2189314710"/>
       </p:ext>
     </p:extLst>
   </p:cSld>
@@ -11010,17 +11180,6 @@
           </a:lstStyle>
           <a:p>
             <a:pPr algn="l"/>
-            <a:r>
-              <a:rPr lang="en-US" sz="2800" b="1" dirty="0" smtClean="0">
-                <a:solidFill>
-                  <a:schemeClr val="accent1">
-                    <a:lumMod val="75000"/>
-                  </a:schemeClr>
-                </a:solidFill>
-                <a:latin typeface="Facto Bold" panose="00000800000000000000" pitchFamily="50" charset="0"/>
-              </a:rPr>
-              <a:t>UART Program</a:t>
-            </a:r>
             <a:endParaRPr lang="en-US" sz="2800" b="1" dirty="0" smtClean="0">
               <a:solidFill>
                 <a:schemeClr val="accent1">
@@ -11040,8 +11199,8 @@
         </p:nvSpPr>
         <p:spPr>
           <a:xfrm>
-            <a:off x="801660" y="1185704"/>
-            <a:ext cx="11013140" cy="5016758"/>
+            <a:off x="129209" y="1"/>
+            <a:ext cx="11863862" cy="10229418"/>
           </a:xfrm>
           <a:prstGeom prst="rect">
             <a:avLst/>
@@ -11062,24 +11221,9 @@
                 <a:spcPts val="200"/>
               </a:spcAft>
             </a:pPr>
-            <a:r>
-              <a:rPr lang="en-US" sz="2000" dirty="0">
-                <a:latin typeface="Consolas" pitchFamily="49" charset="0"/>
-              </a:rPr>
-              <a:t>#include "stm32f10x.h"           </a:t>
-            </a:r>
-            <a:r>
-              <a:rPr lang="en-US" sz="2000" dirty="0" smtClean="0">
-                <a:latin typeface="Consolas" pitchFamily="49" charset="0"/>
-              </a:rPr>
-              <a:t>// </a:t>
-            </a:r>
-            <a:r>
-              <a:rPr lang="en-US" sz="2000" dirty="0">
-                <a:latin typeface="Consolas" pitchFamily="49" charset="0"/>
-              </a:rPr>
-              <a:t>Device header</a:t>
-            </a:r>
+            <a:endParaRPr lang="en-US" sz="1200" dirty="0">
+              <a:latin typeface="Consolas" pitchFamily="49" charset="0"/>
+            </a:endParaRPr>
           </a:p>
           <a:p>
             <a:pPr lvl="0">
@@ -11091,22 +11235,22 @@
               </a:spcAft>
             </a:pPr>
             <a:r>
-              <a:rPr lang="en-US" sz="2000" dirty="0">
+              <a:rPr lang="en-US" sz="1200" dirty="0">
                 <a:latin typeface="Consolas" pitchFamily="49" charset="0"/>
               </a:rPr>
               <a:t>void </a:t>
             </a:r>
             <a:r>
-              <a:rPr lang="en-US" sz="2000" dirty="0" err="1">
+              <a:rPr lang="en-US" sz="1200" dirty="0" err="1">
                 <a:latin typeface="Consolas" pitchFamily="49" charset="0"/>
               </a:rPr>
               <a:t>gpio_init</a:t>
             </a:r>
             <a:r>
-              <a:rPr lang="en-US" sz="2000" dirty="0">
+              <a:rPr lang="en-US" sz="1200" dirty="0">
                 <a:latin typeface="Consolas" pitchFamily="49" charset="0"/>
               </a:rPr>
-              <a:t>();	</a:t>
+              <a:t>()</a:t>
             </a:r>
           </a:p>
           <a:p>
@@ -11119,22 +11263,10 @@
               </a:spcAft>
             </a:pPr>
             <a:r>
-              <a:rPr lang="en-US" sz="2000" dirty="0">
+              <a:rPr lang="en-US" sz="1200" dirty="0">
                 <a:latin typeface="Consolas" pitchFamily="49" charset="0"/>
               </a:rPr>
-              <a:t>void </a:t>
-            </a:r>
-            <a:r>
-              <a:rPr lang="en-US" sz="2000" dirty="0" err="1">
-                <a:latin typeface="Consolas" pitchFamily="49" charset="0"/>
-              </a:rPr>
-              <a:t>uart_init</a:t>
-            </a:r>
-            <a:r>
-              <a:rPr lang="en-US" sz="2000" dirty="0">
-                <a:latin typeface="Consolas" pitchFamily="49" charset="0"/>
-              </a:rPr>
-              <a:t>();	</a:t>
+              <a:t>{</a:t>
             </a:r>
           </a:p>
           <a:p>
@@ -11147,22 +11279,34 @@
               </a:spcAft>
             </a:pPr>
             <a:r>
-              <a:rPr lang="en-US" sz="2000" dirty="0">
+              <a:rPr lang="en-US" sz="1200" dirty="0">
                 <a:latin typeface="Consolas" pitchFamily="49" charset="0"/>
               </a:rPr>
-              <a:t>void </a:t>
-            </a:r>
-            <a:r>
-              <a:rPr lang="en-US" sz="2000" dirty="0" err="1">
+              <a:t>	//</a:t>
+            </a:r>
+            <a:r>
+              <a:rPr lang="en-US" sz="1200" dirty="0" err="1">
                 <a:latin typeface="Consolas" pitchFamily="49" charset="0"/>
               </a:rPr>
-              <a:t>uart_tx</a:t>
-            </a:r>
-            <a:r>
-              <a:rPr lang="en-US" sz="2000" dirty="0">
+              <a:t>clk</a:t>
+            </a:r>
+            <a:r>
+              <a:rPr lang="en-US" sz="1200" dirty="0">
                 <a:latin typeface="Consolas" pitchFamily="49" charset="0"/>
               </a:rPr>
-              <a:t>(unsigned char data);	</a:t>
+              <a:t> </a:t>
+            </a:r>
+            <a:r>
+              <a:rPr lang="en-US" sz="1200" dirty="0" err="1">
+                <a:latin typeface="Consolas" pitchFamily="49" charset="0"/>
+              </a:rPr>
+              <a:t>init</a:t>
+            </a:r>
+            <a:r>
+              <a:rPr lang="en-US" sz="1200" dirty="0">
+                <a:latin typeface="Consolas" pitchFamily="49" charset="0"/>
+              </a:rPr>
+              <a:t>()</a:t>
             </a:r>
           </a:p>
           <a:p>
@@ -11175,22 +11319,10 @@
               </a:spcAft>
             </a:pPr>
             <a:r>
-              <a:rPr lang="en-US" sz="2000" dirty="0">
+              <a:rPr lang="en-US" sz="1200" dirty="0">
                 <a:latin typeface="Consolas" pitchFamily="49" charset="0"/>
               </a:rPr>
-              <a:t>void </a:t>
-            </a:r>
-            <a:r>
-              <a:rPr lang="en-US" sz="2000" dirty="0" err="1">
-                <a:latin typeface="Consolas" pitchFamily="49" charset="0"/>
-              </a:rPr>
-              <a:t>uart_tx_string</a:t>
-            </a:r>
-            <a:r>
-              <a:rPr lang="en-US" sz="2000" dirty="0">
-                <a:latin typeface="Consolas" pitchFamily="49" charset="0"/>
-              </a:rPr>
-              <a:t>(unsigned char *data);</a:t>
+              <a:t>	RCC-&gt;APB2ENR &amp;=0x00000000;//reset</a:t>
             </a:r>
           </a:p>
           <a:p>
@@ -11202,9 +11334,36 @@
                 <a:spcPts val="200"/>
               </a:spcAft>
             </a:pPr>
-            <a:endParaRPr lang="en-US" sz="2000" dirty="0">
-              <a:latin typeface="Consolas" pitchFamily="49" charset="0"/>
-            </a:endParaRPr>
+            <a:r>
+              <a:rPr lang="en-US" sz="1200" dirty="0">
+                <a:latin typeface="Consolas" pitchFamily="49" charset="0"/>
+              </a:rPr>
+              <a:t>	RCC-&gt;APB2ENR |=(1&lt;&lt;2);  //</a:t>
+            </a:r>
+            <a:r>
+              <a:rPr lang="en-US" sz="1200" dirty="0" err="1">
+                <a:latin typeface="Consolas" pitchFamily="49" charset="0"/>
+              </a:rPr>
+              <a:t>porta</a:t>
+            </a:r>
+            <a:r>
+              <a:rPr lang="en-US" sz="1200" dirty="0">
+                <a:latin typeface="Consolas" pitchFamily="49" charset="0"/>
+              </a:rPr>
+              <a:t> </a:t>
+            </a:r>
+            <a:r>
+              <a:rPr lang="en-US" sz="1200" dirty="0" err="1">
+                <a:latin typeface="Consolas" pitchFamily="49" charset="0"/>
+              </a:rPr>
+              <a:t>clk</a:t>
+            </a:r>
+            <a:r>
+              <a:rPr lang="en-US" sz="1200" dirty="0">
+                <a:latin typeface="Consolas" pitchFamily="49" charset="0"/>
+              </a:rPr>
+              <a:t> enable</a:t>
+            </a:r>
           </a:p>
           <a:p>
             <a:pPr lvl="0">
@@ -11216,16 +11375,34 @@
               </a:spcAft>
             </a:pPr>
             <a:r>
-              <a:rPr lang="en-US" sz="2000" dirty="0" err="1">
+              <a:rPr lang="en-US" sz="1200" dirty="0">
                 <a:latin typeface="Consolas" pitchFamily="49" charset="0"/>
               </a:rPr>
-              <a:t>int</a:t>
-            </a:r>
-            <a:r>
-              <a:rPr lang="en-US" sz="2000" dirty="0">
+              <a:t>	RCC-&gt;APB2ENR |=(1&lt;&lt;14);//</a:t>
+            </a:r>
+            <a:r>
+              <a:rPr lang="en-US" sz="1200" dirty="0" err="1">
                 <a:latin typeface="Consolas" pitchFamily="49" charset="0"/>
               </a:rPr>
-              <a:t> main()</a:t>
+              <a:t>uart</a:t>
+            </a:r>
+            <a:r>
+              <a:rPr lang="en-US" sz="1200" dirty="0">
+                <a:latin typeface="Consolas" pitchFamily="49" charset="0"/>
+              </a:rPr>
+              <a:t> </a:t>
+            </a:r>
+            <a:r>
+              <a:rPr lang="en-US" sz="1200" dirty="0" err="1">
+                <a:latin typeface="Consolas" pitchFamily="49" charset="0"/>
+              </a:rPr>
+              <a:t>clk</a:t>
+            </a:r>
+            <a:r>
+              <a:rPr lang="en-US" sz="1200" dirty="0">
+                <a:latin typeface="Consolas" pitchFamily="49" charset="0"/>
+              </a:rPr>
+              <a:t> enable	</a:t>
             </a:r>
           </a:p>
           <a:p>
@@ -11238,11 +11415,20 @@
               </a:spcAft>
             </a:pPr>
             <a:r>
-              <a:rPr lang="en-US" sz="2000" dirty="0">
+              <a:rPr lang="en-US" sz="1200" dirty="0">
                 <a:latin typeface="Consolas" pitchFamily="49" charset="0"/>
               </a:rPr>
-              <a:t>{</a:t>
-            </a:r>
+              <a:t>	//pin </a:t>
+            </a:r>
+            <a:r>
+              <a:rPr lang="en-US" sz="1200" dirty="0" err="1">
+                <a:latin typeface="Consolas" pitchFamily="49" charset="0"/>
+              </a:rPr>
+              <a:t>config</a:t>
+            </a:r>
+            <a:endParaRPr lang="en-US" sz="1200" dirty="0">
+              <a:latin typeface="Consolas" pitchFamily="49" charset="0"/>
+            </a:endParaRPr>
           </a:p>
           <a:p>
             <a:pPr lvl="0">
@@ -11254,23 +11440,20 @@
               </a:spcAft>
             </a:pPr>
             <a:r>
-              <a:rPr lang="en-US" sz="2000" dirty="0">
+              <a:rPr lang="en-US" sz="1200" dirty="0">
                 <a:latin typeface="Consolas" pitchFamily="49" charset="0"/>
               </a:rPr>
-              <a:t>	unsigned char </a:t>
-            </a:r>
-            <a:r>
-              <a:rPr lang="en-US" sz="2000" dirty="0" err="1">
+              <a:t>	//</a:t>
+            </a:r>
+            <a:r>
+              <a:rPr lang="en-US" sz="1200" dirty="0" smtClean="0">
                 <a:latin typeface="Consolas" pitchFamily="49" charset="0"/>
               </a:rPr>
-              <a:t>msg</a:t>
-            </a:r>
-            <a:r>
-              <a:rPr lang="en-US" sz="2000" dirty="0">
-                <a:latin typeface="Consolas" pitchFamily="49" charset="0"/>
-              </a:rPr>
-              <a:t>[]="hello";	</a:t>
-            </a:r>
+              <a:t>pa9-tx</a:t>
+            </a:r>
+            <a:endParaRPr lang="en-US" sz="1200" dirty="0">
+              <a:latin typeface="Consolas" pitchFamily="49" charset="0"/>
+            </a:endParaRPr>
           </a:p>
           <a:p>
             <a:pPr lvl="0">
@@ -11282,22 +11465,10 @@
               </a:spcAft>
             </a:pPr>
             <a:r>
-              <a:rPr lang="en-US" sz="2000" dirty="0">
+              <a:rPr lang="en-US" sz="1200" dirty="0">
                 <a:latin typeface="Consolas" pitchFamily="49" charset="0"/>
               </a:rPr>
-              <a:t>	</a:t>
-            </a:r>
-            <a:r>
-              <a:rPr lang="en-US" sz="2000" dirty="0" err="1">
-                <a:latin typeface="Consolas" pitchFamily="49" charset="0"/>
-              </a:rPr>
-              <a:t>gpio_init</a:t>
-            </a:r>
-            <a:r>
-              <a:rPr lang="en-US" sz="2000" dirty="0">
-                <a:latin typeface="Consolas" pitchFamily="49" charset="0"/>
-              </a:rPr>
-              <a:t>();	</a:t>
+              <a:t>	//pa10-rx	</a:t>
             </a:r>
           </a:p>
           <a:p>
@@ -11310,22 +11481,10 @@
               </a:spcAft>
             </a:pPr>
             <a:r>
-              <a:rPr lang="en-US" sz="2000" dirty="0">
+              <a:rPr lang="en-US" sz="1200" dirty="0">
                 <a:latin typeface="Consolas" pitchFamily="49" charset="0"/>
               </a:rPr>
-              <a:t>	</a:t>
-            </a:r>
-            <a:r>
-              <a:rPr lang="en-US" sz="2000" dirty="0" err="1">
-                <a:latin typeface="Consolas" pitchFamily="49" charset="0"/>
-              </a:rPr>
-              <a:t>uart_init</a:t>
-            </a:r>
-            <a:r>
-              <a:rPr lang="en-US" sz="2000" dirty="0">
-                <a:latin typeface="Consolas" pitchFamily="49" charset="0"/>
-              </a:rPr>
-              <a:t>();	</a:t>
+              <a:t>	GPIOA-&gt;CRH &amp;=0x00000000;//reset	</a:t>
             </a:r>
           </a:p>
           <a:p>
@@ -11338,23 +11497,20 @@
               </a:spcAft>
             </a:pPr>
             <a:r>
-              <a:rPr lang="en-US" sz="2000" dirty="0">
+              <a:rPr lang="en-US" sz="1200" dirty="0">
                 <a:latin typeface="Consolas" pitchFamily="49" charset="0"/>
               </a:rPr>
-              <a:t>	</a:t>
-            </a:r>
-            <a:r>
-              <a:rPr lang="en-US" sz="2000" dirty="0" err="1">
+              <a:t>	//</a:t>
+            </a:r>
+            <a:r>
+              <a:rPr lang="en-US" sz="1200" dirty="0" err="1">
                 <a:latin typeface="Consolas" pitchFamily="49" charset="0"/>
               </a:rPr>
-              <a:t>uart_tx</a:t>
-            </a:r>
-            <a:r>
-              <a:rPr lang="en-US" sz="2000" dirty="0">
-                <a:latin typeface="Consolas" pitchFamily="49" charset="0"/>
-              </a:rPr>
-              <a:t>('a');	</a:t>
-            </a:r>
+              <a:t>tx</a:t>
+            </a:r>
+            <a:endParaRPr lang="en-US" sz="1200" dirty="0">
+              <a:latin typeface="Consolas" pitchFamily="49" charset="0"/>
+            </a:endParaRPr>
           </a:p>
           <a:p>
             <a:pPr lvl="0">
@@ -11366,34 +11522,10 @@
               </a:spcAft>
             </a:pPr>
             <a:r>
-              <a:rPr lang="en-US" sz="2000" dirty="0">
+              <a:rPr lang="en-US" sz="1200" dirty="0">
                 <a:latin typeface="Consolas" pitchFamily="49" charset="0"/>
               </a:rPr>
-              <a:t>	</a:t>
-            </a:r>
-            <a:r>
-              <a:rPr lang="en-US" sz="2000" dirty="0" err="1">
-                <a:latin typeface="Consolas" pitchFamily="49" charset="0"/>
-              </a:rPr>
-              <a:t>uart_tx_string</a:t>
-            </a:r>
-            <a:r>
-              <a:rPr lang="en-US" sz="2000" dirty="0">
-                <a:latin typeface="Consolas" pitchFamily="49" charset="0"/>
-              </a:rPr>
-              <a:t>(</a:t>
-            </a:r>
-            <a:r>
-              <a:rPr lang="en-US" sz="2000" dirty="0" err="1">
-                <a:latin typeface="Consolas" pitchFamily="49" charset="0"/>
-              </a:rPr>
-              <a:t>msg</a:t>
-            </a:r>
-            <a:r>
-              <a:rPr lang="en-US" sz="2000" dirty="0">
-                <a:latin typeface="Consolas" pitchFamily="49" charset="0"/>
-              </a:rPr>
-              <a:t>);	</a:t>
+              <a:t>	GPIOA-&gt;CRH |=(3&lt;&lt;4);//output</a:t>
             </a:r>
           </a:p>
           <a:p>
@@ -11406,10 +11538,22 @@
               </a:spcAft>
             </a:pPr>
             <a:r>
-              <a:rPr lang="en-US" sz="2000" dirty="0">
+              <a:rPr lang="en-US" sz="1200" dirty="0">
                 <a:latin typeface="Consolas" pitchFamily="49" charset="0"/>
               </a:rPr>
-              <a:t>	while(1);</a:t>
+              <a:t>	GPIOA-&gt;CRH |=(2&lt;&lt;6);//alter </a:t>
+            </a:r>
+            <a:r>
+              <a:rPr lang="en-US" sz="1200" dirty="0" err="1">
+                <a:latin typeface="Consolas" pitchFamily="49" charset="0"/>
+              </a:rPr>
+              <a:t>pp</a:t>
+            </a:r>
+            <a:r>
+              <a:rPr lang="en-US" sz="1200" dirty="0">
+                <a:latin typeface="Consolas" pitchFamily="49" charset="0"/>
+              </a:rPr>
+              <a:t>	</a:t>
             </a:r>
           </a:p>
           <a:p>
@@ -11422,11 +11566,20 @@
               </a:spcAft>
             </a:pPr>
             <a:r>
-              <a:rPr lang="en-US" sz="2000" dirty="0">
+              <a:rPr lang="en-US" sz="1200" dirty="0">
                 <a:latin typeface="Consolas" pitchFamily="49" charset="0"/>
               </a:rPr>
-              <a:t>}</a:t>
-            </a:r>
+              <a:t>	//</a:t>
+            </a:r>
+            <a:r>
+              <a:rPr lang="en-US" sz="1200" dirty="0" err="1">
+                <a:latin typeface="Consolas" pitchFamily="49" charset="0"/>
+              </a:rPr>
+              <a:t>rx</a:t>
+            </a:r>
+            <a:endParaRPr lang="en-US" sz="1200" dirty="0">
+              <a:latin typeface="Consolas" pitchFamily="49" charset="0"/>
+            </a:endParaRPr>
           </a:p>
           <a:p>
             <a:pPr lvl="0">
@@ -11437,7 +11590,655 @@
                 <a:spcPts val="200"/>
               </a:spcAft>
             </a:pPr>
-            <a:endParaRPr lang="en-US" sz="2000" dirty="0">
+            <a:r>
+              <a:rPr lang="en-US" sz="1200" dirty="0">
+                <a:latin typeface="Consolas" pitchFamily="49" charset="0"/>
+              </a:rPr>
+              <a:t>	GPIOA-&gt;CRH &amp;=~(1&lt;&lt;8);//input</a:t>
+            </a:r>
+          </a:p>
+          <a:p>
+            <a:pPr lvl="0">
+              <a:spcBef>
+                <a:spcPts val="1000"/>
+              </a:spcBef>
+              <a:spcAft>
+                <a:spcPts val="200"/>
+              </a:spcAft>
+            </a:pPr>
+            <a:r>
+              <a:rPr lang="en-US" sz="1200" dirty="0">
+                <a:latin typeface="Consolas" pitchFamily="49" charset="0"/>
+              </a:rPr>
+              <a:t>	GPIOA-&gt;CRH |=(1&lt;&lt;10);//input </a:t>
+            </a:r>
+            <a:r>
+              <a:rPr lang="en-US" sz="1200" dirty="0" smtClean="0">
+                <a:latin typeface="Consolas" pitchFamily="49" charset="0"/>
+              </a:rPr>
+              <a:t>floating</a:t>
+            </a:r>
+            <a:endParaRPr lang="en-US" sz="1200" dirty="0">
+              <a:latin typeface="Consolas" pitchFamily="49" charset="0"/>
+            </a:endParaRPr>
+          </a:p>
+          <a:p>
+            <a:pPr lvl="0">
+              <a:spcBef>
+                <a:spcPts val="1000"/>
+              </a:spcBef>
+              <a:spcAft>
+                <a:spcPts val="200"/>
+              </a:spcAft>
+            </a:pPr>
+            <a:r>
+              <a:rPr lang="en-US" sz="1200" dirty="0">
+                <a:latin typeface="Consolas" pitchFamily="49" charset="0"/>
+              </a:rPr>
+              <a:t>}	</a:t>
+            </a:r>
+            <a:endParaRPr lang="en-US" sz="1200" dirty="0" smtClean="0">
+              <a:latin typeface="Consolas" pitchFamily="49" charset="0"/>
+            </a:endParaRPr>
+          </a:p>
+          <a:p>
+            <a:pPr lvl="0">
+              <a:spcBef>
+                <a:spcPts val="1000"/>
+              </a:spcBef>
+              <a:spcAft>
+                <a:spcPts val="200"/>
+              </a:spcAft>
+            </a:pPr>
+            <a:endParaRPr lang="en-US" sz="1200" dirty="0" smtClean="0">
+              <a:latin typeface="Consolas" pitchFamily="49" charset="0"/>
+            </a:endParaRPr>
+          </a:p>
+          <a:p>
+            <a:pPr lvl="0">
+              <a:spcBef>
+                <a:spcPts val="1000"/>
+              </a:spcBef>
+              <a:spcAft>
+                <a:spcPts val="200"/>
+              </a:spcAft>
+            </a:pPr>
+            <a:endParaRPr lang="en-US" sz="1200" dirty="0">
+              <a:latin typeface="Consolas" pitchFamily="49" charset="0"/>
+            </a:endParaRPr>
+          </a:p>
+          <a:p>
+            <a:pPr lvl="0">
+              <a:spcBef>
+                <a:spcPts val="1000"/>
+              </a:spcBef>
+              <a:spcAft>
+                <a:spcPts val="200"/>
+              </a:spcAft>
+            </a:pPr>
+            <a:endParaRPr lang="en-US" sz="1200" dirty="0" smtClean="0">
+              <a:latin typeface="Consolas" pitchFamily="49" charset="0"/>
+            </a:endParaRPr>
+          </a:p>
+          <a:p>
+            <a:pPr lvl="0">
+              <a:spcBef>
+                <a:spcPts val="1000"/>
+              </a:spcBef>
+              <a:spcAft>
+                <a:spcPts val="200"/>
+              </a:spcAft>
+            </a:pPr>
+            <a:endParaRPr lang="en-US" sz="1200" dirty="0">
+              <a:latin typeface="Consolas" pitchFamily="49" charset="0"/>
+            </a:endParaRPr>
+          </a:p>
+          <a:p>
+            <a:pPr lvl="0">
+              <a:spcBef>
+                <a:spcPts val="1000"/>
+              </a:spcBef>
+              <a:spcAft>
+                <a:spcPts val="200"/>
+              </a:spcAft>
+            </a:pPr>
+            <a:endParaRPr lang="en-US" sz="1200" dirty="0" smtClean="0">
+              <a:latin typeface="Consolas" pitchFamily="49" charset="0"/>
+            </a:endParaRPr>
+          </a:p>
+          <a:p>
+            <a:pPr lvl="0">
+              <a:spcBef>
+                <a:spcPts val="1000"/>
+              </a:spcBef>
+              <a:spcAft>
+                <a:spcPts val="200"/>
+              </a:spcAft>
+            </a:pPr>
+            <a:endParaRPr lang="en-US" sz="1200" dirty="0">
+              <a:latin typeface="Consolas" pitchFamily="49" charset="0"/>
+            </a:endParaRPr>
+          </a:p>
+          <a:p>
+            <a:pPr lvl="0">
+              <a:spcBef>
+                <a:spcPts val="1000"/>
+              </a:spcBef>
+              <a:spcAft>
+                <a:spcPts val="200"/>
+              </a:spcAft>
+            </a:pPr>
+            <a:endParaRPr lang="en-US" sz="1200" dirty="0" smtClean="0">
+              <a:latin typeface="Consolas" pitchFamily="49" charset="0"/>
+            </a:endParaRPr>
+          </a:p>
+          <a:p>
+            <a:pPr lvl="0">
+              <a:spcBef>
+                <a:spcPts val="1000"/>
+              </a:spcBef>
+              <a:spcAft>
+                <a:spcPts val="200"/>
+              </a:spcAft>
+            </a:pPr>
+            <a:endParaRPr lang="en-US" sz="1200" dirty="0">
+              <a:latin typeface="Consolas" pitchFamily="49" charset="0"/>
+            </a:endParaRPr>
+          </a:p>
+          <a:p>
+            <a:pPr lvl="0">
+              <a:spcBef>
+                <a:spcPts val="1000"/>
+              </a:spcBef>
+              <a:spcAft>
+                <a:spcPts val="200"/>
+              </a:spcAft>
+            </a:pPr>
+            <a:endParaRPr lang="en-US" sz="1200" dirty="0" smtClean="0">
+              <a:latin typeface="Consolas" pitchFamily="49" charset="0"/>
+            </a:endParaRPr>
+          </a:p>
+          <a:p>
+            <a:pPr lvl="0">
+              <a:spcBef>
+                <a:spcPts val="1000"/>
+              </a:spcBef>
+              <a:spcAft>
+                <a:spcPts val="200"/>
+              </a:spcAft>
+            </a:pPr>
+            <a:endParaRPr lang="en-US" sz="1200" dirty="0" smtClean="0">
+              <a:latin typeface="Consolas" pitchFamily="49" charset="0"/>
+            </a:endParaRPr>
+          </a:p>
+          <a:p>
+            <a:pPr lvl="0">
+              <a:spcBef>
+                <a:spcPts val="1000"/>
+              </a:spcBef>
+              <a:spcAft>
+                <a:spcPts val="200"/>
+              </a:spcAft>
+            </a:pPr>
+            <a:endParaRPr lang="en-US" sz="1200" dirty="0">
+              <a:latin typeface="Consolas" pitchFamily="49" charset="0"/>
+            </a:endParaRPr>
+          </a:p>
+          <a:p>
+            <a:pPr lvl="0">
+              <a:spcBef>
+                <a:spcPts val="1000"/>
+              </a:spcBef>
+              <a:spcAft>
+                <a:spcPts val="200"/>
+              </a:spcAft>
+            </a:pPr>
+            <a:endParaRPr lang="en-US" sz="1200" dirty="0" smtClean="0">
+              <a:latin typeface="Consolas" pitchFamily="49" charset="0"/>
+            </a:endParaRPr>
+          </a:p>
+          <a:p>
+            <a:pPr lvl="0">
+              <a:spcBef>
+                <a:spcPts val="1000"/>
+              </a:spcBef>
+              <a:spcAft>
+                <a:spcPts val="200"/>
+              </a:spcAft>
+            </a:pPr>
+            <a:r>
+              <a:rPr lang="en-US" sz="1200" dirty="0" smtClean="0">
+                <a:latin typeface="Consolas" pitchFamily="49" charset="0"/>
+              </a:rPr>
+              <a:t>void </a:t>
+            </a:r>
+            <a:r>
+              <a:rPr lang="en-US" sz="1200" dirty="0" err="1" smtClean="0">
+                <a:latin typeface="Consolas" pitchFamily="49" charset="0"/>
+              </a:rPr>
+              <a:t>uart_init</a:t>
+            </a:r>
+            <a:r>
+              <a:rPr lang="en-US" sz="1200" dirty="0" smtClean="0">
+                <a:latin typeface="Consolas" pitchFamily="49" charset="0"/>
+              </a:rPr>
+              <a:t>()</a:t>
+            </a:r>
+          </a:p>
+          <a:p>
+            <a:pPr lvl="0">
+              <a:spcBef>
+                <a:spcPts val="1000"/>
+              </a:spcBef>
+              <a:spcAft>
+                <a:spcPts val="200"/>
+              </a:spcAft>
+            </a:pPr>
+            <a:r>
+              <a:rPr lang="en-US" sz="1200" dirty="0" smtClean="0">
+                <a:latin typeface="Consolas" pitchFamily="49" charset="0"/>
+              </a:rPr>
+              <a:t>{</a:t>
+            </a:r>
+          </a:p>
+          <a:p>
+            <a:pPr lvl="0">
+              <a:spcBef>
+                <a:spcPts val="1000"/>
+              </a:spcBef>
+              <a:spcAft>
+                <a:spcPts val="200"/>
+              </a:spcAft>
+            </a:pPr>
+            <a:r>
+              <a:rPr lang="en-US" sz="1200" dirty="0" smtClean="0">
+                <a:latin typeface="Consolas" pitchFamily="49" charset="0"/>
+              </a:rPr>
+              <a:t>	USART1-&gt;CR1 &amp;=0x00000000;</a:t>
+            </a:r>
+          </a:p>
+          <a:p>
+            <a:pPr lvl="0">
+              <a:spcBef>
+                <a:spcPts val="1000"/>
+              </a:spcBef>
+              <a:spcAft>
+                <a:spcPts val="200"/>
+              </a:spcAft>
+            </a:pPr>
+            <a:r>
+              <a:rPr lang="en-US" sz="1200" dirty="0" smtClean="0">
+                <a:latin typeface="Consolas" pitchFamily="49" charset="0"/>
+              </a:rPr>
+              <a:t>	USART1-&gt;CR2 &amp;=0x00000000;</a:t>
+            </a:r>
+          </a:p>
+          <a:p>
+            <a:pPr lvl="0">
+              <a:spcBef>
+                <a:spcPts val="1000"/>
+              </a:spcBef>
+              <a:spcAft>
+                <a:spcPts val="200"/>
+              </a:spcAft>
+            </a:pPr>
+            <a:r>
+              <a:rPr lang="en-US" sz="1200" dirty="0" smtClean="0">
+                <a:latin typeface="Consolas" pitchFamily="49" charset="0"/>
+              </a:rPr>
+              <a:t>	USART1-&gt;CR3 &amp;=0x00000000;	</a:t>
+            </a:r>
+          </a:p>
+          <a:p>
+            <a:pPr lvl="0">
+              <a:spcBef>
+                <a:spcPts val="1000"/>
+              </a:spcBef>
+              <a:spcAft>
+                <a:spcPts val="200"/>
+              </a:spcAft>
+            </a:pPr>
+            <a:r>
+              <a:rPr lang="en-US" sz="1200" dirty="0" smtClean="0">
+                <a:latin typeface="Consolas" pitchFamily="49" charset="0"/>
+              </a:rPr>
+              <a:t>	//baud rate </a:t>
+            </a:r>
+            <a:r>
+              <a:rPr lang="en-US" sz="1200" dirty="0" err="1" smtClean="0">
+                <a:latin typeface="Consolas" pitchFamily="49" charset="0"/>
+              </a:rPr>
+              <a:t>config</a:t>
+            </a:r>
+            <a:r>
+              <a:rPr lang="en-US" sz="1200" dirty="0" smtClean="0">
+                <a:latin typeface="Consolas" pitchFamily="49" charset="0"/>
+              </a:rPr>
+              <a:t>	</a:t>
+            </a:r>
+          </a:p>
+          <a:p>
+            <a:pPr lvl="0">
+              <a:spcBef>
+                <a:spcPts val="1000"/>
+              </a:spcBef>
+              <a:spcAft>
+                <a:spcPts val="200"/>
+              </a:spcAft>
+            </a:pPr>
+            <a:r>
+              <a:rPr lang="en-US" sz="1200" dirty="0" smtClean="0">
+                <a:latin typeface="Consolas" pitchFamily="49" charset="0"/>
+              </a:rPr>
+              <a:t>	//</a:t>
+            </a:r>
+            <a:r>
+              <a:rPr lang="en-US" sz="1200" dirty="0" err="1" smtClean="0">
+                <a:latin typeface="Consolas" pitchFamily="49" charset="0"/>
+              </a:rPr>
+              <a:t>Tx</a:t>
+            </a:r>
+            <a:r>
+              <a:rPr lang="en-US" sz="1200" dirty="0" smtClean="0">
+                <a:latin typeface="Consolas" pitchFamily="49" charset="0"/>
+              </a:rPr>
+              <a:t>/ Rx baud rate =</a:t>
+            </a:r>
+            <a:r>
+              <a:rPr lang="en-US" sz="1200" dirty="0" err="1" smtClean="0">
+                <a:latin typeface="Consolas" pitchFamily="49" charset="0"/>
+              </a:rPr>
+              <a:t>fclk</a:t>
+            </a:r>
+            <a:r>
+              <a:rPr lang="en-US" sz="1200" dirty="0" smtClean="0">
+                <a:latin typeface="Consolas" pitchFamily="49" charset="0"/>
+              </a:rPr>
+              <a:t>/(16*USARTDIV)</a:t>
+            </a:r>
+          </a:p>
+          <a:p>
+            <a:pPr lvl="0">
+              <a:spcBef>
+                <a:spcPts val="1000"/>
+              </a:spcBef>
+              <a:spcAft>
+                <a:spcPts val="200"/>
+              </a:spcAft>
+            </a:pPr>
+            <a:r>
+              <a:rPr lang="en-US" sz="1200" dirty="0" smtClean="0">
+                <a:latin typeface="Consolas" pitchFamily="49" charset="0"/>
+              </a:rPr>
+              <a:t>	//</a:t>
+            </a:r>
+            <a:r>
+              <a:rPr lang="en-US" sz="1200" dirty="0" err="1" smtClean="0">
+                <a:latin typeface="Consolas" pitchFamily="49" charset="0"/>
+              </a:rPr>
+              <a:t>fclk</a:t>
+            </a:r>
+            <a:r>
+              <a:rPr lang="en-US" sz="1200" dirty="0" smtClean="0">
+                <a:latin typeface="Consolas" pitchFamily="49" charset="0"/>
+              </a:rPr>
+              <a:t>=8mhz ; baud rate=9600; 	USARTDIV=</a:t>
+            </a:r>
+            <a:r>
+              <a:rPr lang="en-US" sz="1200" dirty="0" err="1" smtClean="0">
+                <a:latin typeface="Consolas" pitchFamily="49" charset="0"/>
+              </a:rPr>
+              <a:t>DIV_Mantissa+DIV_Fraction</a:t>
+            </a:r>
+            <a:r>
+              <a:rPr lang="en-US" sz="1200" dirty="0" smtClean="0">
+                <a:latin typeface="Consolas" pitchFamily="49" charset="0"/>
+              </a:rPr>
+              <a:t>=52.083	</a:t>
+            </a:r>
+          </a:p>
+          <a:p>
+            <a:pPr lvl="0">
+              <a:spcBef>
+                <a:spcPts val="1000"/>
+              </a:spcBef>
+              <a:spcAft>
+                <a:spcPts val="200"/>
+              </a:spcAft>
+            </a:pPr>
+            <a:r>
+              <a:rPr lang="en-US" sz="1200" dirty="0" smtClean="0">
+                <a:latin typeface="Consolas" pitchFamily="49" charset="0"/>
+              </a:rPr>
+              <a:t>	USART1-&gt;BRR &amp;=0x00000000;</a:t>
+            </a:r>
+          </a:p>
+          <a:p>
+            <a:pPr lvl="0">
+              <a:spcBef>
+                <a:spcPts val="1000"/>
+              </a:spcBef>
+              <a:spcAft>
+                <a:spcPts val="200"/>
+              </a:spcAft>
+            </a:pPr>
+            <a:r>
+              <a:rPr lang="en-US" sz="1200" dirty="0" smtClean="0">
+                <a:latin typeface="Consolas" pitchFamily="49" charset="0"/>
+              </a:rPr>
+              <a:t>	USART1-&gt;BRR |=(52&lt;&lt;4); //mantissa</a:t>
+            </a:r>
+          </a:p>
+          <a:p>
+            <a:pPr lvl="0">
+              <a:spcBef>
+                <a:spcPts val="1000"/>
+              </a:spcBef>
+              <a:spcAft>
+                <a:spcPts val="200"/>
+              </a:spcAft>
+            </a:pPr>
+            <a:r>
+              <a:rPr lang="en-US" sz="1200" dirty="0" smtClean="0">
+                <a:latin typeface="Consolas" pitchFamily="49" charset="0"/>
+              </a:rPr>
+              <a:t>	USART1-&gt;BRR |=(1&lt;&lt;0); //Fraction	</a:t>
+            </a:r>
+          </a:p>
+          <a:p>
+            <a:pPr lvl="0">
+              <a:spcBef>
+                <a:spcPts val="1000"/>
+              </a:spcBef>
+              <a:spcAft>
+                <a:spcPts val="200"/>
+              </a:spcAft>
+            </a:pPr>
+            <a:r>
+              <a:rPr lang="en-US" sz="1200" dirty="0" smtClean="0">
+                <a:latin typeface="Consolas" pitchFamily="49" charset="0"/>
+              </a:rPr>
+              <a:t>	//USART_STD_BAUD_9600;</a:t>
+            </a:r>
+          </a:p>
+          <a:p>
+            <a:pPr lvl="0">
+              <a:spcBef>
+                <a:spcPts val="1000"/>
+              </a:spcBef>
+              <a:spcAft>
+                <a:spcPts val="200"/>
+              </a:spcAft>
+            </a:pPr>
+            <a:r>
+              <a:rPr lang="en-US" sz="1200" dirty="0" smtClean="0">
+                <a:latin typeface="Consolas" pitchFamily="49" charset="0"/>
+              </a:rPr>
+              <a:t>	//USART_HW_FLOW_CTRL_NONE;</a:t>
+            </a:r>
+          </a:p>
+          <a:p>
+            <a:pPr lvl="0">
+              <a:spcBef>
+                <a:spcPts val="1000"/>
+              </a:spcBef>
+              <a:spcAft>
+                <a:spcPts val="200"/>
+              </a:spcAft>
+            </a:pPr>
+            <a:r>
+              <a:rPr lang="en-US" sz="1200" dirty="0" smtClean="0">
+                <a:latin typeface="Consolas" pitchFamily="49" charset="0"/>
+              </a:rPr>
+              <a:t>	//USART_MODE_ONLY_TX;</a:t>
+            </a:r>
+          </a:p>
+          <a:p>
+            <a:pPr lvl="0">
+              <a:spcBef>
+                <a:spcPts val="1000"/>
+              </a:spcBef>
+              <a:spcAft>
+                <a:spcPts val="200"/>
+              </a:spcAft>
+            </a:pPr>
+            <a:r>
+              <a:rPr lang="en-US" sz="1200" dirty="0" smtClean="0">
+                <a:latin typeface="Consolas" pitchFamily="49" charset="0"/>
+              </a:rPr>
+              <a:t>	//USART_STOPBITS_1;</a:t>
+            </a:r>
+          </a:p>
+          <a:p>
+            <a:pPr lvl="0">
+              <a:spcBef>
+                <a:spcPts val="1000"/>
+              </a:spcBef>
+              <a:spcAft>
+                <a:spcPts val="200"/>
+              </a:spcAft>
+            </a:pPr>
+            <a:r>
+              <a:rPr lang="en-US" sz="1200" dirty="0" smtClean="0">
+                <a:latin typeface="Consolas" pitchFamily="49" charset="0"/>
+              </a:rPr>
+              <a:t>	//USART_WORDLEN_8BITS;</a:t>
+            </a:r>
+          </a:p>
+          <a:p>
+            <a:pPr lvl="0">
+              <a:spcBef>
+                <a:spcPts val="1000"/>
+              </a:spcBef>
+              <a:spcAft>
+                <a:spcPts val="200"/>
+              </a:spcAft>
+            </a:pPr>
+            <a:r>
+              <a:rPr lang="en-US" sz="1200" dirty="0" smtClean="0">
+                <a:latin typeface="Consolas" pitchFamily="49" charset="0"/>
+              </a:rPr>
+              <a:t>	//USART_PARITY_DISABLE;	</a:t>
+            </a:r>
+          </a:p>
+          <a:p>
+            <a:pPr lvl="0">
+              <a:spcBef>
+                <a:spcPts val="1000"/>
+              </a:spcBef>
+              <a:spcAft>
+                <a:spcPts val="200"/>
+              </a:spcAft>
+            </a:pPr>
+            <a:r>
+              <a:rPr lang="en-US" sz="1200" dirty="0" smtClean="0">
+                <a:latin typeface="Consolas" pitchFamily="49" charset="0"/>
+              </a:rPr>
+              <a:t>	USART1-&gt;CR1 |=(1&lt;&lt;3); //</a:t>
+            </a:r>
+            <a:r>
+              <a:rPr lang="en-US" sz="1200" dirty="0" err="1" smtClean="0">
+                <a:latin typeface="Consolas" pitchFamily="49" charset="0"/>
+              </a:rPr>
+              <a:t>tx</a:t>
+            </a:r>
+            <a:r>
+              <a:rPr lang="en-US" sz="1200" dirty="0" smtClean="0">
+                <a:latin typeface="Consolas" pitchFamily="49" charset="0"/>
+              </a:rPr>
+              <a:t> enable</a:t>
+            </a:r>
+          </a:p>
+          <a:p>
+            <a:pPr lvl="0">
+              <a:spcBef>
+                <a:spcPts val="1000"/>
+              </a:spcBef>
+              <a:spcAft>
+                <a:spcPts val="200"/>
+              </a:spcAft>
+            </a:pPr>
+            <a:r>
+              <a:rPr lang="en-US" sz="1200" dirty="0" smtClean="0">
+                <a:latin typeface="Consolas" pitchFamily="49" charset="0"/>
+              </a:rPr>
+              <a:t>	USART1-&gt;CR1 |=(1&lt;&lt;13); //</a:t>
+            </a:r>
+            <a:r>
+              <a:rPr lang="en-US" sz="1200" dirty="0" err="1" smtClean="0">
+                <a:latin typeface="Consolas" pitchFamily="49" charset="0"/>
+              </a:rPr>
+              <a:t>uart</a:t>
+            </a:r>
+            <a:r>
+              <a:rPr lang="en-US" sz="1200" dirty="0" smtClean="0">
+                <a:latin typeface="Consolas" pitchFamily="49" charset="0"/>
+              </a:rPr>
+              <a:t> enable	</a:t>
+            </a:r>
+          </a:p>
+          <a:p>
+            <a:pPr lvl="0">
+              <a:spcBef>
+                <a:spcPts val="1000"/>
+              </a:spcBef>
+              <a:spcAft>
+                <a:spcPts val="200"/>
+              </a:spcAft>
+            </a:pPr>
+            <a:r>
+              <a:rPr lang="en-US" sz="1200" dirty="0" smtClean="0">
+                <a:latin typeface="Consolas" pitchFamily="49" charset="0"/>
+              </a:rPr>
+              <a:t>}</a:t>
+            </a:r>
+          </a:p>
+          <a:p>
+            <a:pPr lvl="0">
+              <a:spcBef>
+                <a:spcPts val="1000"/>
+              </a:spcBef>
+              <a:spcAft>
+                <a:spcPts val="200"/>
+              </a:spcAft>
+            </a:pPr>
+            <a:r>
+              <a:rPr lang="en-US" sz="1200" dirty="0" smtClean="0">
+                <a:latin typeface="Consolas" pitchFamily="49" charset="0"/>
+              </a:rPr>
+              <a:t>	</a:t>
+            </a:r>
+          </a:p>
+          <a:p>
+            <a:pPr lvl="0">
+              <a:spcBef>
+                <a:spcPts val="1000"/>
+              </a:spcBef>
+              <a:spcAft>
+                <a:spcPts val="200"/>
+              </a:spcAft>
+            </a:pPr>
+            <a:endParaRPr lang="en-US" sz="1200" dirty="0">
               <a:latin typeface="Consolas" pitchFamily="49" charset="0"/>
             </a:endParaRPr>
           </a:p>
@@ -11446,7 +12247,7 @@
     </p:spTree>
     <p:extLst>
       <p:ext uri="{BB962C8B-B14F-4D97-AF65-F5344CB8AC3E}">
-        <p14:creationId xmlns:p14="http://schemas.microsoft.com/office/powerpoint/2010/main" val="2189314710"/>
+        <p14:creationId xmlns:p14="http://schemas.microsoft.com/office/powerpoint/2010/main" val="4112677201"/>
       </p:ext>
     </p:extLst>
   </p:cSld>
@@ -11862,1213 +12663,6 @@
         </p:nvSpPr>
         <p:spPr>
           <a:xfrm>
-            <a:off x="129209" y="1"/>
-            <a:ext cx="11863862" cy="10229418"/>
-          </a:xfrm>
-          <a:prstGeom prst="rect">
-            <a:avLst/>
-          </a:prstGeom>
-          <a:noFill/>
-        </p:spPr>
-        <p:txBody>
-          <a:bodyPr wrap="square" numCol="2" rtlCol="0">
-            <a:spAutoFit/>
-          </a:bodyPr>
-          <a:lstStyle/>
-          <a:p>
-            <a:pPr lvl="0">
-              <a:spcBef>
-                <a:spcPts val="1000"/>
-              </a:spcBef>
-              <a:spcAft>
-                <a:spcPts val="200"/>
-              </a:spcAft>
-            </a:pPr>
-            <a:endParaRPr lang="en-US" sz="1200" dirty="0">
-              <a:latin typeface="Consolas" pitchFamily="49" charset="0"/>
-            </a:endParaRPr>
-          </a:p>
-          <a:p>
-            <a:pPr lvl="0">
-              <a:spcBef>
-                <a:spcPts val="1000"/>
-              </a:spcBef>
-              <a:spcAft>
-                <a:spcPts val="200"/>
-              </a:spcAft>
-            </a:pPr>
-            <a:r>
-              <a:rPr lang="en-US" sz="1200" dirty="0">
-                <a:latin typeface="Consolas" pitchFamily="49" charset="0"/>
-              </a:rPr>
-              <a:t>void </a:t>
-            </a:r>
-            <a:r>
-              <a:rPr lang="en-US" sz="1200" dirty="0" err="1">
-                <a:latin typeface="Consolas" pitchFamily="49" charset="0"/>
-              </a:rPr>
-              <a:t>gpio_init</a:t>
-            </a:r>
-            <a:r>
-              <a:rPr lang="en-US" sz="1200" dirty="0">
-                <a:latin typeface="Consolas" pitchFamily="49" charset="0"/>
-              </a:rPr>
-              <a:t>()</a:t>
-            </a:r>
-          </a:p>
-          <a:p>
-            <a:pPr lvl="0">
-              <a:spcBef>
-                <a:spcPts val="1000"/>
-              </a:spcBef>
-              <a:spcAft>
-                <a:spcPts val="200"/>
-              </a:spcAft>
-            </a:pPr>
-            <a:r>
-              <a:rPr lang="en-US" sz="1200" dirty="0">
-                <a:latin typeface="Consolas" pitchFamily="49" charset="0"/>
-              </a:rPr>
-              <a:t>{</a:t>
-            </a:r>
-          </a:p>
-          <a:p>
-            <a:pPr lvl="0">
-              <a:spcBef>
-                <a:spcPts val="1000"/>
-              </a:spcBef>
-              <a:spcAft>
-                <a:spcPts val="200"/>
-              </a:spcAft>
-            </a:pPr>
-            <a:r>
-              <a:rPr lang="en-US" sz="1200" dirty="0">
-                <a:latin typeface="Consolas" pitchFamily="49" charset="0"/>
-              </a:rPr>
-              <a:t>	//</a:t>
-            </a:r>
-            <a:r>
-              <a:rPr lang="en-US" sz="1200" dirty="0" err="1">
-                <a:latin typeface="Consolas" pitchFamily="49" charset="0"/>
-              </a:rPr>
-              <a:t>clk</a:t>
-            </a:r>
-            <a:r>
-              <a:rPr lang="en-US" sz="1200" dirty="0">
-                <a:latin typeface="Consolas" pitchFamily="49" charset="0"/>
-              </a:rPr>
-              <a:t> </a:t>
-            </a:r>
-            <a:r>
-              <a:rPr lang="en-US" sz="1200" dirty="0" err="1">
-                <a:latin typeface="Consolas" pitchFamily="49" charset="0"/>
-              </a:rPr>
-              <a:t>init</a:t>
-            </a:r>
-            <a:r>
-              <a:rPr lang="en-US" sz="1200" dirty="0">
-                <a:latin typeface="Consolas" pitchFamily="49" charset="0"/>
-              </a:rPr>
-              <a:t>()</a:t>
-            </a:r>
-          </a:p>
-          <a:p>
-            <a:pPr lvl="0">
-              <a:spcBef>
-                <a:spcPts val="1000"/>
-              </a:spcBef>
-              <a:spcAft>
-                <a:spcPts val="200"/>
-              </a:spcAft>
-            </a:pPr>
-            <a:r>
-              <a:rPr lang="en-US" sz="1200" dirty="0">
-                <a:latin typeface="Consolas" pitchFamily="49" charset="0"/>
-              </a:rPr>
-              <a:t>	RCC-&gt;APB2ENR &amp;=0x00000000;//reset</a:t>
-            </a:r>
-          </a:p>
-          <a:p>
-            <a:pPr lvl="0">
-              <a:spcBef>
-                <a:spcPts val="1000"/>
-              </a:spcBef>
-              <a:spcAft>
-                <a:spcPts val="200"/>
-              </a:spcAft>
-            </a:pPr>
-            <a:r>
-              <a:rPr lang="en-US" sz="1200" dirty="0">
-                <a:latin typeface="Consolas" pitchFamily="49" charset="0"/>
-              </a:rPr>
-              <a:t>	RCC-&gt;APB2ENR |=(1&lt;&lt;2);  //</a:t>
-            </a:r>
-            <a:r>
-              <a:rPr lang="en-US" sz="1200" dirty="0" err="1">
-                <a:latin typeface="Consolas" pitchFamily="49" charset="0"/>
-              </a:rPr>
-              <a:t>porta</a:t>
-            </a:r>
-            <a:r>
-              <a:rPr lang="en-US" sz="1200" dirty="0">
-                <a:latin typeface="Consolas" pitchFamily="49" charset="0"/>
-              </a:rPr>
-              <a:t> </a:t>
-            </a:r>
-            <a:r>
-              <a:rPr lang="en-US" sz="1200" dirty="0" err="1">
-                <a:latin typeface="Consolas" pitchFamily="49" charset="0"/>
-              </a:rPr>
-              <a:t>clk</a:t>
-            </a:r>
-            <a:r>
-              <a:rPr lang="en-US" sz="1200" dirty="0">
-                <a:latin typeface="Consolas" pitchFamily="49" charset="0"/>
-              </a:rPr>
-              <a:t> enable</a:t>
-            </a:r>
-          </a:p>
-          <a:p>
-            <a:pPr lvl="0">
-              <a:spcBef>
-                <a:spcPts val="1000"/>
-              </a:spcBef>
-              <a:spcAft>
-                <a:spcPts val="200"/>
-              </a:spcAft>
-            </a:pPr>
-            <a:r>
-              <a:rPr lang="en-US" sz="1200" dirty="0">
-                <a:latin typeface="Consolas" pitchFamily="49" charset="0"/>
-              </a:rPr>
-              <a:t>	RCC-&gt;APB2ENR |=(1&lt;&lt;14);//</a:t>
-            </a:r>
-            <a:r>
-              <a:rPr lang="en-US" sz="1200" dirty="0" err="1">
-                <a:latin typeface="Consolas" pitchFamily="49" charset="0"/>
-              </a:rPr>
-              <a:t>uart</a:t>
-            </a:r>
-            <a:r>
-              <a:rPr lang="en-US" sz="1200" dirty="0">
-                <a:latin typeface="Consolas" pitchFamily="49" charset="0"/>
-              </a:rPr>
-              <a:t> </a:t>
-            </a:r>
-            <a:r>
-              <a:rPr lang="en-US" sz="1200" dirty="0" err="1">
-                <a:latin typeface="Consolas" pitchFamily="49" charset="0"/>
-              </a:rPr>
-              <a:t>clk</a:t>
-            </a:r>
-            <a:r>
-              <a:rPr lang="en-US" sz="1200" dirty="0">
-                <a:latin typeface="Consolas" pitchFamily="49" charset="0"/>
-              </a:rPr>
-              <a:t> enable	</a:t>
-            </a:r>
-          </a:p>
-          <a:p>
-            <a:pPr lvl="0">
-              <a:spcBef>
-                <a:spcPts val="1000"/>
-              </a:spcBef>
-              <a:spcAft>
-                <a:spcPts val="200"/>
-              </a:spcAft>
-            </a:pPr>
-            <a:r>
-              <a:rPr lang="en-US" sz="1200" dirty="0">
-                <a:latin typeface="Consolas" pitchFamily="49" charset="0"/>
-              </a:rPr>
-              <a:t>	//pin </a:t>
-            </a:r>
-            <a:r>
-              <a:rPr lang="en-US" sz="1200" dirty="0" err="1">
-                <a:latin typeface="Consolas" pitchFamily="49" charset="0"/>
-              </a:rPr>
-              <a:t>config</a:t>
-            </a:r>
-            <a:endParaRPr lang="en-US" sz="1200" dirty="0">
-              <a:latin typeface="Consolas" pitchFamily="49" charset="0"/>
-            </a:endParaRPr>
-          </a:p>
-          <a:p>
-            <a:pPr lvl="0">
-              <a:spcBef>
-                <a:spcPts val="1000"/>
-              </a:spcBef>
-              <a:spcAft>
-                <a:spcPts val="200"/>
-              </a:spcAft>
-            </a:pPr>
-            <a:r>
-              <a:rPr lang="en-US" sz="1200" dirty="0">
-                <a:latin typeface="Consolas" pitchFamily="49" charset="0"/>
-              </a:rPr>
-              <a:t>	//</a:t>
-            </a:r>
-            <a:r>
-              <a:rPr lang="en-US" sz="1200" dirty="0" smtClean="0">
-                <a:latin typeface="Consolas" pitchFamily="49" charset="0"/>
-              </a:rPr>
-              <a:t>pa9-tx</a:t>
-            </a:r>
-            <a:endParaRPr lang="en-US" sz="1200" dirty="0">
-              <a:latin typeface="Consolas" pitchFamily="49" charset="0"/>
-            </a:endParaRPr>
-          </a:p>
-          <a:p>
-            <a:pPr lvl="0">
-              <a:spcBef>
-                <a:spcPts val="1000"/>
-              </a:spcBef>
-              <a:spcAft>
-                <a:spcPts val="200"/>
-              </a:spcAft>
-            </a:pPr>
-            <a:r>
-              <a:rPr lang="en-US" sz="1200" dirty="0">
-                <a:latin typeface="Consolas" pitchFamily="49" charset="0"/>
-              </a:rPr>
-              <a:t>	//pa10-rx	</a:t>
-            </a:r>
-          </a:p>
-          <a:p>
-            <a:pPr lvl="0">
-              <a:spcBef>
-                <a:spcPts val="1000"/>
-              </a:spcBef>
-              <a:spcAft>
-                <a:spcPts val="200"/>
-              </a:spcAft>
-            </a:pPr>
-            <a:r>
-              <a:rPr lang="en-US" sz="1200" dirty="0">
-                <a:latin typeface="Consolas" pitchFamily="49" charset="0"/>
-              </a:rPr>
-              <a:t>	GPIOA-&gt;CRH &amp;=0x00000000;//reset	</a:t>
-            </a:r>
-          </a:p>
-          <a:p>
-            <a:pPr lvl="0">
-              <a:spcBef>
-                <a:spcPts val="1000"/>
-              </a:spcBef>
-              <a:spcAft>
-                <a:spcPts val="200"/>
-              </a:spcAft>
-            </a:pPr>
-            <a:r>
-              <a:rPr lang="en-US" sz="1200" dirty="0">
-                <a:latin typeface="Consolas" pitchFamily="49" charset="0"/>
-              </a:rPr>
-              <a:t>	//</a:t>
-            </a:r>
-            <a:r>
-              <a:rPr lang="en-US" sz="1200" dirty="0" err="1">
-                <a:latin typeface="Consolas" pitchFamily="49" charset="0"/>
-              </a:rPr>
-              <a:t>tx</a:t>
-            </a:r>
-            <a:endParaRPr lang="en-US" sz="1200" dirty="0">
-              <a:latin typeface="Consolas" pitchFamily="49" charset="0"/>
-            </a:endParaRPr>
-          </a:p>
-          <a:p>
-            <a:pPr lvl="0">
-              <a:spcBef>
-                <a:spcPts val="1000"/>
-              </a:spcBef>
-              <a:spcAft>
-                <a:spcPts val="200"/>
-              </a:spcAft>
-            </a:pPr>
-            <a:r>
-              <a:rPr lang="en-US" sz="1200" dirty="0">
-                <a:latin typeface="Consolas" pitchFamily="49" charset="0"/>
-              </a:rPr>
-              <a:t>	GPIOA-&gt;CRH |=(3&lt;&lt;4);//output</a:t>
-            </a:r>
-          </a:p>
-          <a:p>
-            <a:pPr lvl="0">
-              <a:spcBef>
-                <a:spcPts val="1000"/>
-              </a:spcBef>
-              <a:spcAft>
-                <a:spcPts val="200"/>
-              </a:spcAft>
-            </a:pPr>
-            <a:r>
-              <a:rPr lang="en-US" sz="1200" dirty="0">
-                <a:latin typeface="Consolas" pitchFamily="49" charset="0"/>
-              </a:rPr>
-              <a:t>	GPIOA-&gt;CRH |=(2&lt;&lt;6);//alter </a:t>
-            </a:r>
-            <a:r>
-              <a:rPr lang="en-US" sz="1200" dirty="0" err="1">
-                <a:latin typeface="Consolas" pitchFamily="49" charset="0"/>
-              </a:rPr>
-              <a:t>pp</a:t>
-            </a:r>
-            <a:r>
-              <a:rPr lang="en-US" sz="1200" dirty="0">
-                <a:latin typeface="Consolas" pitchFamily="49" charset="0"/>
-              </a:rPr>
-              <a:t>	</a:t>
-            </a:r>
-          </a:p>
-          <a:p>
-            <a:pPr lvl="0">
-              <a:spcBef>
-                <a:spcPts val="1000"/>
-              </a:spcBef>
-              <a:spcAft>
-                <a:spcPts val="200"/>
-              </a:spcAft>
-            </a:pPr>
-            <a:r>
-              <a:rPr lang="en-US" sz="1200" dirty="0">
-                <a:latin typeface="Consolas" pitchFamily="49" charset="0"/>
-              </a:rPr>
-              <a:t>	//</a:t>
-            </a:r>
-            <a:r>
-              <a:rPr lang="en-US" sz="1200" dirty="0" err="1">
-                <a:latin typeface="Consolas" pitchFamily="49" charset="0"/>
-              </a:rPr>
-              <a:t>rx</a:t>
-            </a:r>
-            <a:endParaRPr lang="en-US" sz="1200" dirty="0">
-              <a:latin typeface="Consolas" pitchFamily="49" charset="0"/>
-            </a:endParaRPr>
-          </a:p>
-          <a:p>
-            <a:pPr lvl="0">
-              <a:spcBef>
-                <a:spcPts val="1000"/>
-              </a:spcBef>
-              <a:spcAft>
-                <a:spcPts val="200"/>
-              </a:spcAft>
-            </a:pPr>
-            <a:r>
-              <a:rPr lang="en-US" sz="1200" dirty="0">
-                <a:latin typeface="Consolas" pitchFamily="49" charset="0"/>
-              </a:rPr>
-              <a:t>	GPIOA-&gt;CRH &amp;=~(1&lt;&lt;8);//input</a:t>
-            </a:r>
-          </a:p>
-          <a:p>
-            <a:pPr lvl="0">
-              <a:spcBef>
-                <a:spcPts val="1000"/>
-              </a:spcBef>
-              <a:spcAft>
-                <a:spcPts val="200"/>
-              </a:spcAft>
-            </a:pPr>
-            <a:r>
-              <a:rPr lang="en-US" sz="1200" dirty="0">
-                <a:latin typeface="Consolas" pitchFamily="49" charset="0"/>
-              </a:rPr>
-              <a:t>	GPIOA-&gt;CRH |=(1&lt;&lt;10);//input </a:t>
-            </a:r>
-            <a:r>
-              <a:rPr lang="en-US" sz="1200" dirty="0" smtClean="0">
-                <a:latin typeface="Consolas" pitchFamily="49" charset="0"/>
-              </a:rPr>
-              <a:t>floating</a:t>
-            </a:r>
-            <a:endParaRPr lang="en-US" sz="1200" dirty="0">
-              <a:latin typeface="Consolas" pitchFamily="49" charset="0"/>
-            </a:endParaRPr>
-          </a:p>
-          <a:p>
-            <a:pPr lvl="0">
-              <a:spcBef>
-                <a:spcPts val="1000"/>
-              </a:spcBef>
-              <a:spcAft>
-                <a:spcPts val="200"/>
-              </a:spcAft>
-            </a:pPr>
-            <a:r>
-              <a:rPr lang="en-US" sz="1200" dirty="0">
-                <a:latin typeface="Consolas" pitchFamily="49" charset="0"/>
-              </a:rPr>
-              <a:t>}	</a:t>
-            </a:r>
-            <a:endParaRPr lang="en-US" sz="1200" dirty="0" smtClean="0">
-              <a:latin typeface="Consolas" pitchFamily="49" charset="0"/>
-            </a:endParaRPr>
-          </a:p>
-          <a:p>
-            <a:pPr lvl="0">
-              <a:spcBef>
-                <a:spcPts val="1000"/>
-              </a:spcBef>
-              <a:spcAft>
-                <a:spcPts val="200"/>
-              </a:spcAft>
-            </a:pPr>
-            <a:endParaRPr lang="en-US" sz="1200" dirty="0" smtClean="0">
-              <a:latin typeface="Consolas" pitchFamily="49" charset="0"/>
-            </a:endParaRPr>
-          </a:p>
-          <a:p>
-            <a:pPr lvl="0">
-              <a:spcBef>
-                <a:spcPts val="1000"/>
-              </a:spcBef>
-              <a:spcAft>
-                <a:spcPts val="200"/>
-              </a:spcAft>
-            </a:pPr>
-            <a:endParaRPr lang="en-US" sz="1200" dirty="0">
-              <a:latin typeface="Consolas" pitchFamily="49" charset="0"/>
-            </a:endParaRPr>
-          </a:p>
-          <a:p>
-            <a:pPr lvl="0">
-              <a:spcBef>
-                <a:spcPts val="1000"/>
-              </a:spcBef>
-              <a:spcAft>
-                <a:spcPts val="200"/>
-              </a:spcAft>
-            </a:pPr>
-            <a:endParaRPr lang="en-US" sz="1200" dirty="0" smtClean="0">
-              <a:latin typeface="Consolas" pitchFamily="49" charset="0"/>
-            </a:endParaRPr>
-          </a:p>
-          <a:p>
-            <a:pPr lvl="0">
-              <a:spcBef>
-                <a:spcPts val="1000"/>
-              </a:spcBef>
-              <a:spcAft>
-                <a:spcPts val="200"/>
-              </a:spcAft>
-            </a:pPr>
-            <a:endParaRPr lang="en-US" sz="1200" dirty="0">
-              <a:latin typeface="Consolas" pitchFamily="49" charset="0"/>
-            </a:endParaRPr>
-          </a:p>
-          <a:p>
-            <a:pPr lvl="0">
-              <a:spcBef>
-                <a:spcPts val="1000"/>
-              </a:spcBef>
-              <a:spcAft>
-                <a:spcPts val="200"/>
-              </a:spcAft>
-            </a:pPr>
-            <a:endParaRPr lang="en-US" sz="1200" dirty="0" smtClean="0">
-              <a:latin typeface="Consolas" pitchFamily="49" charset="0"/>
-            </a:endParaRPr>
-          </a:p>
-          <a:p>
-            <a:pPr lvl="0">
-              <a:spcBef>
-                <a:spcPts val="1000"/>
-              </a:spcBef>
-              <a:spcAft>
-                <a:spcPts val="200"/>
-              </a:spcAft>
-            </a:pPr>
-            <a:endParaRPr lang="en-US" sz="1200" dirty="0">
-              <a:latin typeface="Consolas" pitchFamily="49" charset="0"/>
-            </a:endParaRPr>
-          </a:p>
-          <a:p>
-            <a:pPr lvl="0">
-              <a:spcBef>
-                <a:spcPts val="1000"/>
-              </a:spcBef>
-              <a:spcAft>
-                <a:spcPts val="200"/>
-              </a:spcAft>
-            </a:pPr>
-            <a:endParaRPr lang="en-US" sz="1200" dirty="0" smtClean="0">
-              <a:latin typeface="Consolas" pitchFamily="49" charset="0"/>
-            </a:endParaRPr>
-          </a:p>
-          <a:p>
-            <a:pPr lvl="0">
-              <a:spcBef>
-                <a:spcPts val="1000"/>
-              </a:spcBef>
-              <a:spcAft>
-                <a:spcPts val="200"/>
-              </a:spcAft>
-            </a:pPr>
-            <a:endParaRPr lang="en-US" sz="1200" dirty="0">
-              <a:latin typeface="Consolas" pitchFamily="49" charset="0"/>
-            </a:endParaRPr>
-          </a:p>
-          <a:p>
-            <a:pPr lvl="0">
-              <a:spcBef>
-                <a:spcPts val="1000"/>
-              </a:spcBef>
-              <a:spcAft>
-                <a:spcPts val="200"/>
-              </a:spcAft>
-            </a:pPr>
-            <a:endParaRPr lang="en-US" sz="1200" dirty="0" smtClean="0">
-              <a:latin typeface="Consolas" pitchFamily="49" charset="0"/>
-            </a:endParaRPr>
-          </a:p>
-          <a:p>
-            <a:pPr lvl="0">
-              <a:spcBef>
-                <a:spcPts val="1000"/>
-              </a:spcBef>
-              <a:spcAft>
-                <a:spcPts val="200"/>
-              </a:spcAft>
-            </a:pPr>
-            <a:endParaRPr lang="en-US" sz="1200" dirty="0" smtClean="0">
-              <a:latin typeface="Consolas" pitchFamily="49" charset="0"/>
-            </a:endParaRPr>
-          </a:p>
-          <a:p>
-            <a:pPr lvl="0">
-              <a:spcBef>
-                <a:spcPts val="1000"/>
-              </a:spcBef>
-              <a:spcAft>
-                <a:spcPts val="200"/>
-              </a:spcAft>
-            </a:pPr>
-            <a:endParaRPr lang="en-US" sz="1200" dirty="0">
-              <a:latin typeface="Consolas" pitchFamily="49" charset="0"/>
-            </a:endParaRPr>
-          </a:p>
-          <a:p>
-            <a:pPr lvl="0">
-              <a:spcBef>
-                <a:spcPts val="1000"/>
-              </a:spcBef>
-              <a:spcAft>
-                <a:spcPts val="200"/>
-              </a:spcAft>
-            </a:pPr>
-            <a:endParaRPr lang="en-US" sz="1200" dirty="0" smtClean="0">
-              <a:latin typeface="Consolas" pitchFamily="49" charset="0"/>
-            </a:endParaRPr>
-          </a:p>
-          <a:p>
-            <a:pPr lvl="0">
-              <a:spcBef>
-                <a:spcPts val="1000"/>
-              </a:spcBef>
-              <a:spcAft>
-                <a:spcPts val="200"/>
-              </a:spcAft>
-            </a:pPr>
-            <a:r>
-              <a:rPr lang="en-US" sz="1200" dirty="0" smtClean="0">
-                <a:latin typeface="Consolas" pitchFamily="49" charset="0"/>
-              </a:rPr>
-              <a:t>void </a:t>
-            </a:r>
-            <a:r>
-              <a:rPr lang="en-US" sz="1200" dirty="0" err="1" smtClean="0">
-                <a:latin typeface="Consolas" pitchFamily="49" charset="0"/>
-              </a:rPr>
-              <a:t>uart_init</a:t>
-            </a:r>
-            <a:r>
-              <a:rPr lang="en-US" sz="1200" dirty="0" smtClean="0">
-                <a:latin typeface="Consolas" pitchFamily="49" charset="0"/>
-              </a:rPr>
-              <a:t>()</a:t>
-            </a:r>
-          </a:p>
-          <a:p>
-            <a:pPr lvl="0">
-              <a:spcBef>
-                <a:spcPts val="1000"/>
-              </a:spcBef>
-              <a:spcAft>
-                <a:spcPts val="200"/>
-              </a:spcAft>
-            </a:pPr>
-            <a:r>
-              <a:rPr lang="en-US" sz="1200" dirty="0" smtClean="0">
-                <a:latin typeface="Consolas" pitchFamily="49" charset="0"/>
-              </a:rPr>
-              <a:t>{</a:t>
-            </a:r>
-          </a:p>
-          <a:p>
-            <a:pPr lvl="0">
-              <a:spcBef>
-                <a:spcPts val="1000"/>
-              </a:spcBef>
-              <a:spcAft>
-                <a:spcPts val="200"/>
-              </a:spcAft>
-            </a:pPr>
-            <a:r>
-              <a:rPr lang="en-US" sz="1200" dirty="0" smtClean="0">
-                <a:latin typeface="Consolas" pitchFamily="49" charset="0"/>
-              </a:rPr>
-              <a:t>	USART1-&gt;CR1 &amp;=0x00000000;</a:t>
-            </a:r>
-          </a:p>
-          <a:p>
-            <a:pPr lvl="0">
-              <a:spcBef>
-                <a:spcPts val="1000"/>
-              </a:spcBef>
-              <a:spcAft>
-                <a:spcPts val="200"/>
-              </a:spcAft>
-            </a:pPr>
-            <a:r>
-              <a:rPr lang="en-US" sz="1200" dirty="0" smtClean="0">
-                <a:latin typeface="Consolas" pitchFamily="49" charset="0"/>
-              </a:rPr>
-              <a:t>	USART1-&gt;CR2 &amp;=0x00000000;</a:t>
-            </a:r>
-          </a:p>
-          <a:p>
-            <a:pPr lvl="0">
-              <a:spcBef>
-                <a:spcPts val="1000"/>
-              </a:spcBef>
-              <a:spcAft>
-                <a:spcPts val="200"/>
-              </a:spcAft>
-            </a:pPr>
-            <a:r>
-              <a:rPr lang="en-US" sz="1200" dirty="0" smtClean="0">
-                <a:latin typeface="Consolas" pitchFamily="49" charset="0"/>
-              </a:rPr>
-              <a:t>	USART1-&gt;CR3 &amp;=0x00000000;	</a:t>
-            </a:r>
-          </a:p>
-          <a:p>
-            <a:pPr lvl="0">
-              <a:spcBef>
-                <a:spcPts val="1000"/>
-              </a:spcBef>
-              <a:spcAft>
-                <a:spcPts val="200"/>
-              </a:spcAft>
-            </a:pPr>
-            <a:r>
-              <a:rPr lang="en-US" sz="1200" dirty="0" smtClean="0">
-                <a:latin typeface="Consolas" pitchFamily="49" charset="0"/>
-              </a:rPr>
-              <a:t>	//baud rate </a:t>
-            </a:r>
-            <a:r>
-              <a:rPr lang="en-US" sz="1200" dirty="0" err="1" smtClean="0">
-                <a:latin typeface="Consolas" pitchFamily="49" charset="0"/>
-              </a:rPr>
-              <a:t>config</a:t>
-            </a:r>
-            <a:r>
-              <a:rPr lang="en-US" sz="1200" dirty="0" smtClean="0">
-                <a:latin typeface="Consolas" pitchFamily="49" charset="0"/>
-              </a:rPr>
-              <a:t>	</a:t>
-            </a:r>
-          </a:p>
-          <a:p>
-            <a:pPr lvl="0">
-              <a:spcBef>
-                <a:spcPts val="1000"/>
-              </a:spcBef>
-              <a:spcAft>
-                <a:spcPts val="200"/>
-              </a:spcAft>
-            </a:pPr>
-            <a:r>
-              <a:rPr lang="en-US" sz="1200" dirty="0" smtClean="0">
-                <a:latin typeface="Consolas" pitchFamily="49" charset="0"/>
-              </a:rPr>
-              <a:t>	//</a:t>
-            </a:r>
-            <a:r>
-              <a:rPr lang="en-US" sz="1200" dirty="0" err="1" smtClean="0">
-                <a:latin typeface="Consolas" pitchFamily="49" charset="0"/>
-              </a:rPr>
-              <a:t>Tx</a:t>
-            </a:r>
-            <a:r>
-              <a:rPr lang="en-US" sz="1200" dirty="0" smtClean="0">
-                <a:latin typeface="Consolas" pitchFamily="49" charset="0"/>
-              </a:rPr>
-              <a:t>/ Rx baud rate =</a:t>
-            </a:r>
-            <a:r>
-              <a:rPr lang="en-US" sz="1200" dirty="0" err="1" smtClean="0">
-                <a:latin typeface="Consolas" pitchFamily="49" charset="0"/>
-              </a:rPr>
-              <a:t>fclk</a:t>
-            </a:r>
-            <a:r>
-              <a:rPr lang="en-US" sz="1200" dirty="0" smtClean="0">
-                <a:latin typeface="Consolas" pitchFamily="49" charset="0"/>
-              </a:rPr>
-              <a:t>/(16*USARTDIV)</a:t>
-            </a:r>
-          </a:p>
-          <a:p>
-            <a:pPr lvl="0">
-              <a:spcBef>
-                <a:spcPts val="1000"/>
-              </a:spcBef>
-              <a:spcAft>
-                <a:spcPts val="200"/>
-              </a:spcAft>
-            </a:pPr>
-            <a:r>
-              <a:rPr lang="en-US" sz="1200" dirty="0" smtClean="0">
-                <a:latin typeface="Consolas" pitchFamily="49" charset="0"/>
-              </a:rPr>
-              <a:t>	//</a:t>
-            </a:r>
-            <a:r>
-              <a:rPr lang="en-US" sz="1200" dirty="0" err="1" smtClean="0">
-                <a:latin typeface="Consolas" pitchFamily="49" charset="0"/>
-              </a:rPr>
-              <a:t>fclk</a:t>
-            </a:r>
-            <a:r>
-              <a:rPr lang="en-US" sz="1200" dirty="0" smtClean="0">
-                <a:latin typeface="Consolas" pitchFamily="49" charset="0"/>
-              </a:rPr>
-              <a:t>=8mhz ; baud rate=9600; 	USARTDIV=</a:t>
-            </a:r>
-            <a:r>
-              <a:rPr lang="en-US" sz="1200" dirty="0" err="1" smtClean="0">
-                <a:latin typeface="Consolas" pitchFamily="49" charset="0"/>
-              </a:rPr>
-              <a:t>DIV_Mantissa+DIV_Fraction</a:t>
-            </a:r>
-            <a:r>
-              <a:rPr lang="en-US" sz="1200" dirty="0" smtClean="0">
-                <a:latin typeface="Consolas" pitchFamily="49" charset="0"/>
-              </a:rPr>
-              <a:t>=52.083	</a:t>
-            </a:r>
-          </a:p>
-          <a:p>
-            <a:pPr lvl="0">
-              <a:spcBef>
-                <a:spcPts val="1000"/>
-              </a:spcBef>
-              <a:spcAft>
-                <a:spcPts val="200"/>
-              </a:spcAft>
-            </a:pPr>
-            <a:r>
-              <a:rPr lang="en-US" sz="1200" dirty="0" smtClean="0">
-                <a:latin typeface="Consolas" pitchFamily="49" charset="0"/>
-              </a:rPr>
-              <a:t>	USART1-&gt;BRR &amp;=0x00000000;</a:t>
-            </a:r>
-          </a:p>
-          <a:p>
-            <a:pPr lvl="0">
-              <a:spcBef>
-                <a:spcPts val="1000"/>
-              </a:spcBef>
-              <a:spcAft>
-                <a:spcPts val="200"/>
-              </a:spcAft>
-            </a:pPr>
-            <a:r>
-              <a:rPr lang="en-US" sz="1200" dirty="0" smtClean="0">
-                <a:latin typeface="Consolas" pitchFamily="49" charset="0"/>
-              </a:rPr>
-              <a:t>	USART1-&gt;BRR |=(52&lt;&lt;4); //mantissa</a:t>
-            </a:r>
-          </a:p>
-          <a:p>
-            <a:pPr lvl="0">
-              <a:spcBef>
-                <a:spcPts val="1000"/>
-              </a:spcBef>
-              <a:spcAft>
-                <a:spcPts val="200"/>
-              </a:spcAft>
-            </a:pPr>
-            <a:r>
-              <a:rPr lang="en-US" sz="1200" dirty="0" smtClean="0">
-                <a:latin typeface="Consolas" pitchFamily="49" charset="0"/>
-              </a:rPr>
-              <a:t>	USART1-&gt;BRR |=(1&lt;&lt;0); //Fraction	</a:t>
-            </a:r>
-          </a:p>
-          <a:p>
-            <a:pPr lvl="0">
-              <a:spcBef>
-                <a:spcPts val="1000"/>
-              </a:spcBef>
-              <a:spcAft>
-                <a:spcPts val="200"/>
-              </a:spcAft>
-            </a:pPr>
-            <a:r>
-              <a:rPr lang="en-US" sz="1200" dirty="0" smtClean="0">
-                <a:latin typeface="Consolas" pitchFamily="49" charset="0"/>
-              </a:rPr>
-              <a:t>	//USART_STD_BAUD_9600;</a:t>
-            </a:r>
-          </a:p>
-          <a:p>
-            <a:pPr lvl="0">
-              <a:spcBef>
-                <a:spcPts val="1000"/>
-              </a:spcBef>
-              <a:spcAft>
-                <a:spcPts val="200"/>
-              </a:spcAft>
-            </a:pPr>
-            <a:r>
-              <a:rPr lang="en-US" sz="1200" dirty="0" smtClean="0">
-                <a:latin typeface="Consolas" pitchFamily="49" charset="0"/>
-              </a:rPr>
-              <a:t>	//USART_HW_FLOW_CTRL_NONE;</a:t>
-            </a:r>
-          </a:p>
-          <a:p>
-            <a:pPr lvl="0">
-              <a:spcBef>
-                <a:spcPts val="1000"/>
-              </a:spcBef>
-              <a:spcAft>
-                <a:spcPts val="200"/>
-              </a:spcAft>
-            </a:pPr>
-            <a:r>
-              <a:rPr lang="en-US" sz="1200" dirty="0" smtClean="0">
-                <a:latin typeface="Consolas" pitchFamily="49" charset="0"/>
-              </a:rPr>
-              <a:t>	//USART_MODE_ONLY_TX;</a:t>
-            </a:r>
-          </a:p>
-          <a:p>
-            <a:pPr lvl="0">
-              <a:spcBef>
-                <a:spcPts val="1000"/>
-              </a:spcBef>
-              <a:spcAft>
-                <a:spcPts val="200"/>
-              </a:spcAft>
-            </a:pPr>
-            <a:r>
-              <a:rPr lang="en-US" sz="1200" dirty="0" smtClean="0">
-                <a:latin typeface="Consolas" pitchFamily="49" charset="0"/>
-              </a:rPr>
-              <a:t>	//USART_STOPBITS_1;</a:t>
-            </a:r>
-          </a:p>
-          <a:p>
-            <a:pPr lvl="0">
-              <a:spcBef>
-                <a:spcPts val="1000"/>
-              </a:spcBef>
-              <a:spcAft>
-                <a:spcPts val="200"/>
-              </a:spcAft>
-            </a:pPr>
-            <a:r>
-              <a:rPr lang="en-US" sz="1200" dirty="0" smtClean="0">
-                <a:latin typeface="Consolas" pitchFamily="49" charset="0"/>
-              </a:rPr>
-              <a:t>	//USART_WORDLEN_8BITS;</a:t>
-            </a:r>
-          </a:p>
-          <a:p>
-            <a:pPr lvl="0">
-              <a:spcBef>
-                <a:spcPts val="1000"/>
-              </a:spcBef>
-              <a:spcAft>
-                <a:spcPts val="200"/>
-              </a:spcAft>
-            </a:pPr>
-            <a:r>
-              <a:rPr lang="en-US" sz="1200" dirty="0" smtClean="0">
-                <a:latin typeface="Consolas" pitchFamily="49" charset="0"/>
-              </a:rPr>
-              <a:t>	//USART_PARITY_DISABLE;	</a:t>
-            </a:r>
-          </a:p>
-          <a:p>
-            <a:pPr lvl="0">
-              <a:spcBef>
-                <a:spcPts val="1000"/>
-              </a:spcBef>
-              <a:spcAft>
-                <a:spcPts val="200"/>
-              </a:spcAft>
-            </a:pPr>
-            <a:r>
-              <a:rPr lang="en-US" sz="1200" dirty="0" smtClean="0">
-                <a:latin typeface="Consolas" pitchFamily="49" charset="0"/>
-              </a:rPr>
-              <a:t>	USART1-&gt;CR1 |=(1&lt;&lt;3); //</a:t>
-            </a:r>
-            <a:r>
-              <a:rPr lang="en-US" sz="1200" dirty="0" err="1" smtClean="0">
-                <a:latin typeface="Consolas" pitchFamily="49" charset="0"/>
-              </a:rPr>
-              <a:t>tx</a:t>
-            </a:r>
-            <a:r>
-              <a:rPr lang="en-US" sz="1200" dirty="0" smtClean="0">
-                <a:latin typeface="Consolas" pitchFamily="49" charset="0"/>
-              </a:rPr>
-              <a:t> enable</a:t>
-            </a:r>
-          </a:p>
-          <a:p>
-            <a:pPr lvl="0">
-              <a:spcBef>
-                <a:spcPts val="1000"/>
-              </a:spcBef>
-              <a:spcAft>
-                <a:spcPts val="200"/>
-              </a:spcAft>
-            </a:pPr>
-            <a:r>
-              <a:rPr lang="en-US" sz="1200" dirty="0" smtClean="0">
-                <a:latin typeface="Consolas" pitchFamily="49" charset="0"/>
-              </a:rPr>
-              <a:t>	USART1-&gt;CR1 |=(1&lt;&lt;13); //</a:t>
-            </a:r>
-            <a:r>
-              <a:rPr lang="en-US" sz="1200" dirty="0" err="1" smtClean="0">
-                <a:latin typeface="Consolas" pitchFamily="49" charset="0"/>
-              </a:rPr>
-              <a:t>uart</a:t>
-            </a:r>
-            <a:r>
-              <a:rPr lang="en-US" sz="1200" dirty="0" smtClean="0">
-                <a:latin typeface="Consolas" pitchFamily="49" charset="0"/>
-              </a:rPr>
-              <a:t> enable	</a:t>
-            </a:r>
-          </a:p>
-          <a:p>
-            <a:pPr lvl="0">
-              <a:spcBef>
-                <a:spcPts val="1000"/>
-              </a:spcBef>
-              <a:spcAft>
-                <a:spcPts val="200"/>
-              </a:spcAft>
-            </a:pPr>
-            <a:r>
-              <a:rPr lang="en-US" sz="1200" dirty="0" smtClean="0">
-                <a:latin typeface="Consolas" pitchFamily="49" charset="0"/>
-              </a:rPr>
-              <a:t>}</a:t>
-            </a:r>
-          </a:p>
-          <a:p>
-            <a:pPr lvl="0">
-              <a:spcBef>
-                <a:spcPts val="1000"/>
-              </a:spcBef>
-              <a:spcAft>
-                <a:spcPts val="200"/>
-              </a:spcAft>
-            </a:pPr>
-            <a:r>
-              <a:rPr lang="en-US" sz="1200" dirty="0" smtClean="0">
-                <a:latin typeface="Consolas" pitchFamily="49" charset="0"/>
-              </a:rPr>
-              <a:t>	</a:t>
-            </a:r>
-          </a:p>
-          <a:p>
-            <a:pPr lvl="0">
-              <a:spcBef>
-                <a:spcPts val="1000"/>
-              </a:spcBef>
-              <a:spcAft>
-                <a:spcPts val="200"/>
-              </a:spcAft>
-            </a:pPr>
-            <a:endParaRPr lang="en-US" sz="1200" dirty="0">
-              <a:latin typeface="Consolas" pitchFamily="49" charset="0"/>
-            </a:endParaRPr>
-          </a:p>
-        </p:txBody>
-      </p:sp>
-    </p:spTree>
-    <p:extLst>
-      <p:ext uri="{BB962C8B-B14F-4D97-AF65-F5344CB8AC3E}">
-        <p14:creationId xmlns:p14="http://schemas.microsoft.com/office/powerpoint/2010/main" val="4112677201"/>
-      </p:ext>
-    </p:extLst>
-  </p:cSld>
-  <p:clrMapOvr>
-    <a:masterClrMapping/>
-  </p:clrMapOvr>
-  <p:timing>
-    <p:tnLst>
-      <p:par>
-        <p:cTn id="1" dur="indefinite" restart="never" nodeType="tmRoot"/>
-      </p:par>
-    </p:tnLst>
-  </p:timing>
-</p:sld>
-</file>
-
-<file path=ppt/slides/slide21.xml><?xml version="1.0" encoding="utf-8"?>
-<p:sld xmlns:a="http://schemas.openxmlformats.org/drawingml/2006/main" xmlns:r="http://schemas.openxmlformats.org/officeDocument/2006/relationships" xmlns:p="http://schemas.openxmlformats.org/presentationml/2006/main">
-  <p:cSld>
-    <p:spTree>
-      <p:nvGrpSpPr>
-        <p:cNvPr id="1" name=""/>
-        <p:cNvGrpSpPr/>
-        <p:nvPr/>
-      </p:nvGrpSpPr>
-      <p:grpSpPr>
-        <a:xfrm>
-          <a:off x="0" y="0"/>
-          <a:ext cx="0" cy="0"/>
-          <a:chOff x="0" y="0"/>
-          <a:chExt cx="0" cy="0"/>
-        </a:xfrm>
-      </p:grpSpPr>
-      <p:pic>
-        <p:nvPicPr>
-          <p:cNvPr id="2" name="Picture 2" descr="Azetech Solutions | LinkedIn"/>
-          <p:cNvPicPr>
-            <a:picLocks noChangeAspect="1" noChangeArrowheads="1"/>
-          </p:cNvPicPr>
-          <p:nvPr/>
-        </p:nvPicPr>
-        <p:blipFill>
-          <a:blip r:embed="rId2" cstate="print">
-            <a:extLst>
-              <a:ext uri="{28A0092B-C50C-407E-A947-70E740481C1C}">
-                <a14:useLocalDpi xmlns:a14="http://schemas.microsoft.com/office/drawing/2010/main" val="0"/>
-              </a:ext>
-            </a:extLst>
-          </a:blip>
-          <a:srcRect/>
-          <a:stretch>
-            <a:fillRect/>
-          </a:stretch>
-        </p:blipFill>
-        <p:spPr bwMode="auto">
-          <a:xfrm>
-            <a:off x="11456223" y="129648"/>
-            <a:ext cx="536848" cy="536848"/>
-          </a:xfrm>
-          <a:prstGeom prst="rect">
-            <a:avLst/>
-          </a:prstGeom>
-          <a:noFill/>
-          <a:extLst>
-            <a:ext uri="{909E8E84-426E-40DD-AFC4-6F175D3DCCD1}">
-              <a14:hiddenFill xmlns:a14="http://schemas.microsoft.com/office/drawing/2010/main">
-                <a:solidFill>
-                  <a:srgbClr val="FFFFFF"/>
-                </a:solidFill>
-              </a14:hiddenFill>
-            </a:ext>
-          </a:extLst>
-        </p:spPr>
-      </p:pic>
-      <p:sp>
-        <p:nvSpPr>
-          <p:cNvPr id="3" name="Footer Placeholder 2"/>
-          <p:cNvSpPr>
-            <a:spLocks noGrp="1"/>
-          </p:cNvSpPr>
-          <p:nvPr>
-            <p:ph type="ftr" sz="quarter" idx="11"/>
-          </p:nvPr>
-        </p:nvSpPr>
-        <p:spPr/>
-        <p:txBody>
-          <a:bodyPr/>
-          <a:lstStyle/>
-          <a:p>
-            <a:r>
-              <a:rPr lang="en-US" smtClean="0"/>
-              <a:t>Azetech Solution, Coimbatore</a:t>
-            </a:r>
-            <a:endParaRPr lang="en-US"/>
-          </a:p>
-        </p:txBody>
-      </p:sp>
-      <p:sp>
-        <p:nvSpPr>
-          <p:cNvPr id="5" name="Title 4"/>
-          <p:cNvSpPr txBox="1">
-            <a:spLocks/>
-          </p:cNvSpPr>
-          <p:nvPr/>
-        </p:nvSpPr>
-        <p:spPr>
-          <a:xfrm>
-            <a:off x="318311" y="441143"/>
-            <a:ext cx="6636281" cy="399245"/>
-          </a:xfrm>
-          <a:prstGeom prst="rect">
-            <a:avLst/>
-          </a:prstGeom>
-        </p:spPr>
-        <p:txBody>
-          <a:bodyPr vert="horz" lIns="91440" tIns="45720" rIns="91440" bIns="45720" rtlCol="0" anchor="b">
-            <a:noAutofit/>
-          </a:bodyPr>
-          <a:lstStyle>
-            <a:lvl1pPr algn="ctr" defTabSz="914400" rtl="0" eaLnBrk="1" latinLnBrk="0" hangingPunct="1">
-              <a:lnSpc>
-                <a:spcPct val="90000"/>
-              </a:lnSpc>
-              <a:spcBef>
-                <a:spcPct val="0"/>
-              </a:spcBef>
-              <a:buNone/>
-              <a:defRPr sz="6000" kern="1200">
-                <a:solidFill>
-                  <a:schemeClr val="tx1"/>
-                </a:solidFill>
-                <a:latin typeface="+mj-lt"/>
-                <a:ea typeface="+mj-ea"/>
-                <a:cs typeface="+mj-cs"/>
-              </a:defRPr>
-            </a:lvl1pPr>
-          </a:lstStyle>
-          <a:p>
-            <a:pPr algn="l"/>
-            <a:endParaRPr lang="en-US" sz="2800" b="1" dirty="0" smtClean="0">
-              <a:solidFill>
-                <a:schemeClr val="accent1">
-                  <a:lumMod val="75000"/>
-                </a:schemeClr>
-              </a:solidFill>
-              <a:latin typeface="Facto Bold" panose="00000800000000000000" pitchFamily="50" charset="0"/>
-            </a:endParaRPr>
-          </a:p>
-        </p:txBody>
-      </p:sp>
-      <p:sp>
-        <p:nvSpPr>
-          <p:cNvPr id="6" name="TextBox 5"/>
-          <p:cNvSpPr txBox="1"/>
-          <p:nvPr/>
-        </p:nvSpPr>
-        <p:spPr>
-          <a:xfrm>
             <a:off x="318311" y="441143"/>
             <a:ext cx="11873688" cy="5199369"/>
           </a:xfrm>
@@ -13571,7 +13165,7 @@
         <p:spPr>
           <a:xfrm>
             <a:off x="589430" y="995937"/>
-            <a:ext cx="11013140" cy="4708981"/>
+            <a:ext cx="11013140" cy="4247317"/>
           </a:xfrm>
           <a:prstGeom prst="rect">
             <a:avLst/>
@@ -13596,20 +13190,12 @@
             </a:pPr>
             <a:r>
               <a:rPr lang="en-US" sz="2000" dirty="0"/>
-              <a:t>Embedded System is an electronic system or device which employs both hardware and software. A processor or controller takes input from the physical world peripherals like sensors, actuators etc., processes the same through appropriate software and provides the desired output.</a:t>
-            </a:r>
-          </a:p>
-          <a:p>
-            <a:pPr marL="384048" lvl="0" indent="-384048" algn="just">
-              <a:spcBef>
-                <a:spcPts val="1000"/>
-              </a:spcBef>
-              <a:spcAft>
-                <a:spcPts val="200"/>
-              </a:spcAft>
-              <a:buFont typeface="Wingdings" panose="05000000000000000000" pitchFamily="2" charset="2"/>
-              <a:buChar char="v"/>
-            </a:pPr>
+              <a:t>Embedded System is an electronic system or device which employs both hardware and software. A processor or controller takes input from the physical world peripherals like sensors, actuators etc., processes the same through appropriate software and provides the desired output</a:t>
+            </a:r>
+            <a:r>
+              <a:rPr lang="en-US" sz="2000" dirty="0" smtClean="0"/>
+              <a:t>.</a:t>
+            </a:r>
             <a:endParaRPr lang="en-US" sz="2000" dirty="0"/>
           </a:p>
           <a:p>
@@ -14574,7 +14160,7 @@
           <p:nvPr>
             <p:extLst>
               <p:ext uri="{D42A27DB-BD31-4B8C-83A1-F6EECF244321}">
-                <p14:modId xmlns:p14="http://schemas.microsoft.com/office/powerpoint/2010/main" val="3564777351"/>
+                <p14:modId xmlns:p14="http://schemas.microsoft.com/office/powerpoint/2010/main" val="4130460042"/>
               </p:ext>
             </p:extLst>
           </p:nvPr>
@@ -15086,6 +14672,105 @@
           </a:extLst>
         </p:spPr>
       </p:pic>
+      <p:cxnSp>
+        <p:nvCxnSpPr>
+          <p:cNvPr id="8" name="Straight Arrow Connector 7"/>
+          <p:cNvCxnSpPr/>
+          <p:nvPr/>
+        </p:nvCxnSpPr>
+        <p:spPr>
+          <a:xfrm>
+            <a:off x="3942975" y="4790661"/>
+            <a:ext cx="4104861" cy="0"/>
+          </a:xfrm>
+          <a:prstGeom prst="straightConnector1">
+            <a:avLst/>
+          </a:prstGeom>
+          <a:ln>
+            <a:solidFill>
+              <a:schemeClr val="tx1"/>
+            </a:solidFill>
+            <a:tailEnd type="arrow"/>
+          </a:ln>
+        </p:spPr>
+        <p:style>
+          <a:lnRef idx="1">
+            <a:schemeClr val="accent1"/>
+          </a:lnRef>
+          <a:fillRef idx="0">
+            <a:schemeClr val="accent1"/>
+          </a:fillRef>
+          <a:effectRef idx="0">
+            <a:schemeClr val="accent1"/>
+          </a:effectRef>
+          <a:fontRef idx="minor">
+            <a:schemeClr val="tx1"/>
+          </a:fontRef>
+        </p:style>
+      </p:cxnSp>
+      <p:sp>
+        <p:nvSpPr>
+          <p:cNvPr id="10" name="TextBox 9"/>
+          <p:cNvSpPr txBox="1"/>
+          <p:nvPr/>
+        </p:nvSpPr>
+        <p:spPr>
+          <a:xfrm>
+            <a:off x="5277675" y="4530659"/>
+            <a:ext cx="1938131" cy="338554"/>
+          </a:xfrm>
+          <a:prstGeom prst="rect">
+            <a:avLst/>
+          </a:prstGeom>
+          <a:noFill/>
+        </p:spPr>
+        <p:txBody>
+          <a:bodyPr wrap="square" rtlCol="0">
+            <a:spAutoFit/>
+          </a:bodyPr>
+          <a:lstStyle/>
+          <a:p>
+            <a:r>
+              <a:rPr lang="en-US" sz="1600" b="1" dirty="0" smtClean="0"/>
+              <a:t>Clock Line</a:t>
+            </a:r>
+            <a:endParaRPr lang="en-US" sz="1600" b="1" dirty="0"/>
+          </a:p>
+        </p:txBody>
+      </p:sp>
+      <p:cxnSp>
+        <p:nvCxnSpPr>
+          <p:cNvPr id="15" name="Straight Arrow Connector 14"/>
+          <p:cNvCxnSpPr/>
+          <p:nvPr/>
+        </p:nvCxnSpPr>
+        <p:spPr>
+          <a:xfrm>
+            <a:off x="3942974" y="4790661"/>
+            <a:ext cx="4104861" cy="0"/>
+          </a:xfrm>
+          <a:prstGeom prst="straightConnector1">
+            <a:avLst/>
+          </a:prstGeom>
+          <a:ln>
+            <a:tailEnd type="arrow"/>
+          </a:ln>
+        </p:spPr>
+        <p:style>
+          <a:lnRef idx="3">
+            <a:schemeClr val="dk1"/>
+          </a:lnRef>
+          <a:fillRef idx="0">
+            <a:schemeClr val="dk1"/>
+          </a:fillRef>
+          <a:effectRef idx="2">
+            <a:schemeClr val="dk1"/>
+          </a:effectRef>
+          <a:fontRef idx="minor">
+            <a:schemeClr val="tx1"/>
+          </a:fontRef>
+        </p:style>
+      </p:cxnSp>
     </p:spTree>
     <p:extLst>
       <p:ext uri="{BB962C8B-B14F-4D97-AF65-F5344CB8AC3E}">
@@ -15567,7 +15252,7 @@
   <a:extraClrSchemeLst/>
   <a:extLst>
     <a:ext uri="{05A4C25C-085E-4340-85A3-A5531E510DB2}">
-      <thm15:themeFamily xmlns:thm15="http://schemas.microsoft.com/office/thememl/2012/main" xmlns="" name="Office Theme" id="{62F939B6-93AF-4DB8-9C6B-D6C7DFDC589F}" vid="{4A3C46E8-61CC-4603-A589-7422A47A8E4A}"/>
+      <thm15:themeFamily xmlns="" xmlns:thm15="http://schemas.microsoft.com/office/thememl/2012/main" name="Office Theme" id="{62F939B6-93AF-4DB8-9C6B-D6C7DFDC589F}" vid="{4A3C46E8-61CC-4603-A589-7422A47A8E4A}"/>
     </a:ext>
   </a:extLst>
 </a:theme>
@@ -15828,7 +15513,7 @@
   <a:extraClrSchemeLst/>
   <a:extLst>
     <a:ext uri="{05A4C25C-085E-4340-85A3-A5531E510DB2}">
-      <thm15:themeFamily xmlns:thm15="http://schemas.microsoft.com/office/thememl/2012/main" xmlns="" name="Office Theme" id="{62F939B6-93AF-4DB8-9C6B-D6C7DFDC589F}" vid="{4A3C46E8-61CC-4603-A589-7422A47A8E4A}"/>
+      <thm15:themeFamily xmlns="" xmlns:thm15="http://schemas.microsoft.com/office/thememl/2012/main" name="Office Theme" id="{62F939B6-93AF-4DB8-9C6B-D6C7DFDC589F}" vid="{4A3C46E8-61CC-4603-A589-7422A47A8E4A}"/>
     </a:ext>
   </a:extLst>
 </a:theme>
@@ -16089,7 +15774,7 @@
   <a:extraClrSchemeLst/>
   <a:extLst>
     <a:ext uri="{05A4C25C-085E-4340-85A3-A5531E510DB2}">
-      <thm15:themeFamily xmlns:thm15="http://schemas.microsoft.com/office/thememl/2012/main" xmlns="" name="Office Theme" id="{62F939B6-93AF-4DB8-9C6B-D6C7DFDC589F}" vid="{4A3C46E8-61CC-4603-A589-7422A47A8E4A}"/>
+      <thm15:themeFamily xmlns="" xmlns:thm15="http://schemas.microsoft.com/office/thememl/2012/main" name="Office Theme" id="{62F939B6-93AF-4DB8-9C6B-D6C7DFDC589F}" vid="{4A3C46E8-61CC-4603-A589-7422A47A8E4A}"/>
     </a:ext>
   </a:extLst>
 </a:theme>

--- a/STM32_DOCS/STM32_UART.pptx
+++ b/STM32_DOCS/STM32_UART.pptx
@@ -131,7 +131,7 @@
   </p:defaultTextStyle>
   <p:extLst>
     <p:ext uri="{EFAFB233-063F-42B5-8137-9DF3F51BA10A}">
-      <p15:sldGuideLst xmlns="" xmlns:p15="http://schemas.microsoft.com/office/powerpoint/2012/main"/>
+      <p15:sldGuideLst xmlns:p15="http://schemas.microsoft.com/office/powerpoint/2012/main" xmlns=""/>
     </p:ext>
   </p:extLst>
 </p:presentation>
@@ -4621,7 +4621,7 @@
           <a:p>
             <a:fld id="{FA960776-DD9C-4CA1-B52F-F69555253B23}" type="datetimeFigureOut">
               <a:rPr lang="en-US" smtClean="0"/>
-              <a:t>19-Jul-21</a:t>
+              <a:t>20-Jul-21</a:t>
             </a:fld>
             <a:endParaRPr lang="en-US"/>
           </a:p>
@@ -4786,7 +4786,7 @@
           <a:p>
             <a:fld id="{117B28C9-C092-4B93-8C1C-CCC07276BB7E}" type="datetimeFigureOut">
               <a:rPr lang="en-US" smtClean="0"/>
-              <a:t>19-Jul-21</a:t>
+              <a:t>20-Jul-21</a:t>
             </a:fld>
             <a:endParaRPr lang="en-US"/>
           </a:p>
@@ -5185,7 +5185,7 @@
           <a:p>
             <a:fld id="{2A5E2251-59F4-40B9-B589-7FD156F73A80}" type="datetime1">
               <a:rPr lang="en-US" smtClean="0"/>
-              <a:t>19-Jul-21</a:t>
+              <a:t>20-Jul-21</a:t>
             </a:fld>
             <a:endParaRPr lang="en-US"/>
           </a:p>
@@ -5359,7 +5359,7 @@
           <a:p>
             <a:fld id="{89CF80C3-0E08-48A5-B726-C01769596925}" type="datetime1">
               <a:rPr lang="en-US" smtClean="0"/>
-              <a:t>19-Jul-21</a:t>
+              <a:t>20-Jul-21</a:t>
             </a:fld>
             <a:endParaRPr lang="en-US"/>
           </a:p>
@@ -5543,7 +5543,7 @@
           <a:p>
             <a:fld id="{892E424D-94F6-4CEC-A81F-5E779D7413CC}" type="datetime1">
               <a:rPr lang="en-US" smtClean="0"/>
-              <a:t>19-Jul-21</a:t>
+              <a:t>20-Jul-21</a:t>
             </a:fld>
             <a:endParaRPr lang="en-US"/>
           </a:p>
@@ -5717,7 +5717,7 @@
           <a:p>
             <a:fld id="{97D9D462-B0B7-4ABA-96C7-E930E507E961}" type="datetime1">
               <a:rPr lang="en-US" smtClean="0"/>
-              <a:t>19-Jul-21</a:t>
+              <a:t>20-Jul-21</a:t>
             </a:fld>
             <a:endParaRPr lang="en-US"/>
           </a:p>
@@ -5967,7 +5967,7 @@
           <a:p>
             <a:fld id="{3918557C-03DF-4711-B723-5E38B3E9A1E7}" type="datetime1">
               <a:rPr lang="en-US" smtClean="0"/>
-              <a:t>19-Jul-21</a:t>
+              <a:t>20-Jul-21</a:t>
             </a:fld>
             <a:endParaRPr lang="en-US"/>
           </a:p>
@@ -6203,7 +6203,7 @@
           <a:p>
             <a:fld id="{88336EB4-A409-4FAD-9C75-0FDA2532A29E}" type="datetime1">
               <a:rPr lang="en-US" smtClean="0"/>
-              <a:t>19-Jul-21</a:t>
+              <a:t>20-Jul-21</a:t>
             </a:fld>
             <a:endParaRPr lang="en-US"/>
           </a:p>
@@ -6574,7 +6574,7 @@
           <a:p>
             <a:fld id="{DEDC10B9-38CE-47F4-A584-8AB9D88C77B6}" type="datetime1">
               <a:rPr lang="en-US" smtClean="0"/>
-              <a:t>19-Jul-21</a:t>
+              <a:t>20-Jul-21</a:t>
             </a:fld>
             <a:endParaRPr lang="en-US"/>
           </a:p>
@@ -6696,7 +6696,7 @@
           <a:p>
             <a:fld id="{3555007C-9379-46F8-979B-5F3BF56E7AAF}" type="datetime1">
               <a:rPr lang="en-US" smtClean="0"/>
-              <a:t>19-Jul-21</a:t>
+              <a:t>20-Jul-21</a:t>
             </a:fld>
             <a:endParaRPr lang="en-US"/>
           </a:p>
@@ -6795,7 +6795,7 @@
           <a:p>
             <a:fld id="{DF2E3600-6EBA-4BF3-A90C-7AAC98EC2961}" type="datetime1">
               <a:rPr lang="en-US" smtClean="0"/>
-              <a:t>19-Jul-21</a:t>
+              <a:t>20-Jul-21</a:t>
             </a:fld>
             <a:endParaRPr lang="en-US"/>
           </a:p>
@@ -7076,7 +7076,7 @@
           <a:p>
             <a:fld id="{58C74F0D-A1EF-4991-AA34-322619835400}" type="datetime1">
               <a:rPr lang="en-US" smtClean="0"/>
-              <a:t>19-Jul-21</a:t>
+              <a:t>20-Jul-21</a:t>
             </a:fld>
             <a:endParaRPr lang="en-US"/>
           </a:p>
@@ -7333,7 +7333,7 @@
           <a:p>
             <a:fld id="{B940BCD2-4171-4350-A35E-E8DC82A10A4D}" type="datetime1">
               <a:rPr lang="en-US" smtClean="0"/>
-              <a:t>19-Jul-21</a:t>
+              <a:t>20-Jul-21</a:t>
             </a:fld>
             <a:endParaRPr lang="en-US"/>
           </a:p>
@@ -7550,7 +7550,7 @@
           <a:p>
             <a:fld id="{ABA45DF3-9160-4E03-9CC3-848E1257BAC3}" type="datetime1">
               <a:rPr lang="en-US" smtClean="0"/>
-              <a:t>19-Jul-21</a:t>
+              <a:t>20-Jul-21</a:t>
             </a:fld>
             <a:endParaRPr lang="en-US"/>
           </a:p>
@@ -10202,14 +10202,46 @@
             </a:r>
             <a:r>
               <a:rPr lang="en-US" sz="2000" dirty="0" smtClean="0"/>
-              <a:t> = 16*0d0.82 = 0d13</a:t>
+              <a:t> = </a:t>
+            </a:r>
+            <a:r>
+              <a:rPr lang="en-US" sz="2000" dirty="0" smtClean="0"/>
+              <a:t>16*0d0.083 </a:t>
+            </a:r>
+            <a:r>
+              <a:rPr lang="en-US" sz="2000" dirty="0" smtClean="0"/>
+              <a:t>= </a:t>
+            </a:r>
+            <a:r>
+              <a:rPr lang="en-US" sz="2000" dirty="0" smtClean="0"/>
+              <a:t>0d1.33</a:t>
+            </a:r>
+            <a:r>
+              <a:rPr lang="en-US" sz="2000" dirty="0" smtClean="0"/>
+              <a:t/>
             </a:r>
             <a:br>
               <a:rPr lang="en-US" sz="2000" dirty="0" smtClean="0"/>
             </a:br>
             <a:r>
               <a:rPr lang="en-US" sz="2000" dirty="0" smtClean="0"/>
-              <a:t>The nearest real number is 0d13 = 0xD</a:t>
+              <a:t>The nearest real number is </a:t>
+            </a:r>
+            <a:r>
+              <a:rPr lang="en-US" sz="2000" dirty="0" smtClean="0"/>
+              <a:t>0d1 </a:t>
+            </a:r>
+            <a:r>
+              <a:rPr lang="en-US" sz="2000" dirty="0" smtClean="0"/>
+              <a:t>= </a:t>
+            </a:r>
+            <a:r>
+              <a:rPr lang="en-US" sz="2000" dirty="0" smtClean="0"/>
+              <a:t>0x1</a:t>
+            </a:r>
+            <a:r>
+              <a:rPr lang="en-US" sz="2000" dirty="0" smtClean="0"/>
+              <a:t/>
             </a:r>
             <a:br>
               <a:rPr lang="en-US" sz="2000" dirty="0" smtClean="0"/>
@@ -10220,7 +10252,19 @@
             </a:r>
             <a:r>
               <a:rPr lang="en-US" sz="2000" dirty="0" smtClean="0"/>
-              <a:t> = mantissa (0d52.08) = 0d52 = 0x34</a:t>
+              <a:t> = mantissa (0d52.08) = 0d52 </a:t>
+            </a:r>
+            <a:r>
+              <a:rPr lang="en-US" sz="2000" smtClean="0"/>
+              <a:t>= </a:t>
+            </a:r>
+            <a:r>
+              <a:rPr lang="en-US" sz="2000" smtClean="0"/>
+              <a:t>0x341</a:t>
+            </a:r>
+            <a:r>
+              <a:rPr lang="en-US" sz="2000" dirty="0" smtClean="0"/>
+              <a:t/>
             </a:r>
             <a:br>
               <a:rPr lang="en-US" sz="2000" dirty="0" smtClean="0"/>
@@ -10235,7 +10279,23 @@
                   <a:srgbClr val="FF0000"/>
                 </a:solidFill>
               </a:rPr>
-              <a:t>USART_BRR = 0x34D </a:t>
+              <a:t>USART_BRR </a:t>
+            </a:r>
+            <a:r>
+              <a:rPr lang="en-US" sz="2000" smtClean="0">
+                <a:solidFill>
+                  <a:srgbClr val="FF0000"/>
+                </a:solidFill>
+              </a:rPr>
+              <a:t>= </a:t>
+            </a:r>
+            <a:r>
+              <a:rPr lang="en-US" sz="2000" smtClean="0">
+                <a:solidFill>
+                  <a:srgbClr val="FF0000"/>
+                </a:solidFill>
+              </a:rPr>
+              <a:t>0x341 </a:t>
             </a:r>
             <a:r>
               <a:rPr lang="en-US" sz="2000" dirty="0" smtClean="0"/>
@@ -15252,7 +15312,7 @@
   <a:extraClrSchemeLst/>
   <a:extLst>
     <a:ext uri="{05A4C25C-085E-4340-85A3-A5531E510DB2}">
-      <thm15:themeFamily xmlns="" xmlns:thm15="http://schemas.microsoft.com/office/thememl/2012/main" name="Office Theme" id="{62F939B6-93AF-4DB8-9C6B-D6C7DFDC589F}" vid="{4A3C46E8-61CC-4603-A589-7422A47A8E4A}"/>
+      <thm15:themeFamily xmlns:thm15="http://schemas.microsoft.com/office/thememl/2012/main" xmlns="" name="Office Theme" id="{62F939B6-93AF-4DB8-9C6B-D6C7DFDC589F}" vid="{4A3C46E8-61CC-4603-A589-7422A47A8E4A}"/>
     </a:ext>
   </a:extLst>
 </a:theme>
@@ -15513,7 +15573,7 @@
   <a:extraClrSchemeLst/>
   <a:extLst>
     <a:ext uri="{05A4C25C-085E-4340-85A3-A5531E510DB2}">
-      <thm15:themeFamily xmlns="" xmlns:thm15="http://schemas.microsoft.com/office/thememl/2012/main" name="Office Theme" id="{62F939B6-93AF-4DB8-9C6B-D6C7DFDC589F}" vid="{4A3C46E8-61CC-4603-A589-7422A47A8E4A}"/>
+      <thm15:themeFamily xmlns:thm15="http://schemas.microsoft.com/office/thememl/2012/main" xmlns="" name="Office Theme" id="{62F939B6-93AF-4DB8-9C6B-D6C7DFDC589F}" vid="{4A3C46E8-61CC-4603-A589-7422A47A8E4A}"/>
     </a:ext>
   </a:extLst>
 </a:theme>
@@ -15774,7 +15834,7 @@
   <a:extraClrSchemeLst/>
   <a:extLst>
     <a:ext uri="{05A4C25C-085E-4340-85A3-A5531E510DB2}">
-      <thm15:themeFamily xmlns="" xmlns:thm15="http://schemas.microsoft.com/office/thememl/2012/main" name="Office Theme" id="{62F939B6-93AF-4DB8-9C6B-D6C7DFDC589F}" vid="{4A3C46E8-61CC-4603-A589-7422A47A8E4A}"/>
+      <thm15:themeFamily xmlns:thm15="http://schemas.microsoft.com/office/thememl/2012/main" xmlns="" name="Office Theme" id="{62F939B6-93AF-4DB8-9C6B-D6C7DFDC589F}" vid="{4A3C46E8-61CC-4603-A589-7422A47A8E4A}"/>
     </a:ext>
   </a:extLst>
 </a:theme>
